--- a/Training/PTYCPM/So do cay.pptx
+++ b/Training/PTYCPM/So do cay.pptx
@@ -7,6 +7,8 @@
   <p:sldIdLst>
     <p:sldId id="256" r:id="rId2"/>
     <p:sldId id="257" r:id="rId3"/>
+    <p:sldId id="258" r:id="rId4"/>
+    <p:sldId id="259" r:id="rId5"/>
   </p:sldIdLst>
   <p:sldSz cx="12192000" cy="6858000"/>
   <p:notesSz cx="6858000" cy="9144000"/>
@@ -113,6 +115,10 @@
 </p:presentation>
 </file>
 
+<file path=ppt/revisionInfo.xml><?xml version="1.0" encoding="utf-8"?>
+<p1510:revInfo xmlns:a="http://schemas.openxmlformats.org/drawingml/2006/main" xmlns:r="http://schemas.openxmlformats.org/officeDocument/2006/relationships" xmlns:p1510="http://schemas.microsoft.com/office/powerpoint/2015/10/main"/>
+</file>
+
 <file path=ppt/slideLayouts/slideLayout1.xml><?xml version="1.0" encoding="utf-8"?>
 <p:sldLayout xmlns:a="http://schemas.openxmlformats.org/drawingml/2006/main" xmlns:r="http://schemas.openxmlformats.org/officeDocument/2006/relationships" xmlns:p="http://schemas.openxmlformats.org/presentationml/2006/main" type="title" preserve="1">
   <p:cSld name="Title Slide">
@@ -155,10 +161,9 @@
           </a:lstStyle>
           <a:p>
             <a:r>
-              <a:rPr lang="en-US" smtClean="0"/>
+              <a:rPr lang="en-US"/>
               <a:t>Click to edit Master title style</a:t>
             </a:r>
-            <a:endParaRPr lang="en-US"/>
           </a:p>
         </p:txBody>
       </p:sp>
@@ -220,10 +225,9 @@
           </a:lstStyle>
           <a:p>
             <a:r>
-              <a:rPr lang="en-US" smtClean="0"/>
+              <a:rPr lang="en-US"/>
               <a:t>Click to edit Master subtitle style</a:t>
             </a:r>
-            <a:endParaRPr lang="en-US"/>
           </a:p>
         </p:txBody>
       </p:sp>
@@ -244,7 +248,7 @@
           <a:p>
             <a:fld id="{8F0154A2-5DCA-467E-AB45-3CDD4A3A2455}" type="datetimeFigureOut">
               <a:rPr lang="en-US" smtClean="0"/>
-              <a:t>4/30/2017</a:t>
+              <a:t>21/09/2017</a:t>
             </a:fld>
             <a:endParaRPr lang="en-US"/>
           </a:p>
@@ -338,10 +342,9 @@
           <a:lstStyle/>
           <a:p>
             <a:r>
-              <a:rPr lang="en-US" smtClean="0"/>
+              <a:rPr lang="en-US"/>
               <a:t>Click to edit Master title style</a:t>
             </a:r>
-            <a:endParaRPr lang="en-US"/>
           </a:p>
         </p:txBody>
       </p:sp>
@@ -362,38 +365,37 @@
           <a:p>
             <a:pPr lvl="0"/>
             <a:r>
-              <a:rPr lang="en-US" smtClean="0"/>
+              <a:rPr lang="en-US"/>
               <a:t>Edit Master text styles</a:t>
             </a:r>
           </a:p>
           <a:p>
             <a:pPr lvl="1"/>
             <a:r>
-              <a:rPr lang="en-US" smtClean="0"/>
+              <a:rPr lang="en-US"/>
               <a:t>Second level</a:t>
             </a:r>
           </a:p>
           <a:p>
             <a:pPr lvl="2"/>
             <a:r>
-              <a:rPr lang="en-US" smtClean="0"/>
+              <a:rPr lang="en-US"/>
               <a:t>Third level</a:t>
             </a:r>
           </a:p>
           <a:p>
             <a:pPr lvl="3"/>
             <a:r>
-              <a:rPr lang="en-US" smtClean="0"/>
+              <a:rPr lang="en-US"/>
               <a:t>Fourth level</a:t>
             </a:r>
           </a:p>
           <a:p>
             <a:pPr lvl="4"/>
             <a:r>
-              <a:rPr lang="en-US" smtClean="0"/>
+              <a:rPr lang="en-US"/>
               <a:t>Fifth level</a:t>
             </a:r>
-            <a:endParaRPr lang="en-US"/>
           </a:p>
         </p:txBody>
       </p:sp>
@@ -414,7 +416,7 @@
           <a:p>
             <a:fld id="{8F0154A2-5DCA-467E-AB45-3CDD4A3A2455}" type="datetimeFigureOut">
               <a:rPr lang="en-US" smtClean="0"/>
-              <a:t>4/30/2017</a:t>
+              <a:t>21/09/2017</a:t>
             </a:fld>
             <a:endParaRPr lang="en-US"/>
           </a:p>
@@ -513,10 +515,9 @@
           <a:lstStyle/>
           <a:p>
             <a:r>
-              <a:rPr lang="en-US" smtClean="0"/>
+              <a:rPr lang="en-US"/>
               <a:t>Click to edit Master title style</a:t>
             </a:r>
-            <a:endParaRPr lang="en-US"/>
           </a:p>
         </p:txBody>
       </p:sp>
@@ -542,38 +543,37 @@
           <a:p>
             <a:pPr lvl="0"/>
             <a:r>
-              <a:rPr lang="en-US" smtClean="0"/>
+              <a:rPr lang="en-US"/>
               <a:t>Edit Master text styles</a:t>
             </a:r>
           </a:p>
           <a:p>
             <a:pPr lvl="1"/>
             <a:r>
-              <a:rPr lang="en-US" smtClean="0"/>
+              <a:rPr lang="en-US"/>
               <a:t>Second level</a:t>
             </a:r>
           </a:p>
           <a:p>
             <a:pPr lvl="2"/>
             <a:r>
-              <a:rPr lang="en-US" smtClean="0"/>
+              <a:rPr lang="en-US"/>
               <a:t>Third level</a:t>
             </a:r>
           </a:p>
           <a:p>
             <a:pPr lvl="3"/>
             <a:r>
-              <a:rPr lang="en-US" smtClean="0"/>
+              <a:rPr lang="en-US"/>
               <a:t>Fourth level</a:t>
             </a:r>
           </a:p>
           <a:p>
             <a:pPr lvl="4"/>
             <a:r>
-              <a:rPr lang="en-US" smtClean="0"/>
+              <a:rPr lang="en-US"/>
               <a:t>Fifth level</a:t>
             </a:r>
-            <a:endParaRPr lang="en-US"/>
           </a:p>
         </p:txBody>
       </p:sp>
@@ -594,7 +594,7 @@
           <a:p>
             <a:fld id="{8F0154A2-5DCA-467E-AB45-3CDD4A3A2455}" type="datetimeFigureOut">
               <a:rPr lang="en-US" smtClean="0"/>
-              <a:t>4/30/2017</a:t>
+              <a:t>21/09/2017</a:t>
             </a:fld>
             <a:endParaRPr lang="en-US"/>
           </a:p>
@@ -688,10 +688,9 @@
           <a:lstStyle/>
           <a:p>
             <a:r>
-              <a:rPr lang="en-US" smtClean="0"/>
+              <a:rPr lang="en-US"/>
               <a:t>Click to edit Master title style</a:t>
             </a:r>
-            <a:endParaRPr lang="en-US"/>
           </a:p>
         </p:txBody>
       </p:sp>
@@ -712,38 +711,37 @@
           <a:p>
             <a:pPr lvl="0"/>
             <a:r>
-              <a:rPr lang="en-US" smtClean="0"/>
+              <a:rPr lang="en-US"/>
               <a:t>Edit Master text styles</a:t>
             </a:r>
           </a:p>
           <a:p>
             <a:pPr lvl="1"/>
             <a:r>
-              <a:rPr lang="en-US" smtClean="0"/>
+              <a:rPr lang="en-US"/>
               <a:t>Second level</a:t>
             </a:r>
           </a:p>
           <a:p>
             <a:pPr lvl="2"/>
             <a:r>
-              <a:rPr lang="en-US" smtClean="0"/>
+              <a:rPr lang="en-US"/>
               <a:t>Third level</a:t>
             </a:r>
           </a:p>
           <a:p>
             <a:pPr lvl="3"/>
             <a:r>
-              <a:rPr lang="en-US" smtClean="0"/>
+              <a:rPr lang="en-US"/>
               <a:t>Fourth level</a:t>
             </a:r>
           </a:p>
           <a:p>
             <a:pPr lvl="4"/>
             <a:r>
-              <a:rPr lang="en-US" smtClean="0"/>
+              <a:rPr lang="en-US"/>
               <a:t>Fifth level</a:t>
             </a:r>
-            <a:endParaRPr lang="en-US"/>
           </a:p>
         </p:txBody>
       </p:sp>
@@ -764,7 +762,7 @@
           <a:p>
             <a:fld id="{8F0154A2-5DCA-467E-AB45-3CDD4A3A2455}" type="datetimeFigureOut">
               <a:rPr lang="en-US" smtClean="0"/>
-              <a:t>4/30/2017</a:t>
+              <a:t>21/09/2017</a:t>
             </a:fld>
             <a:endParaRPr lang="en-US"/>
           </a:p>
@@ -867,10 +865,9 @@
           </a:lstStyle>
           <a:p>
             <a:r>
-              <a:rPr lang="en-US" smtClean="0"/>
+              <a:rPr lang="en-US"/>
               <a:t>Click to edit Master title style</a:t>
             </a:r>
-            <a:endParaRPr lang="en-US"/>
           </a:p>
         </p:txBody>
       </p:sp>
@@ -987,7 +984,7 @@
           <a:p>
             <a:pPr lvl="0"/>
             <a:r>
-              <a:rPr lang="en-US" smtClean="0"/>
+              <a:rPr lang="en-US"/>
               <a:t>Edit Master text styles</a:t>
             </a:r>
           </a:p>
@@ -1010,7 +1007,7 @@
           <a:p>
             <a:fld id="{8F0154A2-5DCA-467E-AB45-3CDD4A3A2455}" type="datetimeFigureOut">
               <a:rPr lang="en-US" smtClean="0"/>
-              <a:t>4/30/2017</a:t>
+              <a:t>21/09/2017</a:t>
             </a:fld>
             <a:endParaRPr lang="en-US"/>
           </a:p>
@@ -1104,10 +1101,9 @@
           <a:lstStyle/>
           <a:p>
             <a:r>
-              <a:rPr lang="en-US" smtClean="0"/>
+              <a:rPr lang="en-US"/>
               <a:t>Click to edit Master title style</a:t>
             </a:r>
-            <a:endParaRPr lang="en-US"/>
           </a:p>
         </p:txBody>
       </p:sp>
@@ -1133,38 +1129,37 @@
           <a:p>
             <a:pPr lvl="0"/>
             <a:r>
-              <a:rPr lang="en-US" smtClean="0"/>
+              <a:rPr lang="en-US"/>
               <a:t>Edit Master text styles</a:t>
             </a:r>
           </a:p>
           <a:p>
             <a:pPr lvl="1"/>
             <a:r>
-              <a:rPr lang="en-US" smtClean="0"/>
+              <a:rPr lang="en-US"/>
               <a:t>Second level</a:t>
             </a:r>
           </a:p>
           <a:p>
             <a:pPr lvl="2"/>
             <a:r>
-              <a:rPr lang="en-US" smtClean="0"/>
+              <a:rPr lang="en-US"/>
               <a:t>Third level</a:t>
             </a:r>
           </a:p>
           <a:p>
             <a:pPr lvl="3"/>
             <a:r>
-              <a:rPr lang="en-US" smtClean="0"/>
+              <a:rPr lang="en-US"/>
               <a:t>Fourth level</a:t>
             </a:r>
           </a:p>
           <a:p>
             <a:pPr lvl="4"/>
             <a:r>
-              <a:rPr lang="en-US" smtClean="0"/>
+              <a:rPr lang="en-US"/>
               <a:t>Fifth level</a:t>
             </a:r>
-            <a:endParaRPr lang="en-US"/>
           </a:p>
         </p:txBody>
       </p:sp>
@@ -1190,38 +1185,37 @@
           <a:p>
             <a:pPr lvl="0"/>
             <a:r>
-              <a:rPr lang="en-US" smtClean="0"/>
+              <a:rPr lang="en-US"/>
               <a:t>Edit Master text styles</a:t>
             </a:r>
           </a:p>
           <a:p>
             <a:pPr lvl="1"/>
             <a:r>
-              <a:rPr lang="en-US" smtClean="0"/>
+              <a:rPr lang="en-US"/>
               <a:t>Second level</a:t>
             </a:r>
           </a:p>
           <a:p>
             <a:pPr lvl="2"/>
             <a:r>
-              <a:rPr lang="en-US" smtClean="0"/>
+              <a:rPr lang="en-US"/>
               <a:t>Third level</a:t>
             </a:r>
           </a:p>
           <a:p>
             <a:pPr lvl="3"/>
             <a:r>
-              <a:rPr lang="en-US" smtClean="0"/>
+              <a:rPr lang="en-US"/>
               <a:t>Fourth level</a:t>
             </a:r>
           </a:p>
           <a:p>
             <a:pPr lvl="4"/>
             <a:r>
-              <a:rPr lang="en-US" smtClean="0"/>
+              <a:rPr lang="en-US"/>
               <a:t>Fifth level</a:t>
             </a:r>
-            <a:endParaRPr lang="en-US"/>
           </a:p>
         </p:txBody>
       </p:sp>
@@ -1242,7 +1236,7 @@
           <a:p>
             <a:fld id="{8F0154A2-5DCA-467E-AB45-3CDD4A3A2455}" type="datetimeFigureOut">
               <a:rPr lang="en-US" smtClean="0"/>
-              <a:t>4/30/2017</a:t>
+              <a:t>21/09/2017</a:t>
             </a:fld>
             <a:endParaRPr lang="en-US"/>
           </a:p>
@@ -1341,10 +1335,9 @@
           <a:lstStyle/>
           <a:p>
             <a:r>
-              <a:rPr lang="en-US" smtClean="0"/>
+              <a:rPr lang="en-US"/>
               <a:t>Click to edit Master title style</a:t>
             </a:r>
-            <a:endParaRPr lang="en-US"/>
           </a:p>
         </p:txBody>
       </p:sp>
@@ -1407,7 +1400,7 @@
           <a:p>
             <a:pPr lvl="0"/>
             <a:r>
-              <a:rPr lang="en-US" smtClean="0"/>
+              <a:rPr lang="en-US"/>
               <a:t>Edit Master text styles</a:t>
             </a:r>
           </a:p>
@@ -1435,38 +1428,37 @@
           <a:p>
             <a:pPr lvl="0"/>
             <a:r>
-              <a:rPr lang="en-US" smtClean="0"/>
+              <a:rPr lang="en-US"/>
               <a:t>Edit Master text styles</a:t>
             </a:r>
           </a:p>
           <a:p>
             <a:pPr lvl="1"/>
             <a:r>
-              <a:rPr lang="en-US" smtClean="0"/>
+              <a:rPr lang="en-US"/>
               <a:t>Second level</a:t>
             </a:r>
           </a:p>
           <a:p>
             <a:pPr lvl="2"/>
             <a:r>
-              <a:rPr lang="en-US" smtClean="0"/>
+              <a:rPr lang="en-US"/>
               <a:t>Third level</a:t>
             </a:r>
           </a:p>
           <a:p>
             <a:pPr lvl="3"/>
             <a:r>
-              <a:rPr lang="en-US" smtClean="0"/>
+              <a:rPr lang="en-US"/>
               <a:t>Fourth level</a:t>
             </a:r>
           </a:p>
           <a:p>
             <a:pPr lvl="4"/>
             <a:r>
-              <a:rPr lang="en-US" smtClean="0"/>
+              <a:rPr lang="en-US"/>
               <a:t>Fifth level</a:t>
             </a:r>
-            <a:endParaRPr lang="en-US"/>
           </a:p>
         </p:txBody>
       </p:sp>
@@ -1529,7 +1521,7 @@
           <a:p>
             <a:pPr lvl="0"/>
             <a:r>
-              <a:rPr lang="en-US" smtClean="0"/>
+              <a:rPr lang="en-US"/>
               <a:t>Edit Master text styles</a:t>
             </a:r>
           </a:p>
@@ -1557,38 +1549,37 @@
           <a:p>
             <a:pPr lvl="0"/>
             <a:r>
-              <a:rPr lang="en-US" smtClean="0"/>
+              <a:rPr lang="en-US"/>
               <a:t>Edit Master text styles</a:t>
             </a:r>
           </a:p>
           <a:p>
             <a:pPr lvl="1"/>
             <a:r>
-              <a:rPr lang="en-US" smtClean="0"/>
+              <a:rPr lang="en-US"/>
               <a:t>Second level</a:t>
             </a:r>
           </a:p>
           <a:p>
             <a:pPr lvl="2"/>
             <a:r>
-              <a:rPr lang="en-US" smtClean="0"/>
+              <a:rPr lang="en-US"/>
               <a:t>Third level</a:t>
             </a:r>
           </a:p>
           <a:p>
             <a:pPr lvl="3"/>
             <a:r>
-              <a:rPr lang="en-US" smtClean="0"/>
+              <a:rPr lang="en-US"/>
               <a:t>Fourth level</a:t>
             </a:r>
           </a:p>
           <a:p>
             <a:pPr lvl="4"/>
             <a:r>
-              <a:rPr lang="en-US" smtClean="0"/>
+              <a:rPr lang="en-US"/>
               <a:t>Fifth level</a:t>
             </a:r>
-            <a:endParaRPr lang="en-US"/>
           </a:p>
         </p:txBody>
       </p:sp>
@@ -1609,7 +1600,7 @@
           <a:p>
             <a:fld id="{8F0154A2-5DCA-467E-AB45-3CDD4A3A2455}" type="datetimeFigureOut">
               <a:rPr lang="en-US" smtClean="0"/>
-              <a:t>4/30/2017</a:t>
+              <a:t>21/09/2017</a:t>
             </a:fld>
             <a:endParaRPr lang="en-US"/>
           </a:p>
@@ -1703,10 +1694,9 @@
           <a:lstStyle/>
           <a:p>
             <a:r>
-              <a:rPr lang="en-US" smtClean="0"/>
+              <a:rPr lang="en-US"/>
               <a:t>Click to edit Master title style</a:t>
             </a:r>
-            <a:endParaRPr lang="en-US"/>
           </a:p>
         </p:txBody>
       </p:sp>
@@ -1727,7 +1717,7 @@
           <a:p>
             <a:fld id="{8F0154A2-5DCA-467E-AB45-3CDD4A3A2455}" type="datetimeFigureOut">
               <a:rPr lang="en-US" smtClean="0"/>
-              <a:t>4/30/2017</a:t>
+              <a:t>21/09/2017</a:t>
             </a:fld>
             <a:endParaRPr lang="en-US"/>
           </a:p>
@@ -1822,7 +1812,7 @@
           <a:p>
             <a:fld id="{8F0154A2-5DCA-467E-AB45-3CDD4A3A2455}" type="datetimeFigureOut">
               <a:rPr lang="en-US" smtClean="0"/>
-              <a:t>4/30/2017</a:t>
+              <a:t>21/09/2017</a:t>
             </a:fld>
             <a:endParaRPr lang="en-US"/>
           </a:p>
@@ -1925,10 +1915,9 @@
           </a:lstStyle>
           <a:p>
             <a:r>
-              <a:rPr lang="en-US" smtClean="0"/>
+              <a:rPr lang="en-US"/>
               <a:t>Click to edit Master title style</a:t>
             </a:r>
-            <a:endParaRPr lang="en-US"/>
           </a:p>
         </p:txBody>
       </p:sp>
@@ -1982,38 +1971,37 @@
           <a:p>
             <a:pPr lvl="0"/>
             <a:r>
-              <a:rPr lang="en-US" smtClean="0"/>
+              <a:rPr lang="en-US"/>
               <a:t>Edit Master text styles</a:t>
             </a:r>
           </a:p>
           <a:p>
             <a:pPr lvl="1"/>
             <a:r>
-              <a:rPr lang="en-US" smtClean="0"/>
+              <a:rPr lang="en-US"/>
               <a:t>Second level</a:t>
             </a:r>
           </a:p>
           <a:p>
             <a:pPr lvl="2"/>
             <a:r>
-              <a:rPr lang="en-US" smtClean="0"/>
+              <a:rPr lang="en-US"/>
               <a:t>Third level</a:t>
             </a:r>
           </a:p>
           <a:p>
             <a:pPr lvl="3"/>
             <a:r>
-              <a:rPr lang="en-US" smtClean="0"/>
+              <a:rPr lang="en-US"/>
               <a:t>Fourth level</a:t>
             </a:r>
           </a:p>
           <a:p>
             <a:pPr lvl="4"/>
             <a:r>
-              <a:rPr lang="en-US" smtClean="0"/>
+              <a:rPr lang="en-US"/>
               <a:t>Fifth level</a:t>
             </a:r>
-            <a:endParaRPr lang="en-US"/>
           </a:p>
         </p:txBody>
       </p:sp>
@@ -2076,7 +2064,7 @@
           <a:p>
             <a:pPr lvl="0"/>
             <a:r>
-              <a:rPr lang="en-US" smtClean="0"/>
+              <a:rPr lang="en-US"/>
               <a:t>Edit Master text styles</a:t>
             </a:r>
           </a:p>
@@ -2099,7 +2087,7 @@
           <a:p>
             <a:fld id="{8F0154A2-5DCA-467E-AB45-3CDD4A3A2455}" type="datetimeFigureOut">
               <a:rPr lang="en-US" smtClean="0"/>
-              <a:t>4/30/2017</a:t>
+              <a:t>21/09/2017</a:t>
             </a:fld>
             <a:endParaRPr lang="en-US"/>
           </a:p>
@@ -2202,10 +2190,9 @@
           </a:lstStyle>
           <a:p>
             <a:r>
-              <a:rPr lang="en-US" smtClean="0"/>
+              <a:rPr lang="en-US"/>
               <a:t>Click to edit Master title style</a:t>
             </a:r>
-            <a:endParaRPr lang="en-US"/>
           </a:p>
         </p:txBody>
       </p:sp>
@@ -2329,7 +2316,7 @@
           <a:p>
             <a:pPr lvl="0"/>
             <a:r>
-              <a:rPr lang="en-US" smtClean="0"/>
+              <a:rPr lang="en-US"/>
               <a:t>Edit Master text styles</a:t>
             </a:r>
           </a:p>
@@ -2352,7 +2339,7 @@
           <a:p>
             <a:fld id="{8F0154A2-5DCA-467E-AB45-3CDD4A3A2455}" type="datetimeFigureOut">
               <a:rPr lang="en-US" smtClean="0"/>
-              <a:t>4/30/2017</a:t>
+              <a:t>21/09/2017</a:t>
             </a:fld>
             <a:endParaRPr lang="en-US"/>
           </a:p>
@@ -2461,10 +2448,9 @@
           <a:lstStyle/>
           <a:p>
             <a:r>
-              <a:rPr lang="en-US" smtClean="0"/>
+              <a:rPr lang="en-US"/>
               <a:t>Click to edit Master title style</a:t>
             </a:r>
-            <a:endParaRPr lang="en-US"/>
           </a:p>
         </p:txBody>
       </p:sp>
@@ -2495,38 +2481,37 @@
           <a:p>
             <a:pPr lvl="0"/>
             <a:r>
-              <a:rPr lang="en-US" smtClean="0"/>
+              <a:rPr lang="en-US"/>
               <a:t>Edit Master text styles</a:t>
             </a:r>
           </a:p>
           <a:p>
             <a:pPr lvl="1"/>
             <a:r>
-              <a:rPr lang="en-US" smtClean="0"/>
+              <a:rPr lang="en-US"/>
               <a:t>Second level</a:t>
             </a:r>
           </a:p>
           <a:p>
             <a:pPr lvl="2"/>
             <a:r>
-              <a:rPr lang="en-US" smtClean="0"/>
+              <a:rPr lang="en-US"/>
               <a:t>Third level</a:t>
             </a:r>
           </a:p>
           <a:p>
             <a:pPr lvl="3"/>
             <a:r>
-              <a:rPr lang="en-US" smtClean="0"/>
+              <a:rPr lang="en-US"/>
               <a:t>Fourth level</a:t>
             </a:r>
           </a:p>
           <a:p>
             <a:pPr lvl="4"/>
             <a:r>
-              <a:rPr lang="en-US" smtClean="0"/>
+              <a:rPr lang="en-US"/>
               <a:t>Fifth level</a:t>
             </a:r>
-            <a:endParaRPr lang="en-US"/>
           </a:p>
         </p:txBody>
       </p:sp>
@@ -2565,7 +2550,7 @@
           <a:p>
             <a:fld id="{8F0154A2-5DCA-467E-AB45-3CDD4A3A2455}" type="datetimeFigureOut">
               <a:rPr lang="en-US" smtClean="0"/>
-              <a:t>4/30/2017</a:t>
+              <a:t>21/09/2017</a:t>
             </a:fld>
             <a:endParaRPr lang="en-US"/>
           </a:p>
@@ -3027,7 +3012,7 @@
               <a:tabLst/>
             </a:pPr>
             <a:r>
-              <a:rPr kumimoji="0" lang="en-US" altLang="en-US" sz="1200" b="1" i="0" u="none" strike="noStrike" cap="none" normalizeH="0" baseline="0" smtClean="0">
+              <a:rPr kumimoji="0" lang="en-US" altLang="en-US" sz="1200" b="1" i="0" u="none" strike="noStrike" cap="none" normalizeH="0" baseline="0">
                 <a:ln>
                   <a:noFill/>
                 </a:ln>
@@ -3044,7 +3029,7 @@
               </a:rPr>
               <a:t>Best manage embedded dvice</a:t>
             </a:r>
-            <a:endParaRPr kumimoji="0" lang="en-US" altLang="en-US" sz="1800" b="0" i="0" u="none" strike="noStrike" cap="none" normalizeH="0" baseline="0" smtClean="0">
+            <a:endParaRPr kumimoji="0" lang="en-US" altLang="en-US" sz="1800" b="0" i="0" u="none" strike="noStrike" cap="none" normalizeH="0" baseline="0">
               <a:ln>
                 <a:noFill/>
               </a:ln>
@@ -3138,7 +3123,7 @@
               <a:tabLst/>
             </a:pPr>
             <a:r>
-              <a:rPr kumimoji="0" lang="en-US" altLang="en-US" sz="1200" b="1" i="0" u="none" strike="noStrike" cap="none" normalizeH="0" baseline="0" smtClean="0">
+              <a:rPr kumimoji="0" lang="en-US" altLang="en-US" sz="1200" b="1" i="0" u="none" strike="noStrike" cap="none" normalizeH="0" baseline="0">
                 <a:ln>
                   <a:noFill/>
                 </a:ln>
@@ -3155,7 +3140,7 @@
               </a:rPr>
               <a:t>Low Development Cost</a:t>
             </a:r>
-            <a:endParaRPr kumimoji="0" lang="en-US" altLang="en-US" sz="1100" b="0" i="0" u="none" strike="noStrike" cap="none" normalizeH="0" baseline="0" smtClean="0">
+            <a:endParaRPr kumimoji="0" lang="en-US" altLang="en-US" sz="1100" b="0" i="0" u="none" strike="noStrike" cap="none" normalizeH="0" baseline="0">
               <a:ln>
                 <a:noFill/>
               </a:ln>
@@ -3248,7 +3233,7 @@
               <a:tabLst/>
             </a:pPr>
             <a:r>
-              <a:rPr kumimoji="0" lang="en-US" altLang="en-US" sz="1200" b="1" i="0" u="none" strike="noStrike" cap="none" normalizeH="0" baseline="0" smtClean="0">
+              <a:rPr kumimoji="0" lang="en-US" altLang="en-US" sz="1200" b="1" i="0" u="none" strike="noStrike" cap="none" normalizeH="0" baseline="0">
                 <a:ln>
                   <a:noFill/>
                 </a:ln>
@@ -3265,7 +3250,7 @@
               </a:rPr>
               <a:t>Low data storage costs </a:t>
             </a:r>
-            <a:endParaRPr kumimoji="0" lang="en-US" altLang="en-US" sz="1100" b="0" i="0" u="none" strike="noStrike" cap="none" normalizeH="0" baseline="0" smtClean="0">
+            <a:endParaRPr kumimoji="0" lang="en-US" altLang="en-US" sz="1100" b="0" i="0" u="none" strike="noStrike" cap="none" normalizeH="0" baseline="0">
               <a:ln>
                 <a:noFill/>
               </a:ln>
@@ -3358,7 +3343,7 @@
               <a:tabLst/>
             </a:pPr>
             <a:r>
-              <a:rPr kumimoji="0" lang="en-US" altLang="en-US" sz="1200" b="1" i="0" u="none" strike="noStrike" cap="none" normalizeH="0" baseline="0" smtClean="0">
+              <a:rPr kumimoji="0" lang="en-US" altLang="en-US" sz="1200" b="1" i="0" u="none" strike="noStrike" cap="none" normalizeH="0" baseline="0">
                 <a:ln>
                   <a:noFill/>
                 </a:ln>
@@ -3375,7 +3360,7 @@
               </a:rPr>
               <a:t>Low construction system costs</a:t>
             </a:r>
-            <a:endParaRPr kumimoji="0" lang="en-US" altLang="en-US" sz="1100" b="0" i="0" u="none" strike="noStrike" cap="none" normalizeH="0" baseline="0" smtClean="0">
+            <a:endParaRPr kumimoji="0" lang="en-US" altLang="en-US" sz="1100" b="0" i="0" u="none" strike="noStrike" cap="none" normalizeH="0" baseline="0">
               <a:ln>
                 <a:noFill/>
               </a:ln>
@@ -3468,7 +3453,7 @@
               <a:tabLst/>
             </a:pPr>
             <a:r>
-              <a:rPr kumimoji="0" lang="en-US" altLang="en-US" sz="1200" b="1" i="0" u="none" strike="noStrike" cap="none" normalizeH="0" baseline="0" smtClean="0">
+              <a:rPr kumimoji="0" lang="en-US" altLang="en-US" sz="1200" b="1" i="0" u="none" strike="noStrike" cap="none" normalizeH="0" baseline="0">
                 <a:ln>
                   <a:noFill/>
                 </a:ln>
@@ -3485,7 +3470,7 @@
               </a:rPr>
               <a:t>Low cost of using process</a:t>
             </a:r>
-            <a:endParaRPr kumimoji="0" lang="en-US" altLang="en-US" sz="1100" b="0" i="0" u="none" strike="noStrike" cap="none" normalizeH="0" baseline="0" smtClean="0">
+            <a:endParaRPr kumimoji="0" lang="en-US" altLang="en-US" sz="1100" b="0" i="0" u="none" strike="noStrike" cap="none" normalizeH="0" baseline="0">
               <a:ln>
                 <a:noFill/>
               </a:ln>
@@ -3578,7 +3563,7 @@
               <a:tabLst/>
             </a:pPr>
             <a:r>
-              <a:rPr kumimoji="0" lang="en-US" altLang="en-US" sz="1200" b="1" i="0" u="none" strike="noStrike" cap="none" normalizeH="0" baseline="0" smtClean="0">
+              <a:rPr kumimoji="0" lang="en-US" altLang="en-US" sz="1200" b="1" i="0" u="none" strike="noStrike" cap="none" normalizeH="0" baseline="0">
                 <a:ln>
                   <a:noFill/>
                 </a:ln>
@@ -3595,7 +3580,7 @@
               </a:rPr>
               <a:t>Low maintenance cost</a:t>
             </a:r>
-            <a:endParaRPr kumimoji="0" lang="en-US" altLang="en-US" sz="1100" b="0" i="0" u="none" strike="noStrike" cap="none" normalizeH="0" baseline="0" smtClean="0">
+            <a:endParaRPr kumimoji="0" lang="en-US" altLang="en-US" sz="1100" b="0" i="0" u="none" strike="noStrike" cap="none" normalizeH="0" baseline="0">
               <a:ln>
                 <a:noFill/>
               </a:ln>
@@ -3680,20 +3665,6 @@
               </a:spcAft>
             </a:pPr>
             <a:r>
-              <a:rPr lang="en-US" altLang="en-US" sz="1200" b="1" smtClean="0">
-                <a:solidFill>
-                  <a:schemeClr val="tx1">
-                    <a:lumMod val="95000"/>
-                    <a:lumOff val="5000"/>
-                  </a:schemeClr>
-                </a:solidFill>
-                <a:latin typeface="Times New Roman" panose="02020603050405020304" pitchFamily="18" charset="0"/>
-                <a:ea typeface="Calibri" panose="020F0502020204030204" pitchFamily="34" charset="0"/>
-                <a:cs typeface="Times New Roman" panose="02020603050405020304" pitchFamily="18" charset="0"/>
-              </a:rPr>
-              <a:t>Required </a:t>
-            </a:r>
-            <a:r>
               <a:rPr lang="en-US" altLang="en-US" sz="1200" b="1">
                 <a:solidFill>
                   <a:schemeClr val="tx1">
@@ -3705,7 +3676,7 @@
                 <a:ea typeface="Calibri" panose="020F0502020204030204" pitchFamily="34" charset="0"/>
                 <a:cs typeface="Times New Roman" panose="02020603050405020304" pitchFamily="18" charset="0"/>
               </a:rPr>
-              <a:t>processing speed faster</a:t>
+              <a:t>Required processing speed faster</a:t>
             </a:r>
           </a:p>
         </p:txBody>
@@ -3788,7 +3759,7 @@
               <a:tabLst/>
             </a:pPr>
             <a:r>
-              <a:rPr kumimoji="0" lang="nn-NO" altLang="en-US" sz="1200" b="1" i="0" u="none" strike="noStrike" cap="none" normalizeH="0" baseline="0" smtClean="0">
+              <a:rPr kumimoji="0" lang="nn-NO" altLang="en-US" sz="1200" b="1" i="0" u="none" strike="noStrike" cap="none" normalizeH="0" baseline="0">
                 <a:ln>
                   <a:noFill/>
                 </a:ln>
@@ -3805,7 +3776,7 @@
               </a:rPr>
               <a:t>Speed for fast data query</a:t>
             </a:r>
-            <a:endParaRPr kumimoji="0" lang="nn-NO" altLang="en-US" sz="1100" b="0" i="0" u="none" strike="noStrike" cap="none" normalizeH="0" baseline="0" smtClean="0">
+            <a:endParaRPr kumimoji="0" lang="nn-NO" altLang="en-US" sz="1100" b="0" i="0" u="none" strike="noStrike" cap="none" normalizeH="0" baseline="0">
               <a:ln>
                 <a:noFill/>
               </a:ln>
@@ -3898,7 +3869,7 @@
               <a:tabLst/>
             </a:pPr>
             <a:r>
-              <a:rPr kumimoji="0" lang="en-US" altLang="en-US" sz="1200" b="1" i="0" u="none" strike="noStrike" cap="none" normalizeH="0" baseline="0" smtClean="0">
+              <a:rPr kumimoji="0" lang="en-US" altLang="en-US" sz="1200" b="1" i="0" u="none" strike="noStrike" cap="none" normalizeH="0" baseline="0">
                 <a:ln>
                   <a:noFill/>
                 </a:ln>
@@ -3915,7 +3886,7 @@
               </a:rPr>
               <a:t>Expect Times Short</a:t>
             </a:r>
-            <a:endParaRPr kumimoji="0" lang="en-US" altLang="en-US" sz="1100" b="0" i="0" u="none" strike="noStrike" cap="none" normalizeH="0" baseline="0" smtClean="0">
+            <a:endParaRPr kumimoji="0" lang="en-US" altLang="en-US" sz="1100" b="0" i="0" u="none" strike="noStrike" cap="none" normalizeH="0" baseline="0">
               <a:ln>
                 <a:noFill/>
               </a:ln>
@@ -4008,7 +3979,7 @@
               <a:tabLst/>
             </a:pPr>
             <a:r>
-              <a:rPr kumimoji="0" lang="en-US" altLang="en-US" sz="1200" b="1" i="0" u="none" strike="noStrike" cap="none" normalizeH="0" baseline="0" smtClean="0">
+              <a:rPr kumimoji="0" lang="en-US" altLang="en-US" sz="1200" b="1" i="0" u="none" strike="noStrike" cap="none" normalizeH="0" baseline="0">
                 <a:ln>
                   <a:noFill/>
                 </a:ln>
@@ -4025,7 +3996,7 @@
               </a:rPr>
               <a:t>Fast Eror Processing Speed</a:t>
             </a:r>
-            <a:endParaRPr kumimoji="0" lang="en-US" altLang="en-US" sz="1100" b="0" i="0" u="none" strike="noStrike" cap="none" normalizeH="0" baseline="0" smtClean="0">
+            <a:endParaRPr kumimoji="0" lang="en-US" altLang="en-US" sz="1100" b="0" i="0" u="none" strike="noStrike" cap="none" normalizeH="0" baseline="0">
               <a:ln>
                 <a:noFill/>
               </a:ln>
@@ -4118,7 +4089,7 @@
               <a:tabLst/>
             </a:pPr>
             <a:r>
-              <a:rPr kumimoji="0" lang="en-US" altLang="en-US" sz="1200" b="1" i="0" u="none" strike="noStrike" cap="none" normalizeH="0" baseline="0" smtClean="0">
+              <a:rPr kumimoji="0" lang="en-US" altLang="en-US" sz="1200" b="1" i="0" u="none" strike="noStrike" cap="none" normalizeH="0" baseline="0">
                 <a:ln>
                   <a:noFill/>
                 </a:ln>
@@ -4135,7 +4106,7 @@
               </a:rPr>
               <a:t>No errors while used</a:t>
             </a:r>
-            <a:endParaRPr kumimoji="0" lang="en-US" altLang="en-US" sz="1800" b="0" i="0" u="none" strike="noStrike" cap="none" normalizeH="0" baseline="0" smtClean="0">
+            <a:endParaRPr kumimoji="0" lang="en-US" altLang="en-US" sz="1800" b="0" i="0" u="none" strike="noStrike" cap="none" normalizeH="0" baseline="0">
               <a:ln>
                 <a:noFill/>
               </a:ln>
@@ -4229,7 +4200,7 @@
               <a:tabLst/>
             </a:pPr>
             <a:r>
-              <a:rPr kumimoji="0" lang="en-US" altLang="en-US" sz="1200" b="1" i="0" u="none" strike="noStrike" cap="none" normalizeH="0" baseline="0" smtClean="0">
+              <a:rPr kumimoji="0" lang="en-US" altLang="en-US" sz="1200" b="1" i="0" u="none" strike="noStrike" cap="none" normalizeH="0" baseline="0">
                 <a:ln>
                   <a:noFill/>
                 </a:ln>
@@ -4246,7 +4217,7 @@
               </a:rPr>
               <a:t>No stop error while using</a:t>
             </a:r>
-            <a:endParaRPr kumimoji="0" lang="en-US" altLang="en-US" sz="1800" b="0" i="0" u="none" strike="noStrike" cap="none" normalizeH="0" baseline="0" smtClean="0">
+            <a:endParaRPr kumimoji="0" lang="en-US" altLang="en-US" sz="1800" b="0" i="0" u="none" strike="noStrike" cap="none" normalizeH="0" baseline="0">
               <a:ln>
                 <a:noFill/>
               </a:ln>
@@ -4340,7 +4311,7 @@
               <a:tabLst/>
             </a:pPr>
             <a:r>
-              <a:rPr kumimoji="0" lang="en-US" altLang="en-US" sz="1200" b="1" i="0" u="none" strike="noStrike" cap="none" normalizeH="0" baseline="0" smtClean="0">
+              <a:rPr kumimoji="0" lang="en-US" altLang="en-US" sz="1200" b="1" i="0" u="none" strike="noStrike" cap="none" normalizeH="0" baseline="0">
                 <a:ln>
                   <a:noFill/>
                 </a:ln>
@@ -4357,7 +4328,7 @@
               </a:rPr>
               <a:t>No errors in the processing of requests</a:t>
             </a:r>
-            <a:endParaRPr kumimoji="0" lang="en-US" altLang="en-US" sz="1800" b="0" i="0" u="none" strike="noStrike" cap="none" normalizeH="0" baseline="0" smtClean="0">
+            <a:endParaRPr kumimoji="0" lang="en-US" altLang="en-US" sz="1800" b="0" i="0" u="none" strike="noStrike" cap="none" normalizeH="0" baseline="0">
               <a:ln>
                 <a:noFill/>
               </a:ln>
@@ -4451,7 +4422,7 @@
               <a:tabLst/>
             </a:pPr>
             <a:r>
-              <a:rPr kumimoji="0" lang="en-US" altLang="en-US" sz="1200" b="1" i="0" u="none" strike="noStrike" cap="none" normalizeH="0" baseline="0" smtClean="0">
+              <a:rPr kumimoji="0" lang="en-US" altLang="en-US" sz="1200" b="1" i="0" u="none" strike="noStrike" cap="none" normalizeH="0" baseline="0">
                 <a:ln>
                   <a:noFill/>
                 </a:ln>
@@ -4468,7 +4439,7 @@
               </a:rPr>
               <a:t>No logical errors</a:t>
             </a:r>
-            <a:endParaRPr kumimoji="0" lang="en-US" altLang="en-US" sz="1800" b="0" i="0" u="none" strike="noStrike" cap="none" normalizeH="0" baseline="0" smtClean="0">
+            <a:endParaRPr kumimoji="0" lang="en-US" altLang="en-US" sz="1800" b="0" i="0" u="none" strike="noStrike" cap="none" normalizeH="0" baseline="0">
               <a:ln>
                 <a:noFill/>
               </a:ln>
@@ -4562,7 +4533,7 @@
               <a:tabLst/>
             </a:pPr>
             <a:r>
-              <a:rPr kumimoji="0" lang="en-US" altLang="en-US" sz="1200" b="1" i="0" u="none" strike="noStrike" cap="none" normalizeH="0" baseline="0" smtClean="0">
+              <a:rPr kumimoji="0" lang="en-US" altLang="en-US" sz="1200" b="1" i="0" u="none" strike="noStrike" cap="none" normalizeH="0" baseline="0">
                 <a:ln>
                   <a:noFill/>
                 </a:ln>
@@ -4579,7 +4550,7 @@
               </a:rPr>
               <a:t>Control support exception</a:t>
             </a:r>
-            <a:endParaRPr kumimoji="0" lang="en-US" altLang="en-US" sz="1800" b="0" i="0" u="none" strike="noStrike" cap="none" normalizeH="0" baseline="0" smtClean="0">
+            <a:endParaRPr kumimoji="0" lang="en-US" altLang="en-US" sz="1800" b="0" i="0" u="none" strike="noStrike" cap="none" normalizeH="0" baseline="0">
               <a:ln>
                 <a:noFill/>
               </a:ln>
@@ -4673,7 +4644,7 @@
               <a:tabLst/>
             </a:pPr>
             <a:r>
-              <a:rPr kumimoji="0" lang="en-US" altLang="en-US" sz="1200" b="1" i="0" u="none" strike="noStrike" cap="none" normalizeH="0" baseline="0" smtClean="0">
+              <a:rPr kumimoji="0" lang="en-US" altLang="en-US" sz="1200" b="1" i="0" u="none" strike="noStrike" cap="none" normalizeH="0" baseline="0">
                 <a:ln>
                   <a:noFill/>
                 </a:ln>
@@ -4690,7 +4661,7 @@
               </a:rPr>
               <a:t>Ensure all functionality requirements</a:t>
             </a:r>
-            <a:endParaRPr kumimoji="0" lang="en-US" altLang="en-US" sz="1800" b="0" i="0" u="none" strike="noStrike" cap="none" normalizeH="0" baseline="0" smtClean="0">
+            <a:endParaRPr kumimoji="0" lang="en-US" altLang="en-US" sz="1800" b="0" i="0" u="none" strike="noStrike" cap="none" normalizeH="0" baseline="0">
               <a:ln>
                 <a:noFill/>
               </a:ln>
@@ -4784,7 +4755,7 @@
               <a:tabLst/>
             </a:pPr>
             <a:r>
-              <a:rPr kumimoji="0" lang="en-US" altLang="en-US" sz="1200" b="1" i="0" u="none" strike="noStrike" cap="none" normalizeH="0" baseline="0" smtClean="0">
+              <a:rPr kumimoji="0" lang="en-US" altLang="en-US" sz="1200" b="1" i="0" u="none" strike="noStrike" cap="none" normalizeH="0" baseline="0">
                 <a:ln>
                   <a:noFill/>
                 </a:ln>
@@ -4801,7 +4772,7 @@
               </a:rPr>
               <a:t>Information security</a:t>
             </a:r>
-            <a:endParaRPr kumimoji="0" lang="en-US" altLang="en-US" sz="1800" b="0" i="0" u="none" strike="noStrike" cap="none" normalizeH="0" baseline="0" smtClean="0">
+            <a:endParaRPr kumimoji="0" lang="en-US" altLang="en-US" sz="1800" b="0" i="0" u="none" strike="noStrike" cap="none" normalizeH="0" baseline="0">
               <a:ln>
                 <a:noFill/>
               </a:ln>
@@ -4895,7 +4866,7 @@
               <a:tabLst/>
             </a:pPr>
             <a:r>
-              <a:rPr kumimoji="0" lang="en-US" altLang="en-US" sz="1200" b="1" i="0" u="none" strike="noStrike" cap="none" normalizeH="0" baseline="0" smtClean="0">
+              <a:rPr kumimoji="0" lang="en-US" altLang="en-US" sz="1200" b="1" i="0" u="none" strike="noStrike" cap="none" normalizeH="0" baseline="0">
                 <a:ln>
                   <a:noFill/>
                 </a:ln>
@@ -4912,7 +4883,7 @@
               </a:rPr>
               <a:t>Member personal information security</a:t>
             </a:r>
-            <a:endParaRPr kumimoji="0" lang="en-US" altLang="en-US" sz="1100" b="0" i="0" u="none" strike="noStrike" cap="none" normalizeH="0" baseline="0" smtClean="0">
+            <a:endParaRPr kumimoji="0" lang="en-US" altLang="en-US" sz="1100" b="0" i="0" u="none" strike="noStrike" cap="none" normalizeH="0" baseline="0">
               <a:ln>
                 <a:noFill/>
               </a:ln>
@@ -5005,7 +4976,7 @@
               <a:tabLst/>
             </a:pPr>
             <a:r>
-              <a:rPr kumimoji="0" lang="en-US" altLang="en-US" sz="1200" b="1" i="0" u="none" strike="noStrike" cap="none" normalizeH="0" baseline="0" smtClean="0">
+              <a:rPr kumimoji="0" lang="en-US" altLang="en-US" sz="1200" b="1" i="0" u="none" strike="noStrike" cap="none" normalizeH="0" baseline="0">
                 <a:ln>
                   <a:noFill/>
                 </a:ln>
@@ -5022,7 +4993,7 @@
               </a:rPr>
               <a:t>Project information security</a:t>
             </a:r>
-            <a:endParaRPr kumimoji="0" lang="en-US" altLang="en-US" sz="1100" b="0" i="0" u="none" strike="noStrike" cap="none" normalizeH="0" baseline="0" smtClean="0">
+            <a:endParaRPr kumimoji="0" lang="en-US" altLang="en-US" sz="1100" b="0" i="0" u="none" strike="noStrike" cap="none" normalizeH="0" baseline="0">
               <a:ln>
                 <a:noFill/>
               </a:ln>
@@ -5115,7 +5086,7 @@
               <a:tabLst/>
             </a:pPr>
             <a:r>
-              <a:rPr kumimoji="0" lang="en-US" altLang="en-US" sz="1200" b="1" i="0" u="none" strike="noStrike" cap="none" normalizeH="0" baseline="0" smtClean="0">
+              <a:rPr kumimoji="0" lang="en-US" altLang="en-US" sz="1200" b="1" i="0" u="none" strike="noStrike" cap="none" normalizeH="0" baseline="0">
                 <a:ln>
                   <a:noFill/>
                 </a:ln>
@@ -5132,7 +5103,7 @@
               </a:rPr>
               <a:t>Check login</a:t>
             </a:r>
-            <a:endParaRPr kumimoji="0" lang="en-US" altLang="en-US" sz="1800" b="0" i="0" u="none" strike="noStrike" cap="none" normalizeH="0" baseline="0" smtClean="0">
+            <a:endParaRPr kumimoji="0" lang="en-US" altLang="en-US" sz="1800" b="0" i="0" u="none" strike="noStrike" cap="none" normalizeH="0" baseline="0">
               <a:ln>
                 <a:noFill/>
               </a:ln>
@@ -5226,7 +5197,7 @@
               <a:tabLst/>
             </a:pPr>
             <a:r>
-              <a:rPr kumimoji="0" lang="en-US" altLang="en-US" sz="1200" b="1" i="0" u="none" strike="noStrike" cap="none" normalizeH="0" baseline="0" smtClean="0">
+              <a:rPr kumimoji="0" lang="en-US" altLang="en-US" sz="1200" b="1" i="0" u="none" strike="noStrike" cap="none" normalizeH="0" baseline="0">
                 <a:ln>
                   <a:noFill/>
                 </a:ln>
@@ -5243,7 +5214,7 @@
               </a:rPr>
               <a:t>Database security</a:t>
             </a:r>
-            <a:endParaRPr kumimoji="0" lang="en-US" altLang="en-US" sz="1800" b="0" i="0" u="none" strike="noStrike" cap="none" normalizeH="0" baseline="0" smtClean="0">
+            <a:endParaRPr kumimoji="0" lang="en-US" altLang="en-US" sz="1800" b="0" i="0" u="none" strike="noStrike" cap="none" normalizeH="0" baseline="0">
               <a:ln>
                 <a:noFill/>
               </a:ln>
@@ -5337,7 +5308,7 @@
               <a:tabLst/>
             </a:pPr>
             <a:r>
-              <a:rPr kumimoji="0" lang="en-US" altLang="en-US" sz="1200" b="1" i="0" u="none" strike="noStrike" cap="none" normalizeH="0" baseline="0" smtClean="0">
+              <a:rPr kumimoji="0" lang="en-US" altLang="en-US" sz="1200" b="1" i="0" u="none" strike="noStrike" cap="none" normalizeH="0" baseline="0">
                 <a:ln>
                   <a:noFill/>
                 </a:ln>
@@ -5354,7 +5325,7 @@
               </a:rPr>
               <a:t>The 3rd support</a:t>
             </a:r>
-            <a:endParaRPr kumimoji="0" lang="en-US" altLang="en-US" sz="1800" b="0" i="0" u="none" strike="noStrike" cap="none" normalizeH="0" baseline="0" smtClean="0">
+            <a:endParaRPr kumimoji="0" lang="en-US" altLang="en-US" sz="1800" b="0" i="0" u="none" strike="noStrike" cap="none" normalizeH="0" baseline="0">
               <a:ln>
                 <a:noFill/>
               </a:ln>
@@ -5448,7 +5419,7 @@
               <a:tabLst/>
             </a:pPr>
             <a:r>
-              <a:rPr kumimoji="0" lang="en-US" altLang="en-US" sz="1200" b="1" i="0" u="none" strike="noStrike" cap="none" normalizeH="0" baseline="0" smtClean="0">
+              <a:rPr kumimoji="0" lang="en-US" altLang="en-US" sz="1200" b="1" i="0" u="none" strike="noStrike" cap="none" normalizeH="0" baseline="0">
                 <a:ln>
                   <a:noFill/>
                 </a:ln>
@@ -5465,7 +5436,7 @@
               </a:rPr>
               <a:t>Multiple support operating systems</a:t>
             </a:r>
-            <a:endParaRPr kumimoji="0" lang="en-US" altLang="en-US" sz="1800" b="0" i="0" u="none" strike="noStrike" cap="none" normalizeH="0" baseline="0" smtClean="0">
+            <a:endParaRPr kumimoji="0" lang="en-US" altLang="en-US" sz="1800" b="0" i="0" u="none" strike="noStrike" cap="none" normalizeH="0" baseline="0">
               <a:ln>
                 <a:noFill/>
               </a:ln>
@@ -5559,7 +5530,7 @@
               <a:tabLst/>
             </a:pPr>
             <a:r>
-              <a:rPr kumimoji="0" lang="en-US" altLang="en-US" sz="1200" b="1" i="0" u="none" strike="noStrike" cap="none" normalizeH="0" baseline="0" smtClean="0">
+              <a:rPr kumimoji="0" lang="en-US" altLang="en-US" sz="1200" b="1" i="0" u="none" strike="noStrike" cap="none" normalizeH="0" baseline="0">
                 <a:ln>
                   <a:noFill/>
                 </a:ln>
@@ -5576,7 +5547,7 @@
               </a:rPr>
               <a:t>Multiple device</a:t>
             </a:r>
-            <a:endParaRPr kumimoji="0" lang="en-US" altLang="en-US" sz="1800" b="0" i="0" u="none" strike="noStrike" cap="none" normalizeH="0" baseline="0" smtClean="0">
+            <a:endParaRPr kumimoji="0" lang="en-US" altLang="en-US" sz="1800" b="0" i="0" u="none" strike="noStrike" cap="none" normalizeH="0" baseline="0">
               <a:ln>
                 <a:noFill/>
               </a:ln>
@@ -5670,7 +5641,7 @@
               <a:tabLst/>
             </a:pPr>
             <a:r>
-              <a:rPr kumimoji="0" lang="en-US" altLang="en-US" sz="1200" b="1" i="0" u="none" strike="noStrike" cap="none" normalizeH="0" baseline="0" smtClean="0">
+              <a:rPr kumimoji="0" lang="en-US" altLang="en-US" sz="1200" b="1" i="0" u="none" strike="noStrike" cap="none" normalizeH="0" baseline="0">
                 <a:ln>
                   <a:noFill/>
                 </a:ln>
@@ -5687,7 +5658,7 @@
               </a:rPr>
               <a:t>Multi web browser</a:t>
             </a:r>
-            <a:endParaRPr kumimoji="0" lang="en-US" altLang="en-US" sz="1800" b="0" i="0" u="none" strike="noStrike" cap="none" normalizeH="0" baseline="0" smtClean="0">
+            <a:endParaRPr kumimoji="0" lang="en-US" altLang="en-US" sz="1800" b="0" i="0" u="none" strike="noStrike" cap="none" normalizeH="0" baseline="0">
               <a:ln>
                 <a:noFill/>
               </a:ln>
@@ -5849,26 +5820,8 @@
               <a:buNone/>
               <a:tabLst/>
             </a:pPr>
-            <a:r>
-              <a:rPr kumimoji="0" lang="en-US" altLang="en-US" sz="1100" b="0" i="0" u="none" strike="noStrike" cap="none" normalizeH="0" baseline="0" smtClean="0">
-                <a:ln>
-                  <a:noFill/>
-                </a:ln>
-                <a:solidFill>
-                  <a:schemeClr val="tx1">
-                    <a:lumMod val="95000"/>
-                    <a:lumOff val="5000"/>
-                  </a:schemeClr>
-                </a:solidFill>
-                <a:effectLst/>
-                <a:latin typeface="Calibri" panose="020F0502020204030204" pitchFamily="34" charset="0"/>
-                <a:ea typeface="Calibri" panose="020F0502020204030204" pitchFamily="34" charset="0"/>
-                <a:cs typeface="Times New Roman" panose="02020603050405020304" pitchFamily="18" charset="0"/>
-              </a:rPr>
-              <a:t/>
-            </a:r>
             <a:br>
-              <a:rPr kumimoji="0" lang="en-US" altLang="en-US" sz="1100" b="0" i="0" u="none" strike="noStrike" cap="none" normalizeH="0" baseline="0" smtClean="0">
+              <a:rPr kumimoji="0" lang="en-US" altLang="en-US" sz="1100" b="0" i="0" u="none" strike="noStrike" cap="none" normalizeH="0" baseline="0">
                 <a:ln>
                   <a:noFill/>
                 </a:ln>
@@ -5884,7 +5837,7 @@
                 <a:cs typeface="Times New Roman" panose="02020603050405020304" pitchFamily="18" charset="0"/>
               </a:rPr>
             </a:br>
-            <a:endParaRPr kumimoji="0" lang="en-US" altLang="en-US" sz="1800" b="0" i="0" u="none" strike="noStrike" cap="none" normalizeH="0" baseline="0" smtClean="0">
+            <a:endParaRPr kumimoji="0" lang="en-US" altLang="en-US" sz="1800" b="0" i="0" u="none" strike="noStrike" cap="none" normalizeH="0" baseline="0">
               <a:ln>
                 <a:noFill/>
               </a:ln>
@@ -6774,13 +6727,6 @@
   <p:clrMapOvr>
     <a:masterClrMapping/>
   </p:clrMapOvr>
-  <p:timing>
-    <p:tnLst>
-      <p:par>
-        <p:cTn id="1" dur="indefinite" restart="never" nodeType="tmRoot"/>
-      </p:par>
-    </p:tnLst>
-  </p:timing>
 </p:sld>
 </file>
 
@@ -8424,21 +8370,7 @@
                   <a:ea typeface="Calibri" panose="020F0502020204030204" pitchFamily="34" charset="0"/>
                   <a:cs typeface="Times New Roman" panose="02020603050405020304" pitchFamily="18" charset="0"/>
                 </a:rPr>
-                <a:t>Low cost of using </a:t>
-              </a:r>
-              <a:r>
-                <a:rPr lang="en-US" altLang="en-US" sz="1200" b="1" smtClean="0">
-                  <a:solidFill>
-                    <a:schemeClr val="tx1">
-                      <a:lumMod val="95000"/>
-                      <a:lumOff val="5000"/>
-                    </a:schemeClr>
-                  </a:solidFill>
-                  <a:latin typeface="Times New Roman" panose="02020603050405020304" pitchFamily="18" charset="0"/>
-                  <a:ea typeface="Calibri" panose="020F0502020204030204" pitchFamily="34" charset="0"/>
-                  <a:cs typeface="Times New Roman" panose="02020603050405020304" pitchFamily="18" charset="0"/>
-                </a:rPr>
-                <a:t> process</a:t>
+                <a:t>Low cost of using  process</a:t>
               </a:r>
               <a:endParaRPr lang="en-US" altLang="en-US" sz="1100">
                 <a:solidFill>
@@ -9001,7 +8933,7 @@
             <a:p>
               <a:pPr algn="ctr"/>
               <a:r>
-                <a:rPr lang="en-US" sz="1200" b="1" smtClean="0">
+                <a:rPr lang="en-US" sz="1200" b="1">
                   <a:solidFill>
                     <a:schemeClr val="tx1">
                       <a:lumMod val="95000"/>
@@ -9013,16 +8945,6 @@
                 </a:rPr>
                 <a:t>Building  High Security</a:t>
               </a:r>
-              <a:endParaRPr lang="en-US" sz="1200" b="1">
-                <a:solidFill>
-                  <a:schemeClr val="tx1">
-                    <a:lumMod val="95000"/>
-                    <a:lumOff val="5000"/>
-                  </a:schemeClr>
-                </a:solidFill>
-                <a:latin typeface="Times New Roman" panose="02020603050405020304" pitchFamily="18" charset="0"/>
-                <a:cs typeface="Times New Roman" panose="02020603050405020304" pitchFamily="18" charset="0"/>
-              </a:endParaRPr>
             </a:p>
           </p:txBody>
         </p:sp>
@@ -9269,7 +9191,7 @@
             <a:lstStyle/>
             <a:p>
               <a:r>
-                <a:rPr lang="en-US" sz="2400" smtClean="0">
+                <a:rPr lang="en-US" sz="2400">
                   <a:solidFill>
                     <a:schemeClr val="tx1">
                       <a:lumMod val="95000"/>
@@ -9279,14 +9201,6 @@
                 </a:rPr>
                 <a:t>+</a:t>
               </a:r>
-              <a:endParaRPr lang="en-US" sz="2400">
-                <a:solidFill>
-                  <a:schemeClr val="tx1">
-                    <a:lumMod val="95000"/>
-                    <a:lumOff val="5000"/>
-                  </a:schemeClr>
-                </a:solidFill>
-              </a:endParaRPr>
             </a:p>
           </p:txBody>
         </p:sp>
@@ -9313,7 +9227,7 @@
             <a:lstStyle/>
             <a:p>
               <a:r>
-                <a:rPr lang="en-US" sz="2400" smtClean="0">
+                <a:rPr lang="en-US" sz="2400">
                   <a:solidFill>
                     <a:schemeClr val="tx1">
                       <a:lumMod val="95000"/>
@@ -9323,14 +9237,6 @@
                 </a:rPr>
                 <a:t>+</a:t>
               </a:r>
-              <a:endParaRPr lang="en-US" sz="2400">
-                <a:solidFill>
-                  <a:schemeClr val="tx1">
-                    <a:lumMod val="95000"/>
-                    <a:lumOff val="5000"/>
-                  </a:schemeClr>
-                </a:solidFill>
-              </a:endParaRPr>
             </a:p>
           </p:txBody>
         </p:sp>
@@ -9357,7 +9263,7 @@
             <a:lstStyle/>
             <a:p>
               <a:r>
-                <a:rPr lang="en-US" sz="2400" smtClean="0">
+                <a:rPr lang="en-US" sz="2400">
                   <a:solidFill>
                     <a:schemeClr val="tx1">
                       <a:lumMod val="95000"/>
@@ -9367,14 +9273,6 @@
                 </a:rPr>
                 <a:t>+</a:t>
               </a:r>
-              <a:endParaRPr lang="en-US" sz="2400">
-                <a:solidFill>
-                  <a:schemeClr val="tx1">
-                    <a:lumMod val="95000"/>
-                    <a:lumOff val="5000"/>
-                  </a:schemeClr>
-                </a:solidFill>
-              </a:endParaRPr>
             </a:p>
           </p:txBody>
         </p:sp>
@@ -9401,7 +9299,7 @@
             <a:lstStyle/>
             <a:p>
               <a:r>
-                <a:rPr lang="en-US" sz="2400" smtClean="0">
+                <a:rPr lang="en-US" sz="2400">
                   <a:solidFill>
                     <a:schemeClr val="tx1">
                       <a:lumMod val="95000"/>
@@ -9411,14 +9309,6 @@
                 </a:rPr>
                 <a:t>+</a:t>
               </a:r>
-              <a:endParaRPr lang="en-US" sz="2400">
-                <a:solidFill>
-                  <a:schemeClr val="tx1">
-                    <a:lumMod val="95000"/>
-                    <a:lumOff val="5000"/>
-                  </a:schemeClr>
-                </a:solidFill>
-              </a:endParaRPr>
             </a:p>
           </p:txBody>
         </p:sp>
@@ -9445,7 +9335,7 @@
             <a:lstStyle/>
             <a:p>
               <a:r>
-                <a:rPr lang="en-US" sz="2400" smtClean="0">
+                <a:rPr lang="en-US" sz="2400">
                   <a:solidFill>
                     <a:schemeClr val="tx1">
                       <a:lumMod val="95000"/>
@@ -9455,14 +9345,6 @@
                 </a:rPr>
                 <a:t>+</a:t>
               </a:r>
-              <a:endParaRPr lang="en-US" sz="2400">
-                <a:solidFill>
-                  <a:schemeClr val="tx1">
-                    <a:lumMod val="95000"/>
-                    <a:lumOff val="5000"/>
-                  </a:schemeClr>
-                </a:solidFill>
-              </a:endParaRPr>
             </a:p>
           </p:txBody>
         </p:sp>
@@ -9527,7 +9409,7 @@
             <a:lstStyle/>
             <a:p>
               <a:r>
-                <a:rPr lang="en-US" sz="2400" smtClean="0">
+                <a:rPr lang="en-US" sz="2400">
                   <a:solidFill>
                     <a:schemeClr val="tx1">
                       <a:lumMod val="95000"/>
@@ -9537,14 +9419,6 @@
                 </a:rPr>
                 <a:t>-</a:t>
               </a:r>
-              <a:endParaRPr lang="en-US" sz="2400">
-                <a:solidFill>
-                  <a:schemeClr val="tx1">
-                    <a:lumMod val="95000"/>
-                    <a:lumOff val="5000"/>
-                  </a:schemeClr>
-                </a:solidFill>
-              </a:endParaRPr>
             </a:p>
           </p:txBody>
         </p:sp>
@@ -9681,7 +9555,7 @@
             <a:lstStyle/>
             <a:p>
               <a:r>
-                <a:rPr lang="en-US" sz="2400" smtClean="0">
+                <a:rPr lang="en-US" sz="2400">
                   <a:solidFill>
                     <a:schemeClr val="tx1">
                       <a:lumMod val="95000"/>
@@ -9691,14 +9565,6 @@
                 </a:rPr>
                 <a:t>+</a:t>
               </a:r>
-              <a:endParaRPr lang="en-US" sz="2400">
-                <a:solidFill>
-                  <a:schemeClr val="tx1">
-                    <a:lumMod val="95000"/>
-                    <a:lumOff val="5000"/>
-                  </a:schemeClr>
-                </a:solidFill>
-              </a:endParaRPr>
             </a:p>
           </p:txBody>
         </p:sp>
@@ -9737,7 +9603,7 @@
             <a:p>
               <a:pPr algn="ctr"/>
               <a:r>
-                <a:rPr lang="en-US" sz="1200" b="1" smtClean="0">
+                <a:rPr lang="en-US" sz="1200" b="1">
                   <a:solidFill>
                     <a:schemeClr val="tx1">
                       <a:lumMod val="95000"/>
@@ -9749,16 +9615,6 @@
                 </a:rPr>
                 <a:t>Building multiply software</a:t>
               </a:r>
-              <a:endParaRPr lang="en-US" sz="1200" b="1">
-                <a:solidFill>
-                  <a:schemeClr val="tx1">
-                    <a:lumMod val="95000"/>
-                    <a:lumOff val="5000"/>
-                  </a:schemeClr>
-                </a:solidFill>
-                <a:latin typeface="Times New Roman" panose="02020603050405020304" pitchFamily="18" charset="0"/>
-                <a:cs typeface="Times New Roman" panose="02020603050405020304" pitchFamily="18" charset="0"/>
-              </a:endParaRPr>
             </a:p>
           </p:txBody>
         </p:sp>
@@ -9859,7 +9715,7 @@
             <a:lstStyle/>
             <a:p>
               <a:r>
-                <a:rPr lang="en-US" sz="2400" smtClean="0">
+                <a:rPr lang="en-US" sz="2400">
                   <a:solidFill>
                     <a:schemeClr val="tx1">
                       <a:lumMod val="95000"/>
@@ -9869,14 +9725,6 @@
                 </a:rPr>
                 <a:t>+</a:t>
               </a:r>
-              <a:endParaRPr lang="en-US" sz="2400">
-                <a:solidFill>
-                  <a:schemeClr val="tx1">
-                    <a:lumMod val="95000"/>
-                    <a:lumOff val="5000"/>
-                  </a:schemeClr>
-                </a:solidFill>
-              </a:endParaRPr>
             </a:p>
           </p:txBody>
         </p:sp>
@@ -9951,7 +9799,7 @@
             <a:p>
               <a:pPr algn="ctr"/>
               <a:r>
-                <a:rPr lang="en-US" sz="1200" b="1" smtClean="0">
+                <a:rPr lang="en-US" sz="1200" b="1">
                   <a:solidFill>
                     <a:schemeClr val="tx1">
                       <a:lumMod val="95000"/>
@@ -9963,16 +9811,6 @@
                 </a:rPr>
                 <a:t>Building multiply device</a:t>
               </a:r>
-              <a:endParaRPr lang="en-US" sz="1200" b="1">
-                <a:solidFill>
-                  <a:schemeClr val="tx1">
-                    <a:lumMod val="95000"/>
-                    <a:lumOff val="5000"/>
-                  </a:schemeClr>
-                </a:solidFill>
-                <a:latin typeface="Times New Roman" panose="02020603050405020304" pitchFamily="18" charset="0"/>
-                <a:cs typeface="Times New Roman" panose="02020603050405020304" pitchFamily="18" charset="0"/>
-              </a:endParaRPr>
             </a:p>
           </p:txBody>
         </p:sp>
@@ -10035,7 +9873,7 @@
             <a:lstStyle/>
             <a:p>
               <a:r>
-                <a:rPr lang="en-US" sz="2400" smtClean="0">
+                <a:rPr lang="en-US" sz="2400">
                   <a:solidFill>
                     <a:schemeClr val="tx1">
                       <a:lumMod val="95000"/>
@@ -10045,14 +9883,6 @@
                 </a:rPr>
                 <a:t>+</a:t>
               </a:r>
-              <a:endParaRPr lang="en-US" sz="2400">
-                <a:solidFill>
-                  <a:schemeClr val="tx1">
-                    <a:lumMod val="95000"/>
-                    <a:lumOff val="5000"/>
-                  </a:schemeClr>
-                </a:solidFill>
-              </a:endParaRPr>
             </a:p>
           </p:txBody>
         </p:sp>
@@ -10115,7 +9945,7 @@
             <a:lstStyle/>
             <a:p>
               <a:r>
-                <a:rPr lang="en-US" sz="2400" smtClean="0">
+                <a:rPr lang="en-US" sz="2400">
                   <a:solidFill>
                     <a:schemeClr val="tx1">
                       <a:lumMod val="95000"/>
@@ -10125,14 +9955,6 @@
                 </a:rPr>
                 <a:t>+</a:t>
               </a:r>
-              <a:endParaRPr lang="en-US" sz="2400">
-                <a:solidFill>
-                  <a:schemeClr val="tx1">
-                    <a:lumMod val="95000"/>
-                    <a:lumOff val="5000"/>
-                  </a:schemeClr>
-                </a:solidFill>
-              </a:endParaRPr>
             </a:p>
           </p:txBody>
         </p:sp>
@@ -10394,7 +10216,7 @@
             <a:lstStyle/>
             <a:p>
               <a:r>
-                <a:rPr lang="en-US" sz="2400" smtClean="0">
+                <a:rPr lang="en-US" sz="2400">
                   <a:solidFill>
                     <a:schemeClr val="tx1">
                       <a:lumMod val="95000"/>
@@ -10404,14 +10226,6 @@
                 </a:rPr>
                 <a:t>+</a:t>
               </a:r>
-              <a:endParaRPr lang="en-US" sz="2400">
-                <a:solidFill>
-                  <a:schemeClr val="tx1">
-                    <a:lumMod val="95000"/>
-                    <a:lumOff val="5000"/>
-                  </a:schemeClr>
-                </a:solidFill>
-              </a:endParaRPr>
             </a:p>
           </p:txBody>
         </p:sp>
@@ -10438,7 +10252,7 @@
             <a:lstStyle/>
             <a:p>
               <a:r>
-                <a:rPr lang="en-US" sz="2400" smtClean="0">
+                <a:rPr lang="en-US" sz="2400">
                   <a:solidFill>
                     <a:schemeClr val="tx1">
                       <a:lumMod val="95000"/>
@@ -10448,14 +10262,6 @@
                 </a:rPr>
                 <a:t>+</a:t>
               </a:r>
-              <a:endParaRPr lang="en-US" sz="2400">
-                <a:solidFill>
-                  <a:schemeClr val="tx1">
-                    <a:lumMod val="95000"/>
-                    <a:lumOff val="5000"/>
-                  </a:schemeClr>
-                </a:solidFill>
-              </a:endParaRPr>
             </a:p>
           </p:txBody>
         </p:sp>
@@ -10482,7 +10288,7 @@
             <a:lstStyle/>
             <a:p>
               <a:r>
-                <a:rPr lang="en-US" sz="2400" smtClean="0">
+                <a:rPr lang="en-US" sz="2400">
                   <a:solidFill>
                     <a:schemeClr val="tx1">
                       <a:lumMod val="95000"/>
@@ -10492,14 +10298,6 @@
                 </a:rPr>
                 <a:t>+</a:t>
               </a:r>
-              <a:endParaRPr lang="en-US" sz="2400">
-                <a:solidFill>
-                  <a:schemeClr val="tx1">
-                    <a:lumMod val="95000"/>
-                    <a:lumOff val="5000"/>
-                  </a:schemeClr>
-                </a:solidFill>
-              </a:endParaRPr>
             </a:p>
           </p:txBody>
         </p:sp>
@@ -10564,7 +10362,7 @@
             <a:lstStyle/>
             <a:p>
               <a:r>
-                <a:rPr lang="en-US" sz="2400" smtClean="0">
+                <a:rPr lang="en-US" sz="2400">
                   <a:solidFill>
                     <a:schemeClr val="tx1">
                       <a:lumMod val="95000"/>
@@ -10574,14 +10372,6 @@
                 </a:rPr>
                 <a:t>-</a:t>
               </a:r>
-              <a:endParaRPr lang="en-US" sz="2400">
-                <a:solidFill>
-                  <a:schemeClr val="tx1">
-                    <a:lumMod val="95000"/>
-                    <a:lumOff val="5000"/>
-                  </a:schemeClr>
-                </a:solidFill>
-              </a:endParaRPr>
             </a:p>
           </p:txBody>
         </p:sp>
@@ -10804,7 +10594,7 @@
             <a:lstStyle/>
             <a:p>
               <a:r>
-                <a:rPr lang="en-US" sz="2400" smtClean="0">
+                <a:rPr lang="en-US" sz="2400">
                   <a:solidFill>
                     <a:schemeClr val="tx1">
                       <a:lumMod val="95000"/>
@@ -10814,14 +10604,6 @@
                 </a:rPr>
                 <a:t>+</a:t>
               </a:r>
-              <a:endParaRPr lang="en-US" sz="2400">
-                <a:solidFill>
-                  <a:schemeClr val="tx1">
-                    <a:lumMod val="95000"/>
-                    <a:lumOff val="5000"/>
-                  </a:schemeClr>
-                </a:solidFill>
-              </a:endParaRPr>
             </a:p>
           </p:txBody>
         </p:sp>
@@ -10848,7 +10630,7 @@
             <a:lstStyle/>
             <a:p>
               <a:r>
-                <a:rPr lang="en-US" sz="2400" smtClean="0">
+                <a:rPr lang="en-US" sz="2400">
                   <a:solidFill>
                     <a:schemeClr val="tx1">
                       <a:lumMod val="95000"/>
@@ -10858,14 +10640,6 @@
                 </a:rPr>
                 <a:t>+</a:t>
               </a:r>
-              <a:endParaRPr lang="en-US" sz="2400">
-                <a:solidFill>
-                  <a:schemeClr val="tx1">
-                    <a:lumMod val="95000"/>
-                    <a:lumOff val="5000"/>
-                  </a:schemeClr>
-                </a:solidFill>
-              </a:endParaRPr>
             </a:p>
           </p:txBody>
         </p:sp>
@@ -10892,7 +10666,7 @@
             <a:lstStyle/>
             <a:p>
               <a:r>
-                <a:rPr lang="en-US" sz="2400" smtClean="0">
+                <a:rPr lang="en-US" sz="2400">
                   <a:solidFill>
                     <a:schemeClr val="tx1">
                       <a:lumMod val="95000"/>
@@ -10902,14 +10676,6 @@
                 </a:rPr>
                 <a:t>+</a:t>
               </a:r>
-              <a:endParaRPr lang="en-US" sz="2400">
-                <a:solidFill>
-                  <a:schemeClr val="tx1">
-                    <a:lumMod val="95000"/>
-                    <a:lumOff val="5000"/>
-                  </a:schemeClr>
-                </a:solidFill>
-              </a:endParaRPr>
             </a:p>
           </p:txBody>
         </p:sp>
@@ -10936,7 +10702,7 @@
             <a:lstStyle/>
             <a:p>
               <a:r>
-                <a:rPr lang="en-US" sz="2400" smtClean="0">
+                <a:rPr lang="en-US" sz="2400">
                   <a:solidFill>
                     <a:schemeClr val="tx1">
                       <a:lumMod val="95000"/>
@@ -10946,14 +10712,6 @@
                 </a:rPr>
                 <a:t>+</a:t>
               </a:r>
-              <a:endParaRPr lang="en-US" sz="2400">
-                <a:solidFill>
-                  <a:schemeClr val="tx1">
-                    <a:lumMod val="95000"/>
-                    <a:lumOff val="5000"/>
-                  </a:schemeClr>
-                </a:solidFill>
-              </a:endParaRPr>
             </a:p>
           </p:txBody>
         </p:sp>
@@ -11130,7 +10888,7 @@
           <a:lstStyle/>
           <a:p>
             <a:r>
-              <a:rPr lang="en-US" sz="2400" smtClean="0">
+              <a:rPr lang="en-US" sz="2400">
                 <a:solidFill>
                   <a:schemeClr val="tx1">
                     <a:lumMod val="95000"/>
@@ -11140,14 +10898,6 @@
               </a:rPr>
               <a:t>-</a:t>
             </a:r>
-            <a:endParaRPr lang="en-US" sz="2400">
-              <a:solidFill>
-                <a:schemeClr val="tx1">
-                  <a:lumMod val="95000"/>
-                  <a:lumOff val="5000"/>
-                </a:schemeClr>
-              </a:solidFill>
-            </a:endParaRPr>
           </a:p>
         </p:txBody>
       </p:sp>
@@ -11161,13 +10911,7982 @@
   <p:clrMapOvr>
     <a:masterClrMapping/>
   </p:clrMapOvr>
-  <p:timing>
-    <p:tnLst>
-      <p:par>
-        <p:cTn id="1" dur="indefinite" restart="never" nodeType="tmRoot"/>
-      </p:par>
-    </p:tnLst>
-  </p:timing>
+</p:sld>
+</file>
+
+<file path=ppt/slides/slide3.xml><?xml version="1.0" encoding="utf-8"?>
+<p:sld xmlns:a="http://schemas.openxmlformats.org/drawingml/2006/main" xmlns:r="http://schemas.openxmlformats.org/officeDocument/2006/relationships" xmlns:p="http://schemas.openxmlformats.org/presentationml/2006/main">
+  <p:cSld>
+    <p:spTree>
+      <p:nvGrpSpPr>
+        <p:cNvPr id="1" name=""/>
+        <p:cNvGrpSpPr/>
+        <p:nvPr/>
+      </p:nvGrpSpPr>
+      <p:grpSpPr>
+        <a:xfrm>
+          <a:off x="0" y="0"/>
+          <a:ext cx="0" cy="0"/>
+          <a:chOff x="0" y="0"/>
+          <a:chExt cx="0" cy="0"/>
+        </a:xfrm>
+      </p:grpSpPr>
+      <p:sp>
+        <p:nvSpPr>
+          <p:cNvPr id="33" name="Rectangle 3"/>
+          <p:cNvSpPr>
+            <a:spLocks noChangeArrowheads="1"/>
+          </p:cNvSpPr>
+          <p:nvPr/>
+        </p:nvSpPr>
+        <p:spPr bwMode="auto">
+          <a:xfrm>
+            <a:off x="5045529" y="2754630"/>
+            <a:ext cx="1076325" cy="942975"/>
+          </a:xfrm>
+          <a:prstGeom prst="rect">
+            <a:avLst/>
+          </a:prstGeom>
+          <a:ln/>
+        </p:spPr>
+        <p:style>
+          <a:lnRef idx="0">
+            <a:schemeClr val="accent4"/>
+          </a:lnRef>
+          <a:fillRef idx="3">
+            <a:schemeClr val="accent4"/>
+          </a:fillRef>
+          <a:effectRef idx="3">
+            <a:schemeClr val="accent4"/>
+          </a:effectRef>
+          <a:fontRef idx="minor">
+            <a:schemeClr val="lt1"/>
+          </a:fontRef>
+        </p:style>
+        <p:txBody>
+          <a:bodyPr vert="horz" wrap="square" lIns="91440" tIns="45720" rIns="91440" bIns="45720" numCol="1" anchor="ctr" anchorCtr="0" compatLnSpc="1">
+            <a:prstTxWarp prst="textNoShape">
+              <a:avLst/>
+            </a:prstTxWarp>
+          </a:bodyPr>
+          <a:lstStyle/>
+          <a:p>
+            <a:pPr marL="0" marR="0" lvl="0" indent="0" algn="ctr" defTabSz="914400" rtl="0" eaLnBrk="0" fontAlgn="base" latinLnBrk="0" hangingPunct="0">
+              <a:lnSpc>
+                <a:spcPct val="100000"/>
+              </a:lnSpc>
+              <a:spcBef>
+                <a:spcPct val="0"/>
+              </a:spcBef>
+              <a:spcAft>
+                <a:spcPct val="0"/>
+              </a:spcAft>
+              <a:buClrTx/>
+              <a:buSzTx/>
+              <a:buFontTx/>
+              <a:buNone/>
+              <a:tabLst/>
+            </a:pPr>
+            <a:r>
+              <a:rPr kumimoji="0" lang="en-US" altLang="en-US" sz="1200" b="1" i="0" u="none" strike="noStrike" cap="none" normalizeH="0" baseline="0">
+                <a:ln>
+                  <a:noFill/>
+                </a:ln>
+                <a:solidFill>
+                  <a:schemeClr val="tx1">
+                    <a:lumMod val="95000"/>
+                    <a:lumOff val="5000"/>
+                  </a:schemeClr>
+                </a:solidFill>
+                <a:effectLst/>
+                <a:latin typeface="Times New Roman" panose="02020603050405020304" pitchFamily="18" charset="0"/>
+                <a:ea typeface="Calibri" panose="020F0502020204030204" pitchFamily="34" charset="0"/>
+                <a:cs typeface="Times New Roman" panose="02020603050405020304" pitchFamily="18" charset="0"/>
+              </a:rPr>
+              <a:t>Best manage embedded dvice</a:t>
+            </a:r>
+            <a:endParaRPr kumimoji="0" lang="en-US" altLang="en-US" sz="1800" b="0" i="0" u="none" strike="noStrike" cap="none" normalizeH="0" baseline="0">
+              <a:ln>
+                <a:noFill/>
+              </a:ln>
+              <a:solidFill>
+                <a:schemeClr val="tx1">
+                  <a:lumMod val="95000"/>
+                  <a:lumOff val="5000"/>
+                </a:schemeClr>
+              </a:solidFill>
+              <a:effectLst/>
+              <a:latin typeface="Arial" panose="020B0604020202020204" pitchFamily="34" charset="0"/>
+            </a:endParaRPr>
+          </a:p>
+        </p:txBody>
+      </p:sp>
+      <p:sp>
+        <p:nvSpPr>
+          <p:cNvPr id="34" name="Rectangle 4"/>
+          <p:cNvSpPr>
+            <a:spLocks noChangeArrowheads="1"/>
+          </p:cNvSpPr>
+          <p:nvPr/>
+        </p:nvSpPr>
+        <p:spPr bwMode="auto">
+          <a:xfrm>
+            <a:off x="2561075" y="3645818"/>
+            <a:ext cx="1047750" cy="766762"/>
+          </a:xfrm>
+          <a:prstGeom prst="rect">
+            <a:avLst/>
+          </a:prstGeom>
+          <a:gradFill rotWithShape="1">
+            <a:gsLst>
+              <a:gs pos="0">
+                <a:srgbClr val="6083CB"/>
+              </a:gs>
+              <a:gs pos="50000">
+                <a:srgbClr val="3E70CA"/>
+              </a:gs>
+              <a:gs pos="100000">
+                <a:srgbClr val="2E61BA"/>
+              </a:gs>
+            </a:gsLst>
+            <a:lin ang="5400000"/>
+          </a:gradFill>
+          <a:ln>
+            <a:noFill/>
+          </a:ln>
+          <a:effectLst>
+            <a:outerShdw dist="19050" dir="5400000" algn="ctr" rotWithShape="0">
+              <a:srgbClr val="000000">
+                <a:alpha val="62999"/>
+              </a:srgbClr>
+            </a:outerShdw>
+          </a:effectLst>
+          <a:extLst>
+            <a:ext uri="{91240B29-F687-4F45-9708-019B960494DF}">
+              <a14:hiddenLine xmlns:a14="http://schemas.microsoft.com/office/drawing/2010/main" w="9525">
+                <a:solidFill>
+                  <a:srgbClr val="000000"/>
+                </a:solidFill>
+                <a:miter lim="800000"/>
+                <a:headEnd/>
+                <a:tailEnd/>
+              </a14:hiddenLine>
+            </a:ext>
+          </a:extLst>
+        </p:spPr>
+        <p:txBody>
+          <a:bodyPr vert="horz" wrap="square" lIns="91440" tIns="45720" rIns="91440" bIns="45720" numCol="1" anchor="ctr" anchorCtr="0" compatLnSpc="1">
+            <a:prstTxWarp prst="textNoShape">
+              <a:avLst/>
+            </a:prstTxWarp>
+          </a:bodyPr>
+          <a:lstStyle/>
+          <a:p>
+            <a:pPr marL="0" marR="0" lvl="0" indent="0" algn="ctr" defTabSz="914400" rtl="0" eaLnBrk="0" fontAlgn="base" latinLnBrk="0" hangingPunct="0">
+              <a:lnSpc>
+                <a:spcPct val="100000"/>
+              </a:lnSpc>
+              <a:spcBef>
+                <a:spcPct val="0"/>
+              </a:spcBef>
+              <a:spcAft>
+                <a:spcPct val="0"/>
+              </a:spcAft>
+              <a:buClrTx/>
+              <a:buSzTx/>
+              <a:buFontTx/>
+              <a:buNone/>
+              <a:tabLst/>
+            </a:pPr>
+            <a:r>
+              <a:rPr kumimoji="0" lang="en-US" altLang="en-US" sz="1200" b="1" i="0" u="none" strike="noStrike" cap="none" normalizeH="0" baseline="0">
+                <a:ln>
+                  <a:noFill/>
+                </a:ln>
+                <a:solidFill>
+                  <a:schemeClr val="tx1">
+                    <a:lumMod val="95000"/>
+                    <a:lumOff val="5000"/>
+                  </a:schemeClr>
+                </a:solidFill>
+                <a:effectLst/>
+                <a:latin typeface="Times New Roman" panose="02020603050405020304" pitchFamily="18" charset="0"/>
+                <a:ea typeface="Calibri" panose="020F0502020204030204" pitchFamily="34" charset="0"/>
+                <a:cs typeface="Times New Roman" panose="02020603050405020304" pitchFamily="18" charset="0"/>
+              </a:rPr>
+              <a:t>Low Development Cost</a:t>
+            </a:r>
+            <a:endParaRPr kumimoji="0" lang="en-US" altLang="en-US" sz="1100" b="0" i="0" u="none" strike="noStrike" cap="none" normalizeH="0" baseline="0">
+              <a:ln>
+                <a:noFill/>
+              </a:ln>
+              <a:solidFill>
+                <a:schemeClr val="tx1">
+                  <a:lumMod val="95000"/>
+                  <a:lumOff val="5000"/>
+                </a:schemeClr>
+              </a:solidFill>
+              <a:effectLst/>
+            </a:endParaRPr>
+          </a:p>
+        </p:txBody>
+      </p:sp>
+      <p:sp>
+        <p:nvSpPr>
+          <p:cNvPr id="35" name="Rectangle 8"/>
+          <p:cNvSpPr>
+            <a:spLocks noChangeArrowheads="1"/>
+          </p:cNvSpPr>
+          <p:nvPr/>
+        </p:nvSpPr>
+        <p:spPr bwMode="auto">
+          <a:xfrm>
+            <a:off x="784988" y="5072915"/>
+            <a:ext cx="733425" cy="933450"/>
+          </a:xfrm>
+          <a:prstGeom prst="rect">
+            <a:avLst/>
+          </a:prstGeom>
+          <a:gradFill rotWithShape="1">
+            <a:gsLst>
+              <a:gs pos="0">
+                <a:srgbClr val="81B861"/>
+              </a:gs>
+              <a:gs pos="50000">
+                <a:srgbClr val="6FB242"/>
+              </a:gs>
+              <a:gs pos="100000">
+                <a:srgbClr val="61A235"/>
+              </a:gs>
+            </a:gsLst>
+            <a:lin ang="5400000"/>
+          </a:gradFill>
+          <a:ln>
+            <a:noFill/>
+          </a:ln>
+          <a:effectLst>
+            <a:outerShdw dist="19050" dir="5400000" algn="ctr" rotWithShape="0">
+              <a:srgbClr val="000000">
+                <a:alpha val="62999"/>
+              </a:srgbClr>
+            </a:outerShdw>
+          </a:effectLst>
+          <a:extLst>
+            <a:ext uri="{91240B29-F687-4F45-9708-019B960494DF}">
+              <a14:hiddenLine xmlns:a14="http://schemas.microsoft.com/office/drawing/2010/main" w="9525">
+                <a:solidFill>
+                  <a:srgbClr val="000000"/>
+                </a:solidFill>
+                <a:miter lim="800000"/>
+                <a:headEnd/>
+                <a:tailEnd/>
+              </a14:hiddenLine>
+            </a:ext>
+          </a:extLst>
+        </p:spPr>
+        <p:txBody>
+          <a:bodyPr vert="horz" wrap="square" lIns="91440" tIns="45720" rIns="91440" bIns="45720" numCol="1" anchor="ctr" anchorCtr="0" compatLnSpc="1">
+            <a:prstTxWarp prst="textNoShape">
+              <a:avLst/>
+            </a:prstTxWarp>
+          </a:bodyPr>
+          <a:lstStyle/>
+          <a:p>
+            <a:pPr marL="0" marR="0" lvl="0" indent="0" algn="ctr" defTabSz="914400" rtl="0" eaLnBrk="0" fontAlgn="base" latinLnBrk="0" hangingPunct="0">
+              <a:lnSpc>
+                <a:spcPct val="100000"/>
+              </a:lnSpc>
+              <a:spcBef>
+                <a:spcPct val="0"/>
+              </a:spcBef>
+              <a:spcAft>
+                <a:spcPct val="0"/>
+              </a:spcAft>
+              <a:buClrTx/>
+              <a:buSzTx/>
+              <a:buFontTx/>
+              <a:buNone/>
+              <a:tabLst/>
+            </a:pPr>
+            <a:r>
+              <a:rPr kumimoji="0" lang="en-US" altLang="en-US" sz="1200" b="1" i="0" u="none" strike="noStrike" cap="none" normalizeH="0" baseline="0">
+                <a:ln>
+                  <a:noFill/>
+                </a:ln>
+                <a:solidFill>
+                  <a:schemeClr val="tx1">
+                    <a:lumMod val="95000"/>
+                    <a:lumOff val="5000"/>
+                  </a:schemeClr>
+                </a:solidFill>
+                <a:effectLst/>
+                <a:latin typeface="Times New Roman" panose="02020603050405020304" pitchFamily="18" charset="0"/>
+                <a:ea typeface="Calibri" panose="020F0502020204030204" pitchFamily="34" charset="0"/>
+                <a:cs typeface="Times New Roman" panose="02020603050405020304" pitchFamily="18" charset="0"/>
+              </a:rPr>
+              <a:t>Low data storage costs </a:t>
+            </a:r>
+            <a:endParaRPr kumimoji="0" lang="en-US" altLang="en-US" sz="1100" b="0" i="0" u="none" strike="noStrike" cap="none" normalizeH="0" baseline="0">
+              <a:ln>
+                <a:noFill/>
+              </a:ln>
+              <a:solidFill>
+                <a:schemeClr val="tx1">
+                  <a:lumMod val="95000"/>
+                  <a:lumOff val="5000"/>
+                </a:schemeClr>
+              </a:solidFill>
+              <a:effectLst/>
+            </a:endParaRPr>
+          </a:p>
+        </p:txBody>
+      </p:sp>
+      <p:sp>
+        <p:nvSpPr>
+          <p:cNvPr id="36" name="Rectangle 9"/>
+          <p:cNvSpPr>
+            <a:spLocks noChangeArrowheads="1"/>
+          </p:cNvSpPr>
+          <p:nvPr/>
+        </p:nvSpPr>
+        <p:spPr bwMode="auto">
+          <a:xfrm>
+            <a:off x="1719968" y="5072915"/>
+            <a:ext cx="1028700" cy="733425"/>
+          </a:xfrm>
+          <a:prstGeom prst="rect">
+            <a:avLst/>
+          </a:prstGeom>
+          <a:gradFill rotWithShape="1">
+            <a:gsLst>
+              <a:gs pos="0">
+                <a:srgbClr val="81B861"/>
+              </a:gs>
+              <a:gs pos="50000">
+                <a:srgbClr val="6FB242"/>
+              </a:gs>
+              <a:gs pos="100000">
+                <a:srgbClr val="61A235"/>
+              </a:gs>
+            </a:gsLst>
+            <a:lin ang="5400000"/>
+          </a:gradFill>
+          <a:ln>
+            <a:noFill/>
+          </a:ln>
+          <a:effectLst>
+            <a:outerShdw dist="19050" dir="5400000" algn="ctr" rotWithShape="0">
+              <a:srgbClr val="000000">
+                <a:alpha val="62999"/>
+              </a:srgbClr>
+            </a:outerShdw>
+          </a:effectLst>
+          <a:extLst>
+            <a:ext uri="{91240B29-F687-4F45-9708-019B960494DF}">
+              <a14:hiddenLine xmlns:a14="http://schemas.microsoft.com/office/drawing/2010/main" w="9525">
+                <a:solidFill>
+                  <a:srgbClr val="000000"/>
+                </a:solidFill>
+                <a:miter lim="800000"/>
+                <a:headEnd/>
+                <a:tailEnd/>
+              </a14:hiddenLine>
+            </a:ext>
+          </a:extLst>
+        </p:spPr>
+        <p:txBody>
+          <a:bodyPr vert="horz" wrap="square" lIns="91440" tIns="45720" rIns="91440" bIns="45720" numCol="1" anchor="ctr" anchorCtr="0" compatLnSpc="1">
+            <a:prstTxWarp prst="textNoShape">
+              <a:avLst/>
+            </a:prstTxWarp>
+          </a:bodyPr>
+          <a:lstStyle/>
+          <a:p>
+            <a:pPr marL="0" marR="0" lvl="0" indent="0" algn="ctr" defTabSz="914400" rtl="0" eaLnBrk="0" fontAlgn="base" latinLnBrk="0" hangingPunct="0">
+              <a:lnSpc>
+                <a:spcPct val="100000"/>
+              </a:lnSpc>
+              <a:spcBef>
+                <a:spcPct val="0"/>
+              </a:spcBef>
+              <a:spcAft>
+                <a:spcPct val="0"/>
+              </a:spcAft>
+              <a:buClrTx/>
+              <a:buSzTx/>
+              <a:buFontTx/>
+              <a:buNone/>
+              <a:tabLst/>
+            </a:pPr>
+            <a:r>
+              <a:rPr kumimoji="0" lang="en-US" altLang="en-US" sz="1200" b="1" i="0" u="none" strike="noStrike" cap="none" normalizeH="0" baseline="0">
+                <a:ln>
+                  <a:noFill/>
+                </a:ln>
+                <a:solidFill>
+                  <a:schemeClr val="tx1">
+                    <a:lumMod val="95000"/>
+                    <a:lumOff val="5000"/>
+                  </a:schemeClr>
+                </a:solidFill>
+                <a:effectLst/>
+                <a:latin typeface="Times New Roman" panose="02020603050405020304" pitchFamily="18" charset="0"/>
+                <a:ea typeface="Calibri" panose="020F0502020204030204" pitchFamily="34" charset="0"/>
+                <a:cs typeface="Times New Roman" panose="02020603050405020304" pitchFamily="18" charset="0"/>
+              </a:rPr>
+              <a:t>Low construction system costs</a:t>
+            </a:r>
+            <a:endParaRPr kumimoji="0" lang="en-US" altLang="en-US" sz="1100" b="0" i="0" u="none" strike="noStrike" cap="none" normalizeH="0" baseline="0">
+              <a:ln>
+                <a:noFill/>
+              </a:ln>
+              <a:solidFill>
+                <a:schemeClr val="tx1">
+                  <a:lumMod val="95000"/>
+                  <a:lumOff val="5000"/>
+                </a:schemeClr>
+              </a:solidFill>
+              <a:effectLst/>
+            </a:endParaRPr>
+          </a:p>
+        </p:txBody>
+      </p:sp>
+      <p:sp>
+        <p:nvSpPr>
+          <p:cNvPr id="37" name="Rectangle 10"/>
+          <p:cNvSpPr>
+            <a:spLocks noChangeArrowheads="1"/>
+          </p:cNvSpPr>
+          <p:nvPr/>
+        </p:nvSpPr>
+        <p:spPr bwMode="auto">
+          <a:xfrm>
+            <a:off x="4259588" y="5069457"/>
+            <a:ext cx="666750" cy="847725"/>
+          </a:xfrm>
+          <a:prstGeom prst="rect">
+            <a:avLst/>
+          </a:prstGeom>
+          <a:gradFill rotWithShape="1">
+            <a:gsLst>
+              <a:gs pos="0">
+                <a:srgbClr val="81B861"/>
+              </a:gs>
+              <a:gs pos="50000">
+                <a:srgbClr val="6FB242"/>
+              </a:gs>
+              <a:gs pos="100000">
+                <a:srgbClr val="61A235"/>
+              </a:gs>
+            </a:gsLst>
+            <a:lin ang="5400000"/>
+          </a:gradFill>
+          <a:ln>
+            <a:noFill/>
+          </a:ln>
+          <a:effectLst>
+            <a:outerShdw dist="19050" dir="5400000" algn="ctr" rotWithShape="0">
+              <a:srgbClr val="000000">
+                <a:alpha val="62999"/>
+              </a:srgbClr>
+            </a:outerShdw>
+          </a:effectLst>
+          <a:extLst>
+            <a:ext uri="{91240B29-F687-4F45-9708-019B960494DF}">
+              <a14:hiddenLine xmlns:a14="http://schemas.microsoft.com/office/drawing/2010/main" w="9525">
+                <a:solidFill>
+                  <a:srgbClr val="000000"/>
+                </a:solidFill>
+                <a:miter lim="800000"/>
+                <a:headEnd/>
+                <a:tailEnd/>
+              </a14:hiddenLine>
+            </a:ext>
+          </a:extLst>
+        </p:spPr>
+        <p:txBody>
+          <a:bodyPr vert="horz" wrap="square" lIns="91440" tIns="45720" rIns="91440" bIns="45720" numCol="1" anchor="ctr" anchorCtr="0" compatLnSpc="1">
+            <a:prstTxWarp prst="textNoShape">
+              <a:avLst/>
+            </a:prstTxWarp>
+          </a:bodyPr>
+          <a:lstStyle/>
+          <a:p>
+            <a:pPr marL="0" marR="0" lvl="0" indent="0" algn="ctr" defTabSz="914400" rtl="0" eaLnBrk="0" fontAlgn="base" latinLnBrk="0" hangingPunct="0">
+              <a:lnSpc>
+                <a:spcPct val="100000"/>
+              </a:lnSpc>
+              <a:spcBef>
+                <a:spcPct val="0"/>
+              </a:spcBef>
+              <a:spcAft>
+                <a:spcPct val="0"/>
+              </a:spcAft>
+              <a:buClrTx/>
+              <a:buSzTx/>
+              <a:buFontTx/>
+              <a:buNone/>
+              <a:tabLst/>
+            </a:pPr>
+            <a:r>
+              <a:rPr kumimoji="0" lang="en-US" altLang="en-US" sz="1200" b="1" i="0" u="none" strike="noStrike" cap="none" normalizeH="0" baseline="0">
+                <a:ln>
+                  <a:noFill/>
+                </a:ln>
+                <a:solidFill>
+                  <a:schemeClr val="tx1">
+                    <a:lumMod val="95000"/>
+                    <a:lumOff val="5000"/>
+                  </a:schemeClr>
+                </a:solidFill>
+                <a:effectLst/>
+                <a:latin typeface="Times New Roman" panose="02020603050405020304" pitchFamily="18" charset="0"/>
+                <a:ea typeface="Calibri" panose="020F0502020204030204" pitchFamily="34" charset="0"/>
+                <a:cs typeface="Times New Roman" panose="02020603050405020304" pitchFamily="18" charset="0"/>
+              </a:rPr>
+              <a:t>Low cost of using process</a:t>
+            </a:r>
+            <a:endParaRPr kumimoji="0" lang="en-US" altLang="en-US" sz="1100" b="0" i="0" u="none" strike="noStrike" cap="none" normalizeH="0" baseline="0">
+              <a:ln>
+                <a:noFill/>
+              </a:ln>
+              <a:solidFill>
+                <a:schemeClr val="tx1">
+                  <a:lumMod val="95000"/>
+                  <a:lumOff val="5000"/>
+                </a:schemeClr>
+              </a:solidFill>
+              <a:effectLst/>
+            </a:endParaRPr>
+          </a:p>
+        </p:txBody>
+      </p:sp>
+      <p:sp>
+        <p:nvSpPr>
+          <p:cNvPr id="38" name="Rectangle 11"/>
+          <p:cNvSpPr>
+            <a:spLocks noChangeArrowheads="1"/>
+          </p:cNvSpPr>
+          <p:nvPr/>
+        </p:nvSpPr>
+        <p:spPr bwMode="auto">
+          <a:xfrm>
+            <a:off x="2950223" y="5069457"/>
+            <a:ext cx="1038225" cy="828675"/>
+          </a:xfrm>
+          <a:prstGeom prst="rect">
+            <a:avLst/>
+          </a:prstGeom>
+          <a:gradFill rotWithShape="1">
+            <a:gsLst>
+              <a:gs pos="0">
+                <a:srgbClr val="81B861"/>
+              </a:gs>
+              <a:gs pos="50000">
+                <a:srgbClr val="6FB242"/>
+              </a:gs>
+              <a:gs pos="100000">
+                <a:srgbClr val="61A235"/>
+              </a:gs>
+            </a:gsLst>
+            <a:lin ang="5400000"/>
+          </a:gradFill>
+          <a:ln>
+            <a:noFill/>
+          </a:ln>
+          <a:effectLst>
+            <a:outerShdw dist="19050" dir="5400000" algn="ctr" rotWithShape="0">
+              <a:srgbClr val="000000">
+                <a:alpha val="62999"/>
+              </a:srgbClr>
+            </a:outerShdw>
+          </a:effectLst>
+          <a:extLst>
+            <a:ext uri="{91240B29-F687-4F45-9708-019B960494DF}">
+              <a14:hiddenLine xmlns:a14="http://schemas.microsoft.com/office/drawing/2010/main" w="9525">
+                <a:solidFill>
+                  <a:srgbClr val="000000"/>
+                </a:solidFill>
+                <a:miter lim="800000"/>
+                <a:headEnd/>
+                <a:tailEnd/>
+              </a14:hiddenLine>
+            </a:ext>
+          </a:extLst>
+        </p:spPr>
+        <p:txBody>
+          <a:bodyPr vert="horz" wrap="square" lIns="91440" tIns="45720" rIns="91440" bIns="45720" numCol="1" anchor="ctr" anchorCtr="0" compatLnSpc="1">
+            <a:prstTxWarp prst="textNoShape">
+              <a:avLst/>
+            </a:prstTxWarp>
+          </a:bodyPr>
+          <a:lstStyle/>
+          <a:p>
+            <a:pPr marL="0" marR="0" lvl="0" indent="0" algn="ctr" defTabSz="914400" rtl="0" eaLnBrk="0" fontAlgn="base" latinLnBrk="0" hangingPunct="0">
+              <a:lnSpc>
+                <a:spcPct val="100000"/>
+              </a:lnSpc>
+              <a:spcBef>
+                <a:spcPct val="0"/>
+              </a:spcBef>
+              <a:spcAft>
+                <a:spcPct val="0"/>
+              </a:spcAft>
+              <a:buClrTx/>
+              <a:buSzTx/>
+              <a:buFontTx/>
+              <a:buNone/>
+              <a:tabLst/>
+            </a:pPr>
+            <a:r>
+              <a:rPr kumimoji="0" lang="en-US" altLang="en-US" sz="1200" b="1" i="0" u="none" strike="noStrike" cap="none" normalizeH="0" baseline="0">
+                <a:ln>
+                  <a:noFill/>
+                </a:ln>
+                <a:solidFill>
+                  <a:schemeClr val="tx1">
+                    <a:lumMod val="95000"/>
+                    <a:lumOff val="5000"/>
+                  </a:schemeClr>
+                </a:solidFill>
+                <a:effectLst/>
+                <a:latin typeface="Times New Roman" panose="02020603050405020304" pitchFamily="18" charset="0"/>
+                <a:ea typeface="Calibri" panose="020F0502020204030204" pitchFamily="34" charset="0"/>
+                <a:cs typeface="Times New Roman" panose="02020603050405020304" pitchFamily="18" charset="0"/>
+              </a:rPr>
+              <a:t>Low maintenance cost</a:t>
+            </a:r>
+            <a:endParaRPr kumimoji="0" lang="en-US" altLang="en-US" sz="1100" b="0" i="0" u="none" strike="noStrike" cap="none" normalizeH="0" baseline="0">
+              <a:ln>
+                <a:noFill/>
+              </a:ln>
+              <a:solidFill>
+                <a:schemeClr val="tx1">
+                  <a:lumMod val="95000"/>
+                  <a:lumOff val="5000"/>
+                </a:schemeClr>
+              </a:solidFill>
+              <a:effectLst/>
+            </a:endParaRPr>
+          </a:p>
+        </p:txBody>
+      </p:sp>
+      <p:sp>
+        <p:nvSpPr>
+          <p:cNvPr id="39" name="Rectangle 15"/>
+          <p:cNvSpPr>
+            <a:spLocks noChangeArrowheads="1"/>
+          </p:cNvSpPr>
+          <p:nvPr/>
+        </p:nvSpPr>
+        <p:spPr bwMode="auto">
+          <a:xfrm>
+            <a:off x="6650491" y="4035291"/>
+            <a:ext cx="1152525" cy="685800"/>
+          </a:xfrm>
+          <a:prstGeom prst="rect">
+            <a:avLst/>
+          </a:prstGeom>
+          <a:gradFill rotWithShape="1">
+            <a:gsLst>
+              <a:gs pos="0">
+                <a:srgbClr val="6083CB"/>
+              </a:gs>
+              <a:gs pos="50000">
+                <a:srgbClr val="3E70CA"/>
+              </a:gs>
+              <a:gs pos="100000">
+                <a:srgbClr val="2E61BA"/>
+              </a:gs>
+            </a:gsLst>
+            <a:lin ang="5400000"/>
+          </a:gradFill>
+          <a:ln>
+            <a:noFill/>
+          </a:ln>
+          <a:effectLst>
+            <a:outerShdw dist="19050" dir="5400000" algn="ctr" rotWithShape="0">
+              <a:srgbClr val="000000">
+                <a:alpha val="62999"/>
+              </a:srgbClr>
+            </a:outerShdw>
+          </a:effectLst>
+          <a:extLst>
+            <a:ext uri="{91240B29-F687-4F45-9708-019B960494DF}">
+              <a14:hiddenLine xmlns:a14="http://schemas.microsoft.com/office/drawing/2010/main" w="9525">
+                <a:solidFill>
+                  <a:srgbClr val="000000"/>
+                </a:solidFill>
+                <a:miter lim="800000"/>
+                <a:headEnd/>
+                <a:tailEnd/>
+              </a14:hiddenLine>
+            </a:ext>
+          </a:extLst>
+        </p:spPr>
+        <p:txBody>
+          <a:bodyPr vert="horz" wrap="square" lIns="91440" tIns="45720" rIns="91440" bIns="45720" numCol="1" anchor="ctr" anchorCtr="0" compatLnSpc="1">
+            <a:prstTxWarp prst="textNoShape">
+              <a:avLst/>
+            </a:prstTxWarp>
+          </a:bodyPr>
+          <a:lstStyle/>
+          <a:p>
+            <a:pPr lvl="0" algn="ctr" eaLnBrk="0" fontAlgn="base" hangingPunct="0">
+              <a:spcBef>
+                <a:spcPct val="0"/>
+              </a:spcBef>
+              <a:spcAft>
+                <a:spcPct val="0"/>
+              </a:spcAft>
+            </a:pPr>
+            <a:r>
+              <a:rPr lang="en-US" altLang="en-US" sz="1200" b="1">
+                <a:solidFill>
+                  <a:schemeClr val="tx1">
+                    <a:lumMod val="95000"/>
+                    <a:lumOff val="5000"/>
+                  </a:schemeClr>
+                </a:solidFill>
+                <a:latin typeface="Times New Roman" panose="02020603050405020304" pitchFamily="18" charset="0"/>
+                <a:ea typeface="Calibri" panose="020F0502020204030204" pitchFamily="34" charset="0"/>
+                <a:cs typeface="Times New Roman" panose="02020603050405020304" pitchFamily="18" charset="0"/>
+              </a:rPr>
+              <a:t>Required processing speed faster</a:t>
+            </a:r>
+          </a:p>
+        </p:txBody>
+      </p:sp>
+      <p:sp>
+        <p:nvSpPr>
+          <p:cNvPr id="40" name="Rectangle 16"/>
+          <p:cNvSpPr>
+            <a:spLocks noChangeArrowheads="1"/>
+          </p:cNvSpPr>
+          <p:nvPr/>
+        </p:nvSpPr>
+        <p:spPr bwMode="auto">
+          <a:xfrm>
+            <a:off x="5494349" y="5483795"/>
+            <a:ext cx="838200" cy="761098"/>
+          </a:xfrm>
+          <a:prstGeom prst="rect">
+            <a:avLst/>
+          </a:prstGeom>
+          <a:gradFill rotWithShape="1">
+            <a:gsLst>
+              <a:gs pos="0">
+                <a:srgbClr val="81B861"/>
+              </a:gs>
+              <a:gs pos="50000">
+                <a:srgbClr val="6FB242"/>
+              </a:gs>
+              <a:gs pos="100000">
+                <a:srgbClr val="61A235"/>
+              </a:gs>
+            </a:gsLst>
+            <a:lin ang="5400000"/>
+          </a:gradFill>
+          <a:ln>
+            <a:noFill/>
+          </a:ln>
+          <a:effectLst>
+            <a:outerShdw dist="19050" dir="5400000" algn="ctr" rotWithShape="0">
+              <a:srgbClr val="000000">
+                <a:alpha val="62999"/>
+              </a:srgbClr>
+            </a:outerShdw>
+          </a:effectLst>
+          <a:extLst>
+            <a:ext uri="{91240B29-F687-4F45-9708-019B960494DF}">
+              <a14:hiddenLine xmlns:a14="http://schemas.microsoft.com/office/drawing/2010/main" w="9525">
+                <a:solidFill>
+                  <a:srgbClr val="000000"/>
+                </a:solidFill>
+                <a:miter lim="800000"/>
+                <a:headEnd/>
+                <a:tailEnd/>
+              </a14:hiddenLine>
+            </a:ext>
+          </a:extLst>
+        </p:spPr>
+        <p:txBody>
+          <a:bodyPr vert="horz" wrap="square" lIns="91440" tIns="45720" rIns="91440" bIns="45720" numCol="1" anchor="ctr" anchorCtr="0" compatLnSpc="1">
+            <a:prstTxWarp prst="textNoShape">
+              <a:avLst/>
+            </a:prstTxWarp>
+          </a:bodyPr>
+          <a:lstStyle/>
+          <a:p>
+            <a:pPr marL="0" marR="0" lvl="0" indent="0" algn="ctr" defTabSz="914400" rtl="0" eaLnBrk="0" fontAlgn="base" latinLnBrk="0" hangingPunct="0">
+              <a:lnSpc>
+                <a:spcPct val="100000"/>
+              </a:lnSpc>
+              <a:spcBef>
+                <a:spcPct val="0"/>
+              </a:spcBef>
+              <a:spcAft>
+                <a:spcPct val="0"/>
+              </a:spcAft>
+              <a:buClrTx/>
+              <a:buSzTx/>
+              <a:buFontTx/>
+              <a:buNone/>
+              <a:tabLst/>
+            </a:pPr>
+            <a:r>
+              <a:rPr kumimoji="0" lang="nn-NO" altLang="en-US" sz="1200" b="1" i="0" u="none" strike="noStrike" cap="none" normalizeH="0" baseline="0">
+                <a:ln>
+                  <a:noFill/>
+                </a:ln>
+                <a:solidFill>
+                  <a:schemeClr val="tx1">
+                    <a:lumMod val="95000"/>
+                    <a:lumOff val="5000"/>
+                  </a:schemeClr>
+                </a:solidFill>
+                <a:effectLst/>
+                <a:latin typeface="Times New Roman" panose="02020603050405020304" pitchFamily="18" charset="0"/>
+                <a:ea typeface="Calibri" panose="020F0502020204030204" pitchFamily="34" charset="0"/>
+                <a:cs typeface="Times New Roman" panose="02020603050405020304" pitchFamily="18" charset="0"/>
+              </a:rPr>
+              <a:t>Speed for fast data query</a:t>
+            </a:r>
+            <a:endParaRPr kumimoji="0" lang="nn-NO" altLang="en-US" sz="1100" b="0" i="0" u="none" strike="noStrike" cap="none" normalizeH="0" baseline="0">
+              <a:ln>
+                <a:noFill/>
+              </a:ln>
+              <a:solidFill>
+                <a:schemeClr val="tx1">
+                  <a:lumMod val="95000"/>
+                  <a:lumOff val="5000"/>
+                </a:schemeClr>
+              </a:solidFill>
+              <a:effectLst/>
+            </a:endParaRPr>
+          </a:p>
+        </p:txBody>
+      </p:sp>
+      <p:sp>
+        <p:nvSpPr>
+          <p:cNvPr id="41" name="Rectangle 17"/>
+          <p:cNvSpPr>
+            <a:spLocks noChangeArrowheads="1"/>
+          </p:cNvSpPr>
+          <p:nvPr/>
+        </p:nvSpPr>
+        <p:spPr bwMode="auto">
+          <a:xfrm>
+            <a:off x="7050425" y="5483795"/>
+            <a:ext cx="695325" cy="808723"/>
+          </a:xfrm>
+          <a:prstGeom prst="rect">
+            <a:avLst/>
+          </a:prstGeom>
+          <a:gradFill rotWithShape="1">
+            <a:gsLst>
+              <a:gs pos="0">
+                <a:srgbClr val="81B861"/>
+              </a:gs>
+              <a:gs pos="50000">
+                <a:srgbClr val="6FB242"/>
+              </a:gs>
+              <a:gs pos="100000">
+                <a:srgbClr val="61A235"/>
+              </a:gs>
+            </a:gsLst>
+            <a:lin ang="5400000"/>
+          </a:gradFill>
+          <a:ln>
+            <a:noFill/>
+          </a:ln>
+          <a:effectLst>
+            <a:outerShdw dist="19050" dir="5400000" algn="ctr" rotWithShape="0">
+              <a:srgbClr val="000000">
+                <a:alpha val="62999"/>
+              </a:srgbClr>
+            </a:outerShdw>
+          </a:effectLst>
+          <a:extLst>
+            <a:ext uri="{91240B29-F687-4F45-9708-019B960494DF}">
+              <a14:hiddenLine xmlns:a14="http://schemas.microsoft.com/office/drawing/2010/main" w="9525">
+                <a:solidFill>
+                  <a:srgbClr val="000000"/>
+                </a:solidFill>
+                <a:miter lim="800000"/>
+                <a:headEnd/>
+                <a:tailEnd/>
+              </a14:hiddenLine>
+            </a:ext>
+          </a:extLst>
+        </p:spPr>
+        <p:txBody>
+          <a:bodyPr vert="horz" wrap="square" lIns="91440" tIns="45720" rIns="91440" bIns="45720" numCol="1" anchor="ctr" anchorCtr="0" compatLnSpc="1">
+            <a:prstTxWarp prst="textNoShape">
+              <a:avLst/>
+            </a:prstTxWarp>
+          </a:bodyPr>
+          <a:lstStyle/>
+          <a:p>
+            <a:pPr marL="0" marR="0" lvl="0" indent="0" algn="ctr" defTabSz="914400" rtl="0" eaLnBrk="0" fontAlgn="base" latinLnBrk="0" hangingPunct="0">
+              <a:lnSpc>
+                <a:spcPct val="100000"/>
+              </a:lnSpc>
+              <a:spcBef>
+                <a:spcPct val="0"/>
+              </a:spcBef>
+              <a:spcAft>
+                <a:spcPct val="0"/>
+              </a:spcAft>
+              <a:buClrTx/>
+              <a:buSzTx/>
+              <a:buFontTx/>
+              <a:buNone/>
+              <a:tabLst/>
+            </a:pPr>
+            <a:r>
+              <a:rPr kumimoji="0" lang="en-US" altLang="en-US" sz="1200" b="1" i="0" u="none" strike="noStrike" cap="none" normalizeH="0" baseline="0">
+                <a:ln>
+                  <a:noFill/>
+                </a:ln>
+                <a:solidFill>
+                  <a:schemeClr val="tx1">
+                    <a:lumMod val="95000"/>
+                    <a:lumOff val="5000"/>
+                  </a:schemeClr>
+                </a:solidFill>
+                <a:effectLst/>
+                <a:latin typeface="Times New Roman" panose="02020603050405020304" pitchFamily="18" charset="0"/>
+                <a:ea typeface="Calibri" panose="020F0502020204030204" pitchFamily="34" charset="0"/>
+                <a:cs typeface="Times New Roman" panose="02020603050405020304" pitchFamily="18" charset="0"/>
+              </a:rPr>
+              <a:t>Expect Times Short</a:t>
+            </a:r>
+            <a:endParaRPr kumimoji="0" lang="en-US" altLang="en-US" sz="1100" b="0" i="0" u="none" strike="noStrike" cap="none" normalizeH="0" baseline="0">
+              <a:ln>
+                <a:noFill/>
+              </a:ln>
+              <a:solidFill>
+                <a:schemeClr val="tx1">
+                  <a:lumMod val="95000"/>
+                  <a:lumOff val="5000"/>
+                </a:schemeClr>
+              </a:solidFill>
+              <a:effectLst/>
+            </a:endParaRPr>
+          </a:p>
+        </p:txBody>
+      </p:sp>
+      <p:sp>
+        <p:nvSpPr>
+          <p:cNvPr id="42" name="Rectangle 18"/>
+          <p:cNvSpPr>
+            <a:spLocks noChangeArrowheads="1"/>
+          </p:cNvSpPr>
+          <p:nvPr/>
+        </p:nvSpPr>
+        <p:spPr bwMode="auto">
+          <a:xfrm>
+            <a:off x="8238128" y="5483795"/>
+            <a:ext cx="895350" cy="719488"/>
+          </a:xfrm>
+          <a:prstGeom prst="rect">
+            <a:avLst/>
+          </a:prstGeom>
+          <a:gradFill rotWithShape="1">
+            <a:gsLst>
+              <a:gs pos="0">
+                <a:srgbClr val="81B861"/>
+              </a:gs>
+              <a:gs pos="50000">
+                <a:srgbClr val="6FB242"/>
+              </a:gs>
+              <a:gs pos="100000">
+                <a:srgbClr val="61A235"/>
+              </a:gs>
+            </a:gsLst>
+            <a:lin ang="5400000"/>
+          </a:gradFill>
+          <a:ln>
+            <a:noFill/>
+          </a:ln>
+          <a:effectLst>
+            <a:outerShdw dist="19050" dir="5400000" algn="ctr" rotWithShape="0">
+              <a:srgbClr val="000000">
+                <a:alpha val="62999"/>
+              </a:srgbClr>
+            </a:outerShdw>
+          </a:effectLst>
+          <a:extLst>
+            <a:ext uri="{91240B29-F687-4F45-9708-019B960494DF}">
+              <a14:hiddenLine xmlns:a14="http://schemas.microsoft.com/office/drawing/2010/main" w="9525">
+                <a:solidFill>
+                  <a:srgbClr val="000000"/>
+                </a:solidFill>
+                <a:miter lim="800000"/>
+                <a:headEnd/>
+                <a:tailEnd/>
+              </a14:hiddenLine>
+            </a:ext>
+          </a:extLst>
+        </p:spPr>
+        <p:txBody>
+          <a:bodyPr vert="horz" wrap="square" lIns="91440" tIns="45720" rIns="91440" bIns="45720" numCol="1" anchor="ctr" anchorCtr="0" compatLnSpc="1">
+            <a:prstTxWarp prst="textNoShape">
+              <a:avLst/>
+            </a:prstTxWarp>
+          </a:bodyPr>
+          <a:lstStyle/>
+          <a:p>
+            <a:pPr marL="0" marR="0" lvl="0" indent="0" algn="ctr" defTabSz="914400" rtl="0" eaLnBrk="0" fontAlgn="base" latinLnBrk="0" hangingPunct="0">
+              <a:lnSpc>
+                <a:spcPct val="100000"/>
+              </a:lnSpc>
+              <a:spcBef>
+                <a:spcPct val="0"/>
+              </a:spcBef>
+              <a:spcAft>
+                <a:spcPct val="0"/>
+              </a:spcAft>
+              <a:buClrTx/>
+              <a:buSzTx/>
+              <a:buFontTx/>
+              <a:buNone/>
+              <a:tabLst/>
+            </a:pPr>
+            <a:r>
+              <a:rPr kumimoji="0" lang="en-US" altLang="en-US" sz="1200" b="1" i="0" u="none" strike="noStrike" cap="none" normalizeH="0" baseline="0">
+                <a:ln>
+                  <a:noFill/>
+                </a:ln>
+                <a:solidFill>
+                  <a:schemeClr val="tx1">
+                    <a:lumMod val="95000"/>
+                    <a:lumOff val="5000"/>
+                  </a:schemeClr>
+                </a:solidFill>
+                <a:effectLst/>
+                <a:latin typeface="Times New Roman" panose="02020603050405020304" pitchFamily="18" charset="0"/>
+                <a:ea typeface="Calibri" panose="020F0502020204030204" pitchFamily="34" charset="0"/>
+                <a:cs typeface="Times New Roman" panose="02020603050405020304" pitchFamily="18" charset="0"/>
+              </a:rPr>
+              <a:t>Fast Eror Processing Speed</a:t>
+            </a:r>
+            <a:endParaRPr kumimoji="0" lang="en-US" altLang="en-US" sz="1100" b="0" i="0" u="none" strike="noStrike" cap="none" normalizeH="0" baseline="0">
+              <a:ln>
+                <a:noFill/>
+              </a:ln>
+              <a:solidFill>
+                <a:schemeClr val="tx1">
+                  <a:lumMod val="95000"/>
+                  <a:lumOff val="5000"/>
+                </a:schemeClr>
+              </a:solidFill>
+              <a:effectLst/>
+            </a:endParaRPr>
+          </a:p>
+        </p:txBody>
+      </p:sp>
+      <p:sp>
+        <p:nvSpPr>
+          <p:cNvPr id="43" name="Rectangle 19"/>
+          <p:cNvSpPr>
+            <a:spLocks noChangeArrowheads="1"/>
+          </p:cNvSpPr>
+          <p:nvPr/>
+        </p:nvSpPr>
+        <p:spPr bwMode="auto">
+          <a:xfrm>
+            <a:off x="2722621" y="2185734"/>
+            <a:ext cx="1152525" cy="685800"/>
+          </a:xfrm>
+          <a:prstGeom prst="rect">
+            <a:avLst/>
+          </a:prstGeom>
+          <a:gradFill rotWithShape="1">
+            <a:gsLst>
+              <a:gs pos="0">
+                <a:srgbClr val="6083CB"/>
+              </a:gs>
+              <a:gs pos="50000">
+                <a:srgbClr val="3E70CA"/>
+              </a:gs>
+              <a:gs pos="100000">
+                <a:srgbClr val="2E61BA"/>
+              </a:gs>
+            </a:gsLst>
+            <a:lin ang="5400000"/>
+          </a:gradFill>
+          <a:ln>
+            <a:noFill/>
+          </a:ln>
+          <a:effectLst>
+            <a:outerShdw dist="19050" dir="5400000" algn="ctr" rotWithShape="0">
+              <a:srgbClr val="000000">
+                <a:alpha val="62999"/>
+              </a:srgbClr>
+            </a:outerShdw>
+          </a:effectLst>
+          <a:extLst>
+            <a:ext uri="{91240B29-F687-4F45-9708-019B960494DF}">
+              <a14:hiddenLine xmlns:a14="http://schemas.microsoft.com/office/drawing/2010/main" w="9525">
+                <a:solidFill>
+                  <a:srgbClr val="000000"/>
+                </a:solidFill>
+                <a:miter lim="800000"/>
+                <a:headEnd/>
+                <a:tailEnd/>
+              </a14:hiddenLine>
+            </a:ext>
+          </a:extLst>
+        </p:spPr>
+        <p:txBody>
+          <a:bodyPr vert="horz" wrap="square" lIns="91440" tIns="45720" rIns="91440" bIns="45720" numCol="1" anchor="ctr" anchorCtr="0" compatLnSpc="1">
+            <a:prstTxWarp prst="textNoShape">
+              <a:avLst/>
+            </a:prstTxWarp>
+          </a:bodyPr>
+          <a:lstStyle/>
+          <a:p>
+            <a:pPr marL="0" marR="0" lvl="0" indent="0" algn="ctr" defTabSz="914400" rtl="0" eaLnBrk="0" fontAlgn="base" latinLnBrk="0" hangingPunct="0">
+              <a:lnSpc>
+                <a:spcPct val="100000"/>
+              </a:lnSpc>
+              <a:spcBef>
+                <a:spcPct val="0"/>
+              </a:spcBef>
+              <a:spcAft>
+                <a:spcPct val="0"/>
+              </a:spcAft>
+              <a:buClrTx/>
+              <a:buSzTx/>
+              <a:buFontTx/>
+              <a:buNone/>
+              <a:tabLst/>
+            </a:pPr>
+            <a:r>
+              <a:rPr kumimoji="0" lang="en-US" altLang="en-US" sz="1200" b="1" i="0" u="none" strike="noStrike" cap="none" normalizeH="0" baseline="0">
+                <a:ln>
+                  <a:noFill/>
+                </a:ln>
+                <a:solidFill>
+                  <a:schemeClr val="tx1">
+                    <a:lumMod val="95000"/>
+                    <a:lumOff val="5000"/>
+                  </a:schemeClr>
+                </a:solidFill>
+                <a:effectLst/>
+                <a:latin typeface="Times New Roman" panose="02020603050405020304" pitchFamily="18" charset="0"/>
+                <a:ea typeface="Calibri" panose="020F0502020204030204" pitchFamily="34" charset="0"/>
+                <a:cs typeface="Times New Roman" panose="02020603050405020304" pitchFamily="18" charset="0"/>
+              </a:rPr>
+              <a:t>No errors while used</a:t>
+            </a:r>
+            <a:endParaRPr kumimoji="0" lang="en-US" altLang="en-US" sz="1800" b="0" i="0" u="none" strike="noStrike" cap="none" normalizeH="0" baseline="0">
+              <a:ln>
+                <a:noFill/>
+              </a:ln>
+              <a:solidFill>
+                <a:schemeClr val="tx1">
+                  <a:lumMod val="95000"/>
+                  <a:lumOff val="5000"/>
+                </a:schemeClr>
+              </a:solidFill>
+              <a:effectLst/>
+              <a:latin typeface="Arial" panose="020B0604020202020204" pitchFamily="34" charset="0"/>
+            </a:endParaRPr>
+          </a:p>
+        </p:txBody>
+      </p:sp>
+      <p:sp>
+        <p:nvSpPr>
+          <p:cNvPr id="44" name="Rectangle 20"/>
+          <p:cNvSpPr>
+            <a:spLocks noChangeArrowheads="1"/>
+          </p:cNvSpPr>
+          <p:nvPr/>
+        </p:nvSpPr>
+        <p:spPr bwMode="auto">
+          <a:xfrm>
+            <a:off x="890442" y="507571"/>
+            <a:ext cx="733425" cy="933450"/>
+          </a:xfrm>
+          <a:prstGeom prst="rect">
+            <a:avLst/>
+          </a:prstGeom>
+          <a:gradFill rotWithShape="1">
+            <a:gsLst>
+              <a:gs pos="0">
+                <a:srgbClr val="81B861"/>
+              </a:gs>
+              <a:gs pos="50000">
+                <a:srgbClr val="6FB242"/>
+              </a:gs>
+              <a:gs pos="100000">
+                <a:srgbClr val="61A235"/>
+              </a:gs>
+            </a:gsLst>
+            <a:lin ang="5400000"/>
+          </a:gradFill>
+          <a:ln>
+            <a:noFill/>
+          </a:ln>
+          <a:effectLst>
+            <a:outerShdw dist="19050" dir="5400000" algn="ctr" rotWithShape="0">
+              <a:srgbClr val="000000">
+                <a:alpha val="62999"/>
+              </a:srgbClr>
+            </a:outerShdw>
+          </a:effectLst>
+          <a:extLst>
+            <a:ext uri="{91240B29-F687-4F45-9708-019B960494DF}">
+              <a14:hiddenLine xmlns:a14="http://schemas.microsoft.com/office/drawing/2010/main" w="9525">
+                <a:solidFill>
+                  <a:srgbClr val="000000"/>
+                </a:solidFill>
+                <a:miter lim="800000"/>
+                <a:headEnd/>
+                <a:tailEnd/>
+              </a14:hiddenLine>
+            </a:ext>
+          </a:extLst>
+        </p:spPr>
+        <p:txBody>
+          <a:bodyPr vert="horz" wrap="square" lIns="91440" tIns="45720" rIns="91440" bIns="45720" numCol="1" anchor="ctr" anchorCtr="0" compatLnSpc="1">
+            <a:prstTxWarp prst="textNoShape">
+              <a:avLst/>
+            </a:prstTxWarp>
+          </a:bodyPr>
+          <a:lstStyle/>
+          <a:p>
+            <a:pPr marL="0" marR="0" lvl="0" indent="0" algn="ctr" defTabSz="914400" rtl="0" eaLnBrk="0" fontAlgn="base" latinLnBrk="0" hangingPunct="0">
+              <a:lnSpc>
+                <a:spcPct val="100000"/>
+              </a:lnSpc>
+              <a:spcBef>
+                <a:spcPct val="0"/>
+              </a:spcBef>
+              <a:spcAft>
+                <a:spcPct val="0"/>
+              </a:spcAft>
+              <a:buClrTx/>
+              <a:buSzTx/>
+              <a:buFontTx/>
+              <a:buNone/>
+              <a:tabLst/>
+            </a:pPr>
+            <a:r>
+              <a:rPr kumimoji="0" lang="en-US" altLang="en-US" sz="1200" b="1" i="0" u="none" strike="noStrike" cap="none" normalizeH="0" baseline="0">
+                <a:ln>
+                  <a:noFill/>
+                </a:ln>
+                <a:solidFill>
+                  <a:schemeClr val="tx1">
+                    <a:lumMod val="95000"/>
+                    <a:lumOff val="5000"/>
+                  </a:schemeClr>
+                </a:solidFill>
+                <a:effectLst/>
+                <a:latin typeface="Times New Roman" panose="02020603050405020304" pitchFamily="18" charset="0"/>
+                <a:ea typeface="Calibri" panose="020F0502020204030204" pitchFamily="34" charset="0"/>
+                <a:cs typeface="Times New Roman" panose="02020603050405020304" pitchFamily="18" charset="0"/>
+              </a:rPr>
+              <a:t>No stop error while using</a:t>
+            </a:r>
+            <a:endParaRPr kumimoji="0" lang="en-US" altLang="en-US" sz="1800" b="0" i="0" u="none" strike="noStrike" cap="none" normalizeH="0" baseline="0">
+              <a:ln>
+                <a:noFill/>
+              </a:ln>
+              <a:solidFill>
+                <a:schemeClr val="tx1">
+                  <a:lumMod val="95000"/>
+                  <a:lumOff val="5000"/>
+                </a:schemeClr>
+              </a:solidFill>
+              <a:effectLst/>
+              <a:latin typeface="Arial" panose="020B0604020202020204" pitchFamily="34" charset="0"/>
+            </a:endParaRPr>
+          </a:p>
+        </p:txBody>
+      </p:sp>
+      <p:sp>
+        <p:nvSpPr>
+          <p:cNvPr id="45" name="Rectangle 21"/>
+          <p:cNvSpPr>
+            <a:spLocks noChangeArrowheads="1"/>
+          </p:cNvSpPr>
+          <p:nvPr/>
+        </p:nvSpPr>
+        <p:spPr bwMode="auto">
+          <a:xfrm>
+            <a:off x="1988198" y="360759"/>
+            <a:ext cx="962025" cy="1097756"/>
+          </a:xfrm>
+          <a:prstGeom prst="rect">
+            <a:avLst/>
+          </a:prstGeom>
+          <a:gradFill rotWithShape="1">
+            <a:gsLst>
+              <a:gs pos="0">
+                <a:srgbClr val="81B861"/>
+              </a:gs>
+              <a:gs pos="50000">
+                <a:srgbClr val="6FB242"/>
+              </a:gs>
+              <a:gs pos="100000">
+                <a:srgbClr val="61A235"/>
+              </a:gs>
+            </a:gsLst>
+            <a:lin ang="5400000"/>
+          </a:gradFill>
+          <a:ln>
+            <a:noFill/>
+          </a:ln>
+          <a:effectLst>
+            <a:outerShdw dist="19050" dir="5400000" algn="ctr" rotWithShape="0">
+              <a:srgbClr val="000000">
+                <a:alpha val="62999"/>
+              </a:srgbClr>
+            </a:outerShdw>
+          </a:effectLst>
+          <a:extLst>
+            <a:ext uri="{91240B29-F687-4F45-9708-019B960494DF}">
+              <a14:hiddenLine xmlns:a14="http://schemas.microsoft.com/office/drawing/2010/main" w="9525">
+                <a:solidFill>
+                  <a:srgbClr val="000000"/>
+                </a:solidFill>
+                <a:miter lim="800000"/>
+                <a:headEnd/>
+                <a:tailEnd/>
+              </a14:hiddenLine>
+            </a:ext>
+          </a:extLst>
+        </p:spPr>
+        <p:txBody>
+          <a:bodyPr vert="horz" wrap="square" lIns="91440" tIns="45720" rIns="91440" bIns="45720" numCol="1" anchor="ctr" anchorCtr="0" compatLnSpc="1">
+            <a:prstTxWarp prst="textNoShape">
+              <a:avLst/>
+            </a:prstTxWarp>
+          </a:bodyPr>
+          <a:lstStyle/>
+          <a:p>
+            <a:pPr marL="0" marR="0" lvl="0" indent="0" algn="ctr" defTabSz="914400" rtl="0" eaLnBrk="0" fontAlgn="base" latinLnBrk="0" hangingPunct="0">
+              <a:lnSpc>
+                <a:spcPct val="100000"/>
+              </a:lnSpc>
+              <a:spcBef>
+                <a:spcPct val="0"/>
+              </a:spcBef>
+              <a:spcAft>
+                <a:spcPct val="0"/>
+              </a:spcAft>
+              <a:buClrTx/>
+              <a:buSzTx/>
+              <a:buFontTx/>
+              <a:buNone/>
+              <a:tabLst/>
+            </a:pPr>
+            <a:r>
+              <a:rPr kumimoji="0" lang="en-US" altLang="en-US" sz="1200" b="1" i="0" u="none" strike="noStrike" cap="none" normalizeH="0" baseline="0">
+                <a:ln>
+                  <a:noFill/>
+                </a:ln>
+                <a:solidFill>
+                  <a:schemeClr val="tx1">
+                    <a:lumMod val="95000"/>
+                    <a:lumOff val="5000"/>
+                  </a:schemeClr>
+                </a:solidFill>
+                <a:effectLst/>
+                <a:latin typeface="Times New Roman" panose="02020603050405020304" pitchFamily="18" charset="0"/>
+                <a:ea typeface="Calibri" panose="020F0502020204030204" pitchFamily="34" charset="0"/>
+                <a:cs typeface="Times New Roman" panose="02020603050405020304" pitchFamily="18" charset="0"/>
+              </a:rPr>
+              <a:t>No errors in the processing of requests</a:t>
+            </a:r>
+            <a:endParaRPr kumimoji="0" lang="en-US" altLang="en-US" sz="1800" b="0" i="0" u="none" strike="noStrike" cap="none" normalizeH="0" baseline="0">
+              <a:ln>
+                <a:noFill/>
+              </a:ln>
+              <a:solidFill>
+                <a:schemeClr val="tx1">
+                  <a:lumMod val="95000"/>
+                  <a:lumOff val="5000"/>
+                </a:schemeClr>
+              </a:solidFill>
+              <a:effectLst/>
+              <a:latin typeface="Arial" panose="020B0604020202020204" pitchFamily="34" charset="0"/>
+            </a:endParaRPr>
+          </a:p>
+        </p:txBody>
+      </p:sp>
+      <p:sp>
+        <p:nvSpPr>
+          <p:cNvPr id="46" name="Rectangle 22"/>
+          <p:cNvSpPr>
+            <a:spLocks noChangeArrowheads="1"/>
+          </p:cNvSpPr>
+          <p:nvPr/>
+        </p:nvSpPr>
+        <p:spPr bwMode="auto">
+          <a:xfrm>
+            <a:off x="3371704" y="547524"/>
+            <a:ext cx="733425" cy="885825"/>
+          </a:xfrm>
+          <a:prstGeom prst="rect">
+            <a:avLst/>
+          </a:prstGeom>
+          <a:gradFill rotWithShape="1">
+            <a:gsLst>
+              <a:gs pos="0">
+                <a:srgbClr val="81B861"/>
+              </a:gs>
+              <a:gs pos="50000">
+                <a:srgbClr val="6FB242"/>
+              </a:gs>
+              <a:gs pos="100000">
+                <a:srgbClr val="61A235"/>
+              </a:gs>
+            </a:gsLst>
+            <a:lin ang="5400000"/>
+          </a:gradFill>
+          <a:ln>
+            <a:noFill/>
+          </a:ln>
+          <a:effectLst>
+            <a:outerShdw dist="19050" dir="5400000" algn="ctr" rotWithShape="0">
+              <a:srgbClr val="000000">
+                <a:alpha val="62999"/>
+              </a:srgbClr>
+            </a:outerShdw>
+          </a:effectLst>
+          <a:extLst>
+            <a:ext uri="{91240B29-F687-4F45-9708-019B960494DF}">
+              <a14:hiddenLine xmlns:a14="http://schemas.microsoft.com/office/drawing/2010/main" w="9525">
+                <a:solidFill>
+                  <a:srgbClr val="000000"/>
+                </a:solidFill>
+                <a:miter lim="800000"/>
+                <a:headEnd/>
+                <a:tailEnd/>
+              </a14:hiddenLine>
+            </a:ext>
+          </a:extLst>
+        </p:spPr>
+        <p:txBody>
+          <a:bodyPr vert="horz" wrap="square" lIns="91440" tIns="45720" rIns="91440" bIns="45720" numCol="1" anchor="ctr" anchorCtr="0" compatLnSpc="1">
+            <a:prstTxWarp prst="textNoShape">
+              <a:avLst/>
+            </a:prstTxWarp>
+          </a:bodyPr>
+          <a:lstStyle/>
+          <a:p>
+            <a:pPr marL="0" marR="0" lvl="0" indent="0" algn="ctr" defTabSz="914400" rtl="0" eaLnBrk="0" fontAlgn="base" latinLnBrk="0" hangingPunct="0">
+              <a:lnSpc>
+                <a:spcPct val="100000"/>
+              </a:lnSpc>
+              <a:spcBef>
+                <a:spcPct val="0"/>
+              </a:spcBef>
+              <a:spcAft>
+                <a:spcPct val="0"/>
+              </a:spcAft>
+              <a:buClrTx/>
+              <a:buSzTx/>
+              <a:buFontTx/>
+              <a:buNone/>
+              <a:tabLst/>
+            </a:pPr>
+            <a:r>
+              <a:rPr kumimoji="0" lang="en-US" altLang="en-US" sz="1200" b="1" i="0" u="none" strike="noStrike" cap="none" normalizeH="0" baseline="0">
+                <a:ln>
+                  <a:noFill/>
+                </a:ln>
+                <a:solidFill>
+                  <a:schemeClr val="tx1">
+                    <a:lumMod val="95000"/>
+                    <a:lumOff val="5000"/>
+                  </a:schemeClr>
+                </a:solidFill>
+                <a:effectLst/>
+                <a:latin typeface="Times New Roman" panose="02020603050405020304" pitchFamily="18" charset="0"/>
+                <a:ea typeface="Calibri" panose="020F0502020204030204" pitchFamily="34" charset="0"/>
+                <a:cs typeface="Times New Roman" panose="02020603050405020304" pitchFamily="18" charset="0"/>
+              </a:rPr>
+              <a:t>No logical errors</a:t>
+            </a:r>
+            <a:endParaRPr kumimoji="0" lang="en-US" altLang="en-US" sz="1800" b="0" i="0" u="none" strike="noStrike" cap="none" normalizeH="0" baseline="0">
+              <a:ln>
+                <a:noFill/>
+              </a:ln>
+              <a:solidFill>
+                <a:schemeClr val="tx1">
+                  <a:lumMod val="95000"/>
+                  <a:lumOff val="5000"/>
+                </a:schemeClr>
+              </a:solidFill>
+              <a:effectLst/>
+              <a:latin typeface="Arial" panose="020B0604020202020204" pitchFamily="34" charset="0"/>
+            </a:endParaRPr>
+          </a:p>
+        </p:txBody>
+      </p:sp>
+      <p:sp>
+        <p:nvSpPr>
+          <p:cNvPr id="47" name="Rectangle 23"/>
+          <p:cNvSpPr>
+            <a:spLocks noChangeArrowheads="1"/>
+          </p:cNvSpPr>
+          <p:nvPr/>
+        </p:nvSpPr>
+        <p:spPr bwMode="auto">
+          <a:xfrm>
+            <a:off x="4633766" y="499899"/>
+            <a:ext cx="809625" cy="933450"/>
+          </a:xfrm>
+          <a:prstGeom prst="rect">
+            <a:avLst/>
+          </a:prstGeom>
+          <a:gradFill rotWithShape="1">
+            <a:gsLst>
+              <a:gs pos="0">
+                <a:srgbClr val="81B861"/>
+              </a:gs>
+              <a:gs pos="50000">
+                <a:srgbClr val="6FB242"/>
+              </a:gs>
+              <a:gs pos="100000">
+                <a:srgbClr val="61A235"/>
+              </a:gs>
+            </a:gsLst>
+            <a:lin ang="5400000"/>
+          </a:gradFill>
+          <a:ln>
+            <a:noFill/>
+          </a:ln>
+          <a:effectLst>
+            <a:outerShdw dist="19050" dir="5400000" algn="ctr" rotWithShape="0">
+              <a:srgbClr val="000000">
+                <a:alpha val="62999"/>
+              </a:srgbClr>
+            </a:outerShdw>
+          </a:effectLst>
+          <a:extLst>
+            <a:ext uri="{91240B29-F687-4F45-9708-019B960494DF}">
+              <a14:hiddenLine xmlns:a14="http://schemas.microsoft.com/office/drawing/2010/main" w="9525">
+                <a:solidFill>
+                  <a:srgbClr val="000000"/>
+                </a:solidFill>
+                <a:miter lim="800000"/>
+                <a:headEnd/>
+                <a:tailEnd/>
+              </a14:hiddenLine>
+            </a:ext>
+          </a:extLst>
+        </p:spPr>
+        <p:txBody>
+          <a:bodyPr vert="horz" wrap="square" lIns="91440" tIns="45720" rIns="91440" bIns="45720" numCol="1" anchor="ctr" anchorCtr="0" compatLnSpc="1">
+            <a:prstTxWarp prst="textNoShape">
+              <a:avLst/>
+            </a:prstTxWarp>
+          </a:bodyPr>
+          <a:lstStyle/>
+          <a:p>
+            <a:pPr marL="0" marR="0" lvl="0" indent="0" algn="ctr" defTabSz="914400" rtl="0" eaLnBrk="0" fontAlgn="base" latinLnBrk="0" hangingPunct="0">
+              <a:lnSpc>
+                <a:spcPct val="100000"/>
+              </a:lnSpc>
+              <a:spcBef>
+                <a:spcPct val="0"/>
+              </a:spcBef>
+              <a:spcAft>
+                <a:spcPct val="0"/>
+              </a:spcAft>
+              <a:buClrTx/>
+              <a:buSzTx/>
+              <a:buFontTx/>
+              <a:buNone/>
+              <a:tabLst/>
+            </a:pPr>
+            <a:r>
+              <a:rPr kumimoji="0" lang="en-US" altLang="en-US" sz="1200" b="1" i="0" u="none" strike="noStrike" cap="none" normalizeH="0" baseline="0">
+                <a:ln>
+                  <a:noFill/>
+                </a:ln>
+                <a:solidFill>
+                  <a:schemeClr val="tx1">
+                    <a:lumMod val="95000"/>
+                    <a:lumOff val="5000"/>
+                  </a:schemeClr>
+                </a:solidFill>
+                <a:effectLst/>
+                <a:latin typeface="Times New Roman" panose="02020603050405020304" pitchFamily="18" charset="0"/>
+                <a:ea typeface="Calibri" panose="020F0502020204030204" pitchFamily="34" charset="0"/>
+                <a:cs typeface="Times New Roman" panose="02020603050405020304" pitchFamily="18" charset="0"/>
+              </a:rPr>
+              <a:t>Control support exception</a:t>
+            </a:r>
+            <a:endParaRPr kumimoji="0" lang="en-US" altLang="en-US" sz="1800" b="0" i="0" u="none" strike="noStrike" cap="none" normalizeH="0" baseline="0">
+              <a:ln>
+                <a:noFill/>
+              </a:ln>
+              <a:solidFill>
+                <a:schemeClr val="tx1">
+                  <a:lumMod val="95000"/>
+                  <a:lumOff val="5000"/>
+                </a:schemeClr>
+              </a:solidFill>
+              <a:effectLst/>
+              <a:latin typeface="Arial" panose="020B0604020202020204" pitchFamily="34" charset="0"/>
+            </a:endParaRPr>
+          </a:p>
+        </p:txBody>
+      </p:sp>
+      <p:sp>
+        <p:nvSpPr>
+          <p:cNvPr id="48" name="Rectangle 24"/>
+          <p:cNvSpPr>
+            <a:spLocks noChangeArrowheads="1"/>
+          </p:cNvSpPr>
+          <p:nvPr/>
+        </p:nvSpPr>
+        <p:spPr bwMode="auto">
+          <a:xfrm>
+            <a:off x="5016954" y="1602105"/>
+            <a:ext cx="1152525" cy="685800"/>
+          </a:xfrm>
+          <a:prstGeom prst="rect">
+            <a:avLst/>
+          </a:prstGeom>
+          <a:gradFill rotWithShape="1">
+            <a:gsLst>
+              <a:gs pos="0">
+                <a:srgbClr val="6083CB"/>
+              </a:gs>
+              <a:gs pos="50000">
+                <a:srgbClr val="3E70CA"/>
+              </a:gs>
+              <a:gs pos="100000">
+                <a:srgbClr val="2E61BA"/>
+              </a:gs>
+            </a:gsLst>
+            <a:lin ang="5400000"/>
+          </a:gradFill>
+          <a:ln>
+            <a:noFill/>
+          </a:ln>
+          <a:effectLst>
+            <a:outerShdw dist="19050" dir="5400000" algn="ctr" rotWithShape="0">
+              <a:srgbClr val="000000">
+                <a:alpha val="62999"/>
+              </a:srgbClr>
+            </a:outerShdw>
+          </a:effectLst>
+          <a:extLst>
+            <a:ext uri="{91240B29-F687-4F45-9708-019B960494DF}">
+              <a14:hiddenLine xmlns:a14="http://schemas.microsoft.com/office/drawing/2010/main" w="9525">
+                <a:solidFill>
+                  <a:srgbClr val="000000"/>
+                </a:solidFill>
+                <a:miter lim="800000"/>
+                <a:headEnd/>
+                <a:tailEnd/>
+              </a14:hiddenLine>
+            </a:ext>
+          </a:extLst>
+        </p:spPr>
+        <p:txBody>
+          <a:bodyPr vert="horz" wrap="square" lIns="91440" tIns="45720" rIns="91440" bIns="45720" numCol="1" anchor="ctr" anchorCtr="0" compatLnSpc="1">
+            <a:prstTxWarp prst="textNoShape">
+              <a:avLst/>
+            </a:prstTxWarp>
+          </a:bodyPr>
+          <a:lstStyle/>
+          <a:p>
+            <a:pPr marL="0" marR="0" lvl="0" indent="0" algn="ctr" defTabSz="914400" rtl="0" eaLnBrk="0" fontAlgn="base" latinLnBrk="0" hangingPunct="0">
+              <a:lnSpc>
+                <a:spcPct val="100000"/>
+              </a:lnSpc>
+              <a:spcBef>
+                <a:spcPct val="0"/>
+              </a:spcBef>
+              <a:spcAft>
+                <a:spcPct val="0"/>
+              </a:spcAft>
+              <a:buClrTx/>
+              <a:buSzTx/>
+              <a:buFontTx/>
+              <a:buNone/>
+              <a:tabLst/>
+            </a:pPr>
+            <a:r>
+              <a:rPr kumimoji="0" lang="en-US" altLang="en-US" sz="1200" b="1" i="0" u="none" strike="noStrike" cap="none" normalizeH="0" baseline="0">
+                <a:ln>
+                  <a:noFill/>
+                </a:ln>
+                <a:solidFill>
+                  <a:schemeClr val="tx1">
+                    <a:lumMod val="95000"/>
+                    <a:lumOff val="5000"/>
+                  </a:schemeClr>
+                </a:solidFill>
+                <a:effectLst/>
+                <a:latin typeface="Times New Roman" panose="02020603050405020304" pitchFamily="18" charset="0"/>
+                <a:ea typeface="Calibri" panose="020F0502020204030204" pitchFamily="34" charset="0"/>
+                <a:cs typeface="Times New Roman" panose="02020603050405020304" pitchFamily="18" charset="0"/>
+              </a:rPr>
+              <a:t>Ensure all functionality requirements</a:t>
+            </a:r>
+            <a:endParaRPr kumimoji="0" lang="en-US" altLang="en-US" sz="1800" b="0" i="0" u="none" strike="noStrike" cap="none" normalizeH="0" baseline="0">
+              <a:ln>
+                <a:noFill/>
+              </a:ln>
+              <a:solidFill>
+                <a:schemeClr val="tx1">
+                  <a:lumMod val="95000"/>
+                  <a:lumOff val="5000"/>
+                </a:schemeClr>
+              </a:solidFill>
+              <a:effectLst/>
+              <a:latin typeface="Arial" panose="020B0604020202020204" pitchFamily="34" charset="0"/>
+            </a:endParaRPr>
+          </a:p>
+        </p:txBody>
+      </p:sp>
+      <p:sp>
+        <p:nvSpPr>
+          <p:cNvPr id="49" name="Rectangle 25"/>
+          <p:cNvSpPr>
+            <a:spLocks noChangeArrowheads="1"/>
+          </p:cNvSpPr>
+          <p:nvPr/>
+        </p:nvSpPr>
+        <p:spPr bwMode="auto">
+          <a:xfrm>
+            <a:off x="7470593" y="1952129"/>
+            <a:ext cx="1152525" cy="685800"/>
+          </a:xfrm>
+          <a:prstGeom prst="rect">
+            <a:avLst/>
+          </a:prstGeom>
+          <a:gradFill rotWithShape="1">
+            <a:gsLst>
+              <a:gs pos="0">
+                <a:srgbClr val="6083CB"/>
+              </a:gs>
+              <a:gs pos="50000">
+                <a:srgbClr val="3E70CA"/>
+              </a:gs>
+              <a:gs pos="100000">
+                <a:srgbClr val="2E61BA"/>
+              </a:gs>
+            </a:gsLst>
+            <a:lin ang="5400000"/>
+          </a:gradFill>
+          <a:ln>
+            <a:noFill/>
+          </a:ln>
+          <a:effectLst>
+            <a:outerShdw dist="19050" dir="5400000" algn="ctr" rotWithShape="0">
+              <a:srgbClr val="000000">
+                <a:alpha val="62999"/>
+              </a:srgbClr>
+            </a:outerShdw>
+          </a:effectLst>
+          <a:extLst>
+            <a:ext uri="{91240B29-F687-4F45-9708-019B960494DF}">
+              <a14:hiddenLine xmlns:a14="http://schemas.microsoft.com/office/drawing/2010/main" w="9525">
+                <a:solidFill>
+                  <a:srgbClr val="000000"/>
+                </a:solidFill>
+                <a:miter lim="800000"/>
+                <a:headEnd/>
+                <a:tailEnd/>
+              </a14:hiddenLine>
+            </a:ext>
+          </a:extLst>
+        </p:spPr>
+        <p:txBody>
+          <a:bodyPr vert="horz" wrap="square" lIns="91440" tIns="45720" rIns="91440" bIns="45720" numCol="1" anchor="ctr" anchorCtr="0" compatLnSpc="1">
+            <a:prstTxWarp prst="textNoShape">
+              <a:avLst/>
+            </a:prstTxWarp>
+          </a:bodyPr>
+          <a:lstStyle/>
+          <a:p>
+            <a:pPr marL="0" marR="0" lvl="0" indent="0" algn="ctr" defTabSz="914400" rtl="0" eaLnBrk="0" fontAlgn="base" latinLnBrk="0" hangingPunct="0">
+              <a:lnSpc>
+                <a:spcPct val="100000"/>
+              </a:lnSpc>
+              <a:spcBef>
+                <a:spcPct val="0"/>
+              </a:spcBef>
+              <a:spcAft>
+                <a:spcPct val="0"/>
+              </a:spcAft>
+              <a:buClrTx/>
+              <a:buSzTx/>
+              <a:buFontTx/>
+              <a:buNone/>
+              <a:tabLst/>
+            </a:pPr>
+            <a:r>
+              <a:rPr kumimoji="0" lang="en-US" altLang="en-US" sz="1200" b="1" i="0" u="none" strike="noStrike" cap="none" normalizeH="0" baseline="0">
+                <a:ln>
+                  <a:noFill/>
+                </a:ln>
+                <a:solidFill>
+                  <a:schemeClr val="tx1">
+                    <a:lumMod val="95000"/>
+                    <a:lumOff val="5000"/>
+                  </a:schemeClr>
+                </a:solidFill>
+                <a:effectLst/>
+                <a:latin typeface="Times New Roman" panose="02020603050405020304" pitchFamily="18" charset="0"/>
+                <a:ea typeface="Calibri" panose="020F0502020204030204" pitchFamily="34" charset="0"/>
+                <a:cs typeface="Times New Roman" panose="02020603050405020304" pitchFamily="18" charset="0"/>
+              </a:rPr>
+              <a:t>Information security</a:t>
+            </a:r>
+            <a:endParaRPr kumimoji="0" lang="en-US" altLang="en-US" sz="1800" b="0" i="0" u="none" strike="noStrike" cap="none" normalizeH="0" baseline="0">
+              <a:ln>
+                <a:noFill/>
+              </a:ln>
+              <a:solidFill>
+                <a:schemeClr val="tx1">
+                  <a:lumMod val="95000"/>
+                  <a:lumOff val="5000"/>
+                </a:schemeClr>
+              </a:solidFill>
+              <a:effectLst/>
+              <a:latin typeface="Arial" panose="020B0604020202020204" pitchFamily="34" charset="0"/>
+            </a:endParaRPr>
+          </a:p>
+        </p:txBody>
+      </p:sp>
+      <p:sp>
+        <p:nvSpPr>
+          <p:cNvPr id="50" name="Rectangle 26"/>
+          <p:cNvSpPr>
+            <a:spLocks noChangeArrowheads="1"/>
+          </p:cNvSpPr>
+          <p:nvPr/>
+        </p:nvSpPr>
+        <p:spPr bwMode="auto">
+          <a:xfrm>
+            <a:off x="6372620" y="409587"/>
+            <a:ext cx="990600" cy="952500"/>
+          </a:xfrm>
+          <a:prstGeom prst="rect">
+            <a:avLst/>
+          </a:prstGeom>
+          <a:gradFill rotWithShape="1">
+            <a:gsLst>
+              <a:gs pos="0">
+                <a:srgbClr val="81B861"/>
+              </a:gs>
+              <a:gs pos="50000">
+                <a:srgbClr val="6FB242"/>
+              </a:gs>
+              <a:gs pos="100000">
+                <a:srgbClr val="61A235"/>
+              </a:gs>
+            </a:gsLst>
+            <a:lin ang="5400000"/>
+          </a:gradFill>
+          <a:ln>
+            <a:noFill/>
+          </a:ln>
+          <a:effectLst>
+            <a:outerShdw dist="19050" dir="5400000" algn="ctr" rotWithShape="0">
+              <a:srgbClr val="000000">
+                <a:alpha val="62999"/>
+              </a:srgbClr>
+            </a:outerShdw>
+          </a:effectLst>
+          <a:extLst>
+            <a:ext uri="{91240B29-F687-4F45-9708-019B960494DF}">
+              <a14:hiddenLine xmlns:a14="http://schemas.microsoft.com/office/drawing/2010/main" w="9525">
+                <a:solidFill>
+                  <a:srgbClr val="000000"/>
+                </a:solidFill>
+                <a:miter lim="800000"/>
+                <a:headEnd/>
+                <a:tailEnd/>
+              </a14:hiddenLine>
+            </a:ext>
+          </a:extLst>
+        </p:spPr>
+        <p:txBody>
+          <a:bodyPr vert="horz" wrap="square" lIns="91440" tIns="45720" rIns="91440" bIns="45720" numCol="1" anchor="ctr" anchorCtr="0" compatLnSpc="1">
+            <a:prstTxWarp prst="textNoShape">
+              <a:avLst/>
+            </a:prstTxWarp>
+          </a:bodyPr>
+          <a:lstStyle/>
+          <a:p>
+            <a:pPr marL="0" marR="0" lvl="0" indent="0" algn="ctr" defTabSz="914400" rtl="0" eaLnBrk="0" fontAlgn="base" latinLnBrk="0" hangingPunct="0">
+              <a:lnSpc>
+                <a:spcPct val="100000"/>
+              </a:lnSpc>
+              <a:spcBef>
+                <a:spcPct val="0"/>
+              </a:spcBef>
+              <a:spcAft>
+                <a:spcPct val="0"/>
+              </a:spcAft>
+              <a:buClrTx/>
+              <a:buSzTx/>
+              <a:buFontTx/>
+              <a:buNone/>
+              <a:tabLst/>
+            </a:pPr>
+            <a:r>
+              <a:rPr kumimoji="0" lang="en-US" altLang="en-US" sz="1200" b="1" i="0" u="none" strike="noStrike" cap="none" normalizeH="0" baseline="0">
+                <a:ln>
+                  <a:noFill/>
+                </a:ln>
+                <a:solidFill>
+                  <a:schemeClr val="tx1">
+                    <a:lumMod val="95000"/>
+                    <a:lumOff val="5000"/>
+                  </a:schemeClr>
+                </a:solidFill>
+                <a:effectLst/>
+                <a:latin typeface="Times New Roman" panose="02020603050405020304" pitchFamily="18" charset="0"/>
+                <a:ea typeface="Calibri" panose="020F0502020204030204" pitchFamily="34" charset="0"/>
+                <a:cs typeface="Times New Roman" panose="02020603050405020304" pitchFamily="18" charset="0"/>
+              </a:rPr>
+              <a:t>Member personal information security</a:t>
+            </a:r>
+            <a:endParaRPr kumimoji="0" lang="en-US" altLang="en-US" sz="1100" b="0" i="0" u="none" strike="noStrike" cap="none" normalizeH="0" baseline="0">
+              <a:ln>
+                <a:noFill/>
+              </a:ln>
+              <a:solidFill>
+                <a:schemeClr val="tx1">
+                  <a:lumMod val="95000"/>
+                  <a:lumOff val="5000"/>
+                </a:schemeClr>
+              </a:solidFill>
+              <a:effectLst/>
+            </a:endParaRPr>
+          </a:p>
+        </p:txBody>
+      </p:sp>
+      <p:sp>
+        <p:nvSpPr>
+          <p:cNvPr id="51" name="Rectangle 27"/>
+          <p:cNvSpPr>
+            <a:spLocks noChangeArrowheads="1"/>
+          </p:cNvSpPr>
+          <p:nvPr/>
+        </p:nvSpPr>
+        <p:spPr bwMode="auto">
+          <a:xfrm>
+            <a:off x="7704728" y="409587"/>
+            <a:ext cx="981075" cy="885825"/>
+          </a:xfrm>
+          <a:prstGeom prst="rect">
+            <a:avLst/>
+          </a:prstGeom>
+          <a:gradFill rotWithShape="1">
+            <a:gsLst>
+              <a:gs pos="0">
+                <a:srgbClr val="81B861"/>
+              </a:gs>
+              <a:gs pos="50000">
+                <a:srgbClr val="6FB242"/>
+              </a:gs>
+              <a:gs pos="100000">
+                <a:srgbClr val="61A235"/>
+              </a:gs>
+            </a:gsLst>
+            <a:lin ang="5400000"/>
+          </a:gradFill>
+          <a:ln>
+            <a:noFill/>
+          </a:ln>
+          <a:effectLst>
+            <a:outerShdw dist="19050" dir="5400000" algn="ctr" rotWithShape="0">
+              <a:srgbClr val="000000">
+                <a:alpha val="62999"/>
+              </a:srgbClr>
+            </a:outerShdw>
+          </a:effectLst>
+          <a:extLst>
+            <a:ext uri="{91240B29-F687-4F45-9708-019B960494DF}">
+              <a14:hiddenLine xmlns:a14="http://schemas.microsoft.com/office/drawing/2010/main" w="9525">
+                <a:solidFill>
+                  <a:srgbClr val="000000"/>
+                </a:solidFill>
+                <a:miter lim="800000"/>
+                <a:headEnd/>
+                <a:tailEnd/>
+              </a14:hiddenLine>
+            </a:ext>
+          </a:extLst>
+        </p:spPr>
+        <p:txBody>
+          <a:bodyPr vert="horz" wrap="square" lIns="91440" tIns="45720" rIns="91440" bIns="45720" numCol="1" anchor="ctr" anchorCtr="0" compatLnSpc="1">
+            <a:prstTxWarp prst="textNoShape">
+              <a:avLst/>
+            </a:prstTxWarp>
+          </a:bodyPr>
+          <a:lstStyle/>
+          <a:p>
+            <a:pPr marL="0" marR="0" lvl="0" indent="0" algn="ctr" defTabSz="914400" rtl="0" eaLnBrk="0" fontAlgn="base" latinLnBrk="0" hangingPunct="0">
+              <a:lnSpc>
+                <a:spcPct val="100000"/>
+              </a:lnSpc>
+              <a:spcBef>
+                <a:spcPct val="0"/>
+              </a:spcBef>
+              <a:spcAft>
+                <a:spcPct val="0"/>
+              </a:spcAft>
+              <a:buClrTx/>
+              <a:buSzTx/>
+              <a:buFontTx/>
+              <a:buNone/>
+              <a:tabLst/>
+            </a:pPr>
+            <a:r>
+              <a:rPr kumimoji="0" lang="en-US" altLang="en-US" sz="1200" b="1" i="0" u="none" strike="noStrike" cap="none" normalizeH="0" baseline="0">
+                <a:ln>
+                  <a:noFill/>
+                </a:ln>
+                <a:solidFill>
+                  <a:schemeClr val="tx1">
+                    <a:lumMod val="95000"/>
+                    <a:lumOff val="5000"/>
+                  </a:schemeClr>
+                </a:solidFill>
+                <a:effectLst/>
+                <a:latin typeface="Times New Roman" panose="02020603050405020304" pitchFamily="18" charset="0"/>
+                <a:ea typeface="Calibri" panose="020F0502020204030204" pitchFamily="34" charset="0"/>
+                <a:cs typeface="Times New Roman" panose="02020603050405020304" pitchFamily="18" charset="0"/>
+              </a:rPr>
+              <a:t>Project information security</a:t>
+            </a:r>
+            <a:endParaRPr kumimoji="0" lang="en-US" altLang="en-US" sz="1100" b="0" i="0" u="none" strike="noStrike" cap="none" normalizeH="0" baseline="0">
+              <a:ln>
+                <a:noFill/>
+              </a:ln>
+              <a:solidFill>
+                <a:schemeClr val="tx1">
+                  <a:lumMod val="95000"/>
+                  <a:lumOff val="5000"/>
+                </a:schemeClr>
+              </a:solidFill>
+              <a:effectLst/>
+            </a:endParaRPr>
+          </a:p>
+        </p:txBody>
+      </p:sp>
+      <p:sp>
+        <p:nvSpPr>
+          <p:cNvPr id="52" name="Rectangle 28"/>
+          <p:cNvSpPr>
+            <a:spLocks noChangeArrowheads="1"/>
+          </p:cNvSpPr>
+          <p:nvPr/>
+        </p:nvSpPr>
+        <p:spPr bwMode="auto">
+          <a:xfrm>
+            <a:off x="9027311" y="627698"/>
+            <a:ext cx="809625" cy="657225"/>
+          </a:xfrm>
+          <a:prstGeom prst="rect">
+            <a:avLst/>
+          </a:prstGeom>
+          <a:gradFill rotWithShape="1">
+            <a:gsLst>
+              <a:gs pos="0">
+                <a:srgbClr val="81B861"/>
+              </a:gs>
+              <a:gs pos="50000">
+                <a:srgbClr val="6FB242"/>
+              </a:gs>
+              <a:gs pos="100000">
+                <a:srgbClr val="61A235"/>
+              </a:gs>
+            </a:gsLst>
+            <a:lin ang="5400000"/>
+          </a:gradFill>
+          <a:ln>
+            <a:noFill/>
+          </a:ln>
+          <a:effectLst>
+            <a:outerShdw dist="19050" dir="5400000" algn="ctr" rotWithShape="0">
+              <a:srgbClr val="000000">
+                <a:alpha val="62999"/>
+              </a:srgbClr>
+            </a:outerShdw>
+          </a:effectLst>
+          <a:extLst>
+            <a:ext uri="{91240B29-F687-4F45-9708-019B960494DF}">
+              <a14:hiddenLine xmlns:a14="http://schemas.microsoft.com/office/drawing/2010/main" w="9525">
+                <a:solidFill>
+                  <a:srgbClr val="000000"/>
+                </a:solidFill>
+                <a:miter lim="800000"/>
+                <a:headEnd/>
+                <a:tailEnd/>
+              </a14:hiddenLine>
+            </a:ext>
+          </a:extLst>
+        </p:spPr>
+        <p:txBody>
+          <a:bodyPr vert="horz" wrap="square" lIns="91440" tIns="45720" rIns="91440" bIns="45720" numCol="1" anchor="ctr" anchorCtr="0" compatLnSpc="1">
+            <a:prstTxWarp prst="textNoShape">
+              <a:avLst/>
+            </a:prstTxWarp>
+          </a:bodyPr>
+          <a:lstStyle/>
+          <a:p>
+            <a:pPr marL="0" marR="0" lvl="0" indent="0" algn="ctr" defTabSz="914400" rtl="0" eaLnBrk="0" fontAlgn="base" latinLnBrk="0" hangingPunct="0">
+              <a:lnSpc>
+                <a:spcPct val="100000"/>
+              </a:lnSpc>
+              <a:spcBef>
+                <a:spcPct val="0"/>
+              </a:spcBef>
+              <a:spcAft>
+                <a:spcPct val="0"/>
+              </a:spcAft>
+              <a:buClrTx/>
+              <a:buSzTx/>
+              <a:buFontTx/>
+              <a:buNone/>
+              <a:tabLst/>
+            </a:pPr>
+            <a:r>
+              <a:rPr kumimoji="0" lang="en-US" altLang="en-US" sz="1200" b="1" i="0" u="none" strike="noStrike" cap="none" normalizeH="0" baseline="0">
+                <a:ln>
+                  <a:noFill/>
+                </a:ln>
+                <a:solidFill>
+                  <a:schemeClr val="tx1">
+                    <a:lumMod val="95000"/>
+                    <a:lumOff val="5000"/>
+                  </a:schemeClr>
+                </a:solidFill>
+                <a:effectLst/>
+                <a:latin typeface="Times New Roman" panose="02020603050405020304" pitchFamily="18" charset="0"/>
+                <a:ea typeface="Calibri" panose="020F0502020204030204" pitchFamily="34" charset="0"/>
+                <a:cs typeface="Times New Roman" panose="02020603050405020304" pitchFamily="18" charset="0"/>
+              </a:rPr>
+              <a:t>Check login</a:t>
+            </a:r>
+            <a:endParaRPr kumimoji="0" lang="en-US" altLang="en-US" sz="1800" b="0" i="0" u="none" strike="noStrike" cap="none" normalizeH="0" baseline="0">
+              <a:ln>
+                <a:noFill/>
+              </a:ln>
+              <a:solidFill>
+                <a:schemeClr val="tx1">
+                  <a:lumMod val="95000"/>
+                  <a:lumOff val="5000"/>
+                </a:schemeClr>
+              </a:solidFill>
+              <a:effectLst/>
+              <a:latin typeface="Arial" panose="020B0604020202020204" pitchFamily="34" charset="0"/>
+            </a:endParaRPr>
+          </a:p>
+        </p:txBody>
+      </p:sp>
+      <p:sp>
+        <p:nvSpPr>
+          <p:cNvPr id="53" name="Rectangle 29"/>
+          <p:cNvSpPr>
+            <a:spLocks noChangeArrowheads="1"/>
+          </p:cNvSpPr>
+          <p:nvPr/>
+        </p:nvSpPr>
+        <p:spPr bwMode="auto">
+          <a:xfrm>
+            <a:off x="10275418" y="640092"/>
+            <a:ext cx="1104900" cy="628650"/>
+          </a:xfrm>
+          <a:prstGeom prst="rect">
+            <a:avLst/>
+          </a:prstGeom>
+          <a:gradFill rotWithShape="1">
+            <a:gsLst>
+              <a:gs pos="0">
+                <a:srgbClr val="81B861"/>
+              </a:gs>
+              <a:gs pos="50000">
+                <a:srgbClr val="6FB242"/>
+              </a:gs>
+              <a:gs pos="100000">
+                <a:srgbClr val="61A235"/>
+              </a:gs>
+            </a:gsLst>
+            <a:lin ang="5400000"/>
+          </a:gradFill>
+          <a:ln>
+            <a:noFill/>
+          </a:ln>
+          <a:effectLst>
+            <a:outerShdw dist="19050" dir="5400000" algn="ctr" rotWithShape="0">
+              <a:srgbClr val="000000">
+                <a:alpha val="62999"/>
+              </a:srgbClr>
+            </a:outerShdw>
+          </a:effectLst>
+          <a:extLst>
+            <a:ext uri="{91240B29-F687-4F45-9708-019B960494DF}">
+              <a14:hiddenLine xmlns:a14="http://schemas.microsoft.com/office/drawing/2010/main" w="9525">
+                <a:solidFill>
+                  <a:srgbClr val="000000"/>
+                </a:solidFill>
+                <a:miter lim="800000"/>
+                <a:headEnd/>
+                <a:tailEnd/>
+              </a14:hiddenLine>
+            </a:ext>
+          </a:extLst>
+        </p:spPr>
+        <p:txBody>
+          <a:bodyPr vert="horz" wrap="square" lIns="91440" tIns="45720" rIns="91440" bIns="45720" numCol="1" anchor="ctr" anchorCtr="0" compatLnSpc="1">
+            <a:prstTxWarp prst="textNoShape">
+              <a:avLst/>
+            </a:prstTxWarp>
+          </a:bodyPr>
+          <a:lstStyle/>
+          <a:p>
+            <a:pPr marL="0" marR="0" lvl="0" indent="0" algn="ctr" defTabSz="914400" rtl="0" eaLnBrk="0" fontAlgn="base" latinLnBrk="0" hangingPunct="0">
+              <a:lnSpc>
+                <a:spcPct val="100000"/>
+              </a:lnSpc>
+              <a:spcBef>
+                <a:spcPct val="0"/>
+              </a:spcBef>
+              <a:spcAft>
+                <a:spcPct val="0"/>
+              </a:spcAft>
+              <a:buClrTx/>
+              <a:buSzTx/>
+              <a:buFontTx/>
+              <a:buNone/>
+              <a:tabLst/>
+            </a:pPr>
+            <a:r>
+              <a:rPr kumimoji="0" lang="en-US" altLang="en-US" sz="1200" b="1" i="0" u="none" strike="noStrike" cap="none" normalizeH="0" baseline="0">
+                <a:ln>
+                  <a:noFill/>
+                </a:ln>
+                <a:solidFill>
+                  <a:schemeClr val="tx1">
+                    <a:lumMod val="95000"/>
+                    <a:lumOff val="5000"/>
+                  </a:schemeClr>
+                </a:solidFill>
+                <a:effectLst/>
+                <a:latin typeface="Times New Roman" panose="02020603050405020304" pitchFamily="18" charset="0"/>
+                <a:ea typeface="Calibri" panose="020F0502020204030204" pitchFamily="34" charset="0"/>
+                <a:cs typeface="Times New Roman" panose="02020603050405020304" pitchFamily="18" charset="0"/>
+              </a:rPr>
+              <a:t>Database security</a:t>
+            </a:r>
+            <a:endParaRPr kumimoji="0" lang="en-US" altLang="en-US" sz="1800" b="0" i="0" u="none" strike="noStrike" cap="none" normalizeH="0" baseline="0">
+              <a:ln>
+                <a:noFill/>
+              </a:ln>
+              <a:solidFill>
+                <a:schemeClr val="tx1">
+                  <a:lumMod val="95000"/>
+                  <a:lumOff val="5000"/>
+                </a:schemeClr>
+              </a:solidFill>
+              <a:effectLst/>
+              <a:latin typeface="Arial" panose="020B0604020202020204" pitchFamily="34" charset="0"/>
+            </a:endParaRPr>
+          </a:p>
+        </p:txBody>
+      </p:sp>
+      <p:sp>
+        <p:nvSpPr>
+          <p:cNvPr id="54" name="Rectangle 30"/>
+          <p:cNvSpPr>
+            <a:spLocks noChangeArrowheads="1"/>
+          </p:cNvSpPr>
+          <p:nvPr/>
+        </p:nvSpPr>
+        <p:spPr bwMode="auto">
+          <a:xfrm>
+            <a:off x="8144962" y="3161486"/>
+            <a:ext cx="1152525" cy="685800"/>
+          </a:xfrm>
+          <a:prstGeom prst="rect">
+            <a:avLst/>
+          </a:prstGeom>
+          <a:gradFill rotWithShape="1">
+            <a:gsLst>
+              <a:gs pos="0">
+                <a:srgbClr val="6083CB"/>
+              </a:gs>
+              <a:gs pos="50000">
+                <a:srgbClr val="3E70CA"/>
+              </a:gs>
+              <a:gs pos="100000">
+                <a:srgbClr val="2E61BA"/>
+              </a:gs>
+            </a:gsLst>
+            <a:lin ang="5400000"/>
+          </a:gradFill>
+          <a:ln>
+            <a:noFill/>
+          </a:ln>
+          <a:effectLst>
+            <a:outerShdw dist="19050" dir="5400000" algn="ctr" rotWithShape="0">
+              <a:srgbClr val="000000">
+                <a:alpha val="62999"/>
+              </a:srgbClr>
+            </a:outerShdw>
+          </a:effectLst>
+          <a:extLst>
+            <a:ext uri="{91240B29-F687-4F45-9708-019B960494DF}">
+              <a14:hiddenLine xmlns:a14="http://schemas.microsoft.com/office/drawing/2010/main" w="9525">
+                <a:solidFill>
+                  <a:srgbClr val="000000"/>
+                </a:solidFill>
+                <a:miter lim="800000"/>
+                <a:headEnd/>
+                <a:tailEnd/>
+              </a14:hiddenLine>
+            </a:ext>
+          </a:extLst>
+        </p:spPr>
+        <p:txBody>
+          <a:bodyPr vert="horz" wrap="square" lIns="91440" tIns="45720" rIns="91440" bIns="45720" numCol="1" anchor="ctr" anchorCtr="0" compatLnSpc="1">
+            <a:prstTxWarp prst="textNoShape">
+              <a:avLst/>
+            </a:prstTxWarp>
+          </a:bodyPr>
+          <a:lstStyle/>
+          <a:p>
+            <a:pPr marL="0" marR="0" lvl="0" indent="0" algn="ctr" defTabSz="914400" rtl="0" eaLnBrk="0" fontAlgn="base" latinLnBrk="0" hangingPunct="0">
+              <a:lnSpc>
+                <a:spcPct val="100000"/>
+              </a:lnSpc>
+              <a:spcBef>
+                <a:spcPct val="0"/>
+              </a:spcBef>
+              <a:spcAft>
+                <a:spcPct val="0"/>
+              </a:spcAft>
+              <a:buClrTx/>
+              <a:buSzTx/>
+              <a:buFontTx/>
+              <a:buNone/>
+              <a:tabLst/>
+            </a:pPr>
+            <a:r>
+              <a:rPr kumimoji="0" lang="en-US" altLang="en-US" sz="1200" b="1" i="0" u="none" strike="noStrike" cap="none" normalizeH="0" baseline="0">
+                <a:ln>
+                  <a:noFill/>
+                </a:ln>
+                <a:solidFill>
+                  <a:schemeClr val="tx1">
+                    <a:lumMod val="95000"/>
+                    <a:lumOff val="5000"/>
+                  </a:schemeClr>
+                </a:solidFill>
+                <a:effectLst/>
+                <a:latin typeface="Times New Roman" panose="02020603050405020304" pitchFamily="18" charset="0"/>
+                <a:ea typeface="Calibri" panose="020F0502020204030204" pitchFamily="34" charset="0"/>
+                <a:cs typeface="Times New Roman" panose="02020603050405020304" pitchFamily="18" charset="0"/>
+              </a:rPr>
+              <a:t>The 3rd support</a:t>
+            </a:r>
+            <a:endParaRPr kumimoji="0" lang="en-US" altLang="en-US" sz="1800" b="0" i="0" u="none" strike="noStrike" cap="none" normalizeH="0" baseline="0">
+              <a:ln>
+                <a:noFill/>
+              </a:ln>
+              <a:solidFill>
+                <a:schemeClr val="tx1">
+                  <a:lumMod val="95000"/>
+                  <a:lumOff val="5000"/>
+                </a:schemeClr>
+              </a:solidFill>
+              <a:effectLst/>
+              <a:latin typeface="Arial" panose="020B0604020202020204" pitchFamily="34" charset="0"/>
+            </a:endParaRPr>
+          </a:p>
+        </p:txBody>
+      </p:sp>
+      <p:sp>
+        <p:nvSpPr>
+          <p:cNvPr id="55" name="Rectangle 31"/>
+          <p:cNvSpPr>
+            <a:spLocks noChangeArrowheads="1"/>
+          </p:cNvSpPr>
+          <p:nvPr/>
+        </p:nvSpPr>
+        <p:spPr bwMode="auto">
+          <a:xfrm>
+            <a:off x="10117590" y="1753077"/>
+            <a:ext cx="914400" cy="857250"/>
+          </a:xfrm>
+          <a:prstGeom prst="rect">
+            <a:avLst/>
+          </a:prstGeom>
+          <a:gradFill rotWithShape="1">
+            <a:gsLst>
+              <a:gs pos="0">
+                <a:srgbClr val="81B861"/>
+              </a:gs>
+              <a:gs pos="50000">
+                <a:srgbClr val="6FB242"/>
+              </a:gs>
+              <a:gs pos="100000">
+                <a:srgbClr val="61A235"/>
+              </a:gs>
+            </a:gsLst>
+            <a:lin ang="5400000"/>
+          </a:gradFill>
+          <a:ln>
+            <a:noFill/>
+          </a:ln>
+          <a:effectLst>
+            <a:outerShdw dist="19050" dir="5400000" algn="ctr" rotWithShape="0">
+              <a:srgbClr val="000000">
+                <a:alpha val="62999"/>
+              </a:srgbClr>
+            </a:outerShdw>
+          </a:effectLst>
+          <a:extLst>
+            <a:ext uri="{91240B29-F687-4F45-9708-019B960494DF}">
+              <a14:hiddenLine xmlns:a14="http://schemas.microsoft.com/office/drawing/2010/main" w="9525">
+                <a:solidFill>
+                  <a:srgbClr val="000000"/>
+                </a:solidFill>
+                <a:miter lim="800000"/>
+                <a:headEnd/>
+                <a:tailEnd/>
+              </a14:hiddenLine>
+            </a:ext>
+          </a:extLst>
+        </p:spPr>
+        <p:txBody>
+          <a:bodyPr vert="horz" wrap="square" lIns="91440" tIns="45720" rIns="91440" bIns="45720" numCol="1" anchor="ctr" anchorCtr="0" compatLnSpc="1">
+            <a:prstTxWarp prst="textNoShape">
+              <a:avLst/>
+            </a:prstTxWarp>
+          </a:bodyPr>
+          <a:lstStyle/>
+          <a:p>
+            <a:pPr marL="0" marR="0" lvl="0" indent="0" algn="ctr" defTabSz="914400" rtl="0" eaLnBrk="0" fontAlgn="base" latinLnBrk="0" hangingPunct="0">
+              <a:lnSpc>
+                <a:spcPct val="100000"/>
+              </a:lnSpc>
+              <a:spcBef>
+                <a:spcPct val="0"/>
+              </a:spcBef>
+              <a:spcAft>
+                <a:spcPct val="0"/>
+              </a:spcAft>
+              <a:buClrTx/>
+              <a:buSzTx/>
+              <a:buFontTx/>
+              <a:buNone/>
+              <a:tabLst/>
+            </a:pPr>
+            <a:r>
+              <a:rPr kumimoji="0" lang="en-US" altLang="en-US" sz="1200" b="1" i="0" u="none" strike="noStrike" cap="none" normalizeH="0" baseline="0">
+                <a:ln>
+                  <a:noFill/>
+                </a:ln>
+                <a:solidFill>
+                  <a:schemeClr val="tx1">
+                    <a:lumMod val="95000"/>
+                    <a:lumOff val="5000"/>
+                  </a:schemeClr>
+                </a:solidFill>
+                <a:effectLst/>
+                <a:latin typeface="Times New Roman" panose="02020603050405020304" pitchFamily="18" charset="0"/>
+                <a:ea typeface="Calibri" panose="020F0502020204030204" pitchFamily="34" charset="0"/>
+                <a:cs typeface="Times New Roman" panose="02020603050405020304" pitchFamily="18" charset="0"/>
+              </a:rPr>
+              <a:t>Multiple support operating systems</a:t>
+            </a:r>
+            <a:endParaRPr kumimoji="0" lang="en-US" altLang="en-US" sz="1800" b="0" i="0" u="none" strike="noStrike" cap="none" normalizeH="0" baseline="0">
+              <a:ln>
+                <a:noFill/>
+              </a:ln>
+              <a:solidFill>
+                <a:schemeClr val="tx1">
+                  <a:lumMod val="95000"/>
+                  <a:lumOff val="5000"/>
+                </a:schemeClr>
+              </a:solidFill>
+              <a:effectLst/>
+              <a:latin typeface="Arial" panose="020B0604020202020204" pitchFamily="34" charset="0"/>
+            </a:endParaRPr>
+          </a:p>
+        </p:txBody>
+      </p:sp>
+      <p:sp>
+        <p:nvSpPr>
+          <p:cNvPr id="56" name="Rectangle 32"/>
+          <p:cNvSpPr>
+            <a:spLocks noChangeArrowheads="1"/>
+          </p:cNvSpPr>
+          <p:nvPr/>
+        </p:nvSpPr>
+        <p:spPr bwMode="auto">
+          <a:xfrm>
+            <a:off x="10117590" y="2947136"/>
+            <a:ext cx="752475" cy="495300"/>
+          </a:xfrm>
+          <a:prstGeom prst="rect">
+            <a:avLst/>
+          </a:prstGeom>
+          <a:gradFill rotWithShape="1">
+            <a:gsLst>
+              <a:gs pos="0">
+                <a:srgbClr val="81B861"/>
+              </a:gs>
+              <a:gs pos="50000">
+                <a:srgbClr val="6FB242"/>
+              </a:gs>
+              <a:gs pos="100000">
+                <a:srgbClr val="61A235"/>
+              </a:gs>
+            </a:gsLst>
+            <a:lin ang="5400000"/>
+          </a:gradFill>
+          <a:ln>
+            <a:noFill/>
+          </a:ln>
+          <a:effectLst>
+            <a:outerShdw dist="19050" dir="5400000" algn="ctr" rotWithShape="0">
+              <a:srgbClr val="000000">
+                <a:alpha val="62999"/>
+              </a:srgbClr>
+            </a:outerShdw>
+          </a:effectLst>
+          <a:extLst>
+            <a:ext uri="{91240B29-F687-4F45-9708-019B960494DF}">
+              <a14:hiddenLine xmlns:a14="http://schemas.microsoft.com/office/drawing/2010/main" w="9525">
+                <a:solidFill>
+                  <a:srgbClr val="000000"/>
+                </a:solidFill>
+                <a:miter lim="800000"/>
+                <a:headEnd/>
+                <a:tailEnd/>
+              </a14:hiddenLine>
+            </a:ext>
+          </a:extLst>
+        </p:spPr>
+        <p:txBody>
+          <a:bodyPr vert="horz" wrap="square" lIns="91440" tIns="45720" rIns="91440" bIns="45720" numCol="1" anchor="ctr" anchorCtr="0" compatLnSpc="1">
+            <a:prstTxWarp prst="textNoShape">
+              <a:avLst/>
+            </a:prstTxWarp>
+          </a:bodyPr>
+          <a:lstStyle/>
+          <a:p>
+            <a:pPr marL="0" marR="0" lvl="0" indent="0" algn="ctr" defTabSz="914400" rtl="0" eaLnBrk="0" fontAlgn="base" latinLnBrk="0" hangingPunct="0">
+              <a:lnSpc>
+                <a:spcPct val="100000"/>
+              </a:lnSpc>
+              <a:spcBef>
+                <a:spcPct val="0"/>
+              </a:spcBef>
+              <a:spcAft>
+                <a:spcPct val="0"/>
+              </a:spcAft>
+              <a:buClrTx/>
+              <a:buSzTx/>
+              <a:buFontTx/>
+              <a:buNone/>
+              <a:tabLst/>
+            </a:pPr>
+            <a:r>
+              <a:rPr kumimoji="0" lang="en-US" altLang="en-US" sz="1200" b="1" i="0" u="none" strike="noStrike" cap="none" normalizeH="0" baseline="0">
+                <a:ln>
+                  <a:noFill/>
+                </a:ln>
+                <a:solidFill>
+                  <a:schemeClr val="tx1">
+                    <a:lumMod val="95000"/>
+                    <a:lumOff val="5000"/>
+                  </a:schemeClr>
+                </a:solidFill>
+                <a:effectLst/>
+                <a:latin typeface="Times New Roman" panose="02020603050405020304" pitchFamily="18" charset="0"/>
+                <a:ea typeface="Calibri" panose="020F0502020204030204" pitchFamily="34" charset="0"/>
+                <a:cs typeface="Times New Roman" panose="02020603050405020304" pitchFamily="18" charset="0"/>
+              </a:rPr>
+              <a:t>Multiple device</a:t>
+            </a:r>
+            <a:endParaRPr kumimoji="0" lang="en-US" altLang="en-US" sz="1800" b="0" i="0" u="none" strike="noStrike" cap="none" normalizeH="0" baseline="0">
+              <a:ln>
+                <a:noFill/>
+              </a:ln>
+              <a:solidFill>
+                <a:schemeClr val="tx1">
+                  <a:lumMod val="95000"/>
+                  <a:lumOff val="5000"/>
+                </a:schemeClr>
+              </a:solidFill>
+              <a:effectLst/>
+              <a:latin typeface="Arial" panose="020B0604020202020204" pitchFamily="34" charset="0"/>
+            </a:endParaRPr>
+          </a:p>
+        </p:txBody>
+      </p:sp>
+      <p:sp>
+        <p:nvSpPr>
+          <p:cNvPr id="57" name="Rectangle 33"/>
+          <p:cNvSpPr>
+            <a:spLocks noChangeArrowheads="1"/>
+          </p:cNvSpPr>
+          <p:nvPr/>
+        </p:nvSpPr>
+        <p:spPr bwMode="auto">
+          <a:xfrm>
+            <a:off x="10117590" y="3789521"/>
+            <a:ext cx="752475" cy="647700"/>
+          </a:xfrm>
+          <a:prstGeom prst="rect">
+            <a:avLst/>
+          </a:prstGeom>
+          <a:gradFill rotWithShape="1">
+            <a:gsLst>
+              <a:gs pos="0">
+                <a:srgbClr val="81B861"/>
+              </a:gs>
+              <a:gs pos="50000">
+                <a:srgbClr val="6FB242"/>
+              </a:gs>
+              <a:gs pos="100000">
+                <a:srgbClr val="61A235"/>
+              </a:gs>
+            </a:gsLst>
+            <a:lin ang="5400000"/>
+          </a:gradFill>
+          <a:ln>
+            <a:noFill/>
+          </a:ln>
+          <a:effectLst>
+            <a:outerShdw dist="19050" dir="5400000" algn="ctr" rotWithShape="0">
+              <a:srgbClr val="000000">
+                <a:alpha val="62999"/>
+              </a:srgbClr>
+            </a:outerShdw>
+          </a:effectLst>
+          <a:extLst>
+            <a:ext uri="{91240B29-F687-4F45-9708-019B960494DF}">
+              <a14:hiddenLine xmlns:a14="http://schemas.microsoft.com/office/drawing/2010/main" w="9525">
+                <a:solidFill>
+                  <a:srgbClr val="000000"/>
+                </a:solidFill>
+                <a:miter lim="800000"/>
+                <a:headEnd/>
+                <a:tailEnd/>
+              </a14:hiddenLine>
+            </a:ext>
+          </a:extLst>
+        </p:spPr>
+        <p:txBody>
+          <a:bodyPr vert="horz" wrap="square" lIns="91440" tIns="45720" rIns="91440" bIns="45720" numCol="1" anchor="ctr" anchorCtr="0" compatLnSpc="1">
+            <a:prstTxWarp prst="textNoShape">
+              <a:avLst/>
+            </a:prstTxWarp>
+          </a:bodyPr>
+          <a:lstStyle/>
+          <a:p>
+            <a:pPr marL="0" marR="0" lvl="0" indent="0" algn="ctr" defTabSz="914400" rtl="0" eaLnBrk="0" fontAlgn="base" latinLnBrk="0" hangingPunct="0">
+              <a:lnSpc>
+                <a:spcPct val="100000"/>
+              </a:lnSpc>
+              <a:spcBef>
+                <a:spcPct val="0"/>
+              </a:spcBef>
+              <a:spcAft>
+                <a:spcPct val="0"/>
+              </a:spcAft>
+              <a:buClrTx/>
+              <a:buSzTx/>
+              <a:buFontTx/>
+              <a:buNone/>
+              <a:tabLst/>
+            </a:pPr>
+            <a:r>
+              <a:rPr kumimoji="0" lang="en-US" altLang="en-US" sz="1200" b="1" i="0" u="none" strike="noStrike" cap="none" normalizeH="0" baseline="0">
+                <a:ln>
+                  <a:noFill/>
+                </a:ln>
+                <a:solidFill>
+                  <a:schemeClr val="tx1">
+                    <a:lumMod val="95000"/>
+                    <a:lumOff val="5000"/>
+                  </a:schemeClr>
+                </a:solidFill>
+                <a:effectLst/>
+                <a:latin typeface="Times New Roman" panose="02020603050405020304" pitchFamily="18" charset="0"/>
+                <a:ea typeface="Calibri" panose="020F0502020204030204" pitchFamily="34" charset="0"/>
+                <a:cs typeface="Times New Roman" panose="02020603050405020304" pitchFamily="18" charset="0"/>
+              </a:rPr>
+              <a:t>Multi web browser</a:t>
+            </a:r>
+            <a:endParaRPr kumimoji="0" lang="en-US" altLang="en-US" sz="1800" b="0" i="0" u="none" strike="noStrike" cap="none" normalizeH="0" baseline="0">
+              <a:ln>
+                <a:noFill/>
+              </a:ln>
+              <a:solidFill>
+                <a:schemeClr val="tx1">
+                  <a:lumMod val="95000"/>
+                  <a:lumOff val="5000"/>
+                </a:schemeClr>
+              </a:solidFill>
+              <a:effectLst/>
+              <a:latin typeface="Arial" panose="020B0604020202020204" pitchFamily="34" charset="0"/>
+            </a:endParaRPr>
+          </a:p>
+        </p:txBody>
+      </p:sp>
+      <p:sp>
+        <p:nvSpPr>
+          <p:cNvPr id="58" name="Rectangle 80"/>
+          <p:cNvSpPr>
+            <a:spLocks noChangeArrowheads="1"/>
+          </p:cNvSpPr>
+          <p:nvPr/>
+        </p:nvSpPr>
+        <p:spPr bwMode="auto">
+          <a:xfrm>
+            <a:off x="2493023" y="846780"/>
+            <a:ext cx="184731" cy="369332"/>
+          </a:xfrm>
+          <a:prstGeom prst="rect">
+            <a:avLst/>
+          </a:prstGeom>
+          <a:noFill/>
+          <a:ln>
+            <a:noFill/>
+          </a:ln>
+          <a:effectLst/>
+          <a:extLst>
+            <a:ext uri="{909E8E84-426E-40DD-AFC4-6F175D3DCCD1}">
+              <a14:hiddenFill xmlns:a14="http://schemas.microsoft.com/office/drawing/2010/main">
+                <a:solidFill>
+                  <a:schemeClr val="accent1"/>
+                </a:solidFill>
+              </a14:hiddenFill>
+            </a:ext>
+            <a:ext uri="{91240B29-F687-4F45-9708-019B960494DF}">
+              <a14:hiddenLine xmlns:a14="http://schemas.microsoft.com/office/drawing/2010/main" w="9525">
+                <a:solidFill>
+                  <a:schemeClr val="tx1"/>
+                </a:solidFill>
+                <a:miter lim="800000"/>
+                <a:headEnd/>
+                <a:tailEnd/>
+              </a14:hiddenLine>
+            </a:ext>
+            <a:ext uri="{AF507438-7753-43E0-B8FC-AC1667EBCBE1}">
+              <a14:hiddenEffects xmlns:a14="http://schemas.microsoft.com/office/drawing/2010/main">
+                <a:effectLst>
+                  <a:outerShdw dist="35921" dir="2700000" algn="ctr" rotWithShape="0">
+                    <a:schemeClr val="bg2"/>
+                  </a:outerShdw>
+                </a:effectLst>
+              </a14:hiddenEffects>
+            </a:ext>
+          </a:extLst>
+        </p:spPr>
+        <p:txBody>
+          <a:bodyPr vert="horz" wrap="none" lIns="91440" tIns="45720" rIns="91440" bIns="45720" numCol="1" anchor="ctr" anchorCtr="0" compatLnSpc="1">
+            <a:prstTxWarp prst="textNoShape">
+              <a:avLst/>
+            </a:prstTxWarp>
+            <a:spAutoFit/>
+          </a:bodyPr>
+          <a:lstStyle/>
+          <a:p>
+            <a:pPr algn="ctr"/>
+            <a:endParaRPr lang="en-US">
+              <a:solidFill>
+                <a:schemeClr val="tx1">
+                  <a:lumMod val="95000"/>
+                  <a:lumOff val="5000"/>
+                </a:schemeClr>
+              </a:solidFill>
+            </a:endParaRPr>
+          </a:p>
+        </p:txBody>
+      </p:sp>
+      <p:sp>
+        <p:nvSpPr>
+          <p:cNvPr id="59" name="Rectangle 106"/>
+          <p:cNvSpPr>
+            <a:spLocks noChangeArrowheads="1"/>
+          </p:cNvSpPr>
+          <p:nvPr/>
+        </p:nvSpPr>
+        <p:spPr bwMode="auto">
+          <a:xfrm>
+            <a:off x="2493023" y="990742"/>
+            <a:ext cx="184731" cy="538609"/>
+          </a:xfrm>
+          <a:prstGeom prst="rect">
+            <a:avLst/>
+          </a:prstGeom>
+          <a:noFill/>
+          <a:ln>
+            <a:noFill/>
+          </a:ln>
+          <a:effectLst/>
+          <a:extLst>
+            <a:ext uri="{909E8E84-426E-40DD-AFC4-6F175D3DCCD1}">
+              <a14:hiddenFill xmlns:a14="http://schemas.microsoft.com/office/drawing/2010/main">
+                <a:solidFill>
+                  <a:schemeClr val="accent1"/>
+                </a:solidFill>
+              </a14:hiddenFill>
+            </a:ext>
+            <a:ext uri="{91240B29-F687-4F45-9708-019B960494DF}">
+              <a14:hiddenLine xmlns:a14="http://schemas.microsoft.com/office/drawing/2010/main" w="9525">
+                <a:solidFill>
+                  <a:schemeClr val="tx1"/>
+                </a:solidFill>
+                <a:miter lim="800000"/>
+                <a:headEnd/>
+                <a:tailEnd/>
+              </a14:hiddenLine>
+            </a:ext>
+            <a:ext uri="{AF507438-7753-43E0-B8FC-AC1667EBCBE1}">
+              <a14:hiddenEffects xmlns:a14="http://schemas.microsoft.com/office/drawing/2010/main">
+                <a:effectLst>
+                  <a:outerShdw dist="35921" dir="2700000" algn="ctr" rotWithShape="0">
+                    <a:schemeClr val="bg2"/>
+                  </a:outerShdw>
+                </a:effectLst>
+              </a14:hiddenEffects>
+            </a:ext>
+          </a:extLst>
+        </p:spPr>
+        <p:txBody>
+          <a:bodyPr vert="horz" wrap="none" lIns="91440" tIns="45720" rIns="91440" bIns="45720" numCol="1" anchor="ctr" anchorCtr="0" compatLnSpc="1">
+            <a:prstTxWarp prst="textNoShape">
+              <a:avLst/>
+            </a:prstTxWarp>
+            <a:spAutoFit/>
+          </a:bodyPr>
+          <a:lstStyle/>
+          <a:p>
+            <a:pPr marL="0" marR="0" lvl="0" indent="0" algn="ctr" defTabSz="914400" rtl="0" eaLnBrk="0" fontAlgn="base" latinLnBrk="0" hangingPunct="0">
+              <a:lnSpc>
+                <a:spcPct val="100000"/>
+              </a:lnSpc>
+              <a:spcBef>
+                <a:spcPct val="0"/>
+              </a:spcBef>
+              <a:spcAft>
+                <a:spcPct val="0"/>
+              </a:spcAft>
+              <a:buClrTx/>
+              <a:buSzTx/>
+              <a:buFontTx/>
+              <a:buNone/>
+              <a:tabLst/>
+            </a:pPr>
+            <a:br>
+              <a:rPr kumimoji="0" lang="en-US" altLang="en-US" sz="1100" b="0" i="0" u="none" strike="noStrike" cap="none" normalizeH="0" baseline="0">
+                <a:ln>
+                  <a:noFill/>
+                </a:ln>
+                <a:solidFill>
+                  <a:schemeClr val="tx1">
+                    <a:lumMod val="95000"/>
+                    <a:lumOff val="5000"/>
+                  </a:schemeClr>
+                </a:solidFill>
+                <a:effectLst/>
+                <a:latin typeface="Calibri" panose="020F0502020204030204" pitchFamily="34" charset="0"/>
+                <a:ea typeface="Calibri" panose="020F0502020204030204" pitchFamily="34" charset="0"/>
+                <a:cs typeface="Times New Roman" panose="02020603050405020304" pitchFamily="18" charset="0"/>
+              </a:rPr>
+            </a:br>
+            <a:endParaRPr kumimoji="0" lang="en-US" altLang="en-US" sz="1800" b="0" i="0" u="none" strike="noStrike" cap="none" normalizeH="0" baseline="0">
+              <a:ln>
+                <a:noFill/>
+              </a:ln>
+              <a:solidFill>
+                <a:schemeClr val="tx1">
+                  <a:lumMod val="95000"/>
+                  <a:lumOff val="5000"/>
+                </a:schemeClr>
+              </a:solidFill>
+              <a:effectLst/>
+              <a:latin typeface="Arial" panose="020B0604020202020204" pitchFamily="34" charset="0"/>
+            </a:endParaRPr>
+          </a:p>
+        </p:txBody>
+      </p:sp>
+      <p:cxnSp>
+        <p:nvCxnSpPr>
+          <p:cNvPr id="67" name="Straight Arrow Connector 66"/>
+          <p:cNvCxnSpPr>
+            <a:stCxn id="43" idx="0"/>
+            <a:endCxn id="46" idx="2"/>
+          </p:cNvCxnSpPr>
+          <p:nvPr/>
+        </p:nvCxnSpPr>
+        <p:spPr>
+          <a:xfrm flipV="1">
+            <a:off x="3298884" y="1433349"/>
+            <a:ext cx="439533" cy="752385"/>
+          </a:xfrm>
+          <a:prstGeom prst="straightConnector1">
+            <a:avLst/>
+          </a:prstGeom>
+          <a:ln>
+            <a:tailEnd type="triangle"/>
+          </a:ln>
+        </p:spPr>
+        <p:style>
+          <a:lnRef idx="1">
+            <a:schemeClr val="accent1"/>
+          </a:lnRef>
+          <a:fillRef idx="0">
+            <a:schemeClr val="accent1"/>
+          </a:fillRef>
+          <a:effectRef idx="0">
+            <a:schemeClr val="accent1"/>
+          </a:effectRef>
+          <a:fontRef idx="minor">
+            <a:schemeClr val="tx1"/>
+          </a:fontRef>
+        </p:style>
+      </p:cxnSp>
+      <p:cxnSp>
+        <p:nvCxnSpPr>
+          <p:cNvPr id="69" name="Straight Arrow Connector 68"/>
+          <p:cNvCxnSpPr>
+            <a:stCxn id="43" idx="0"/>
+            <a:endCxn id="47" idx="2"/>
+          </p:cNvCxnSpPr>
+          <p:nvPr/>
+        </p:nvCxnSpPr>
+        <p:spPr>
+          <a:xfrm flipV="1">
+            <a:off x="3298884" y="1433349"/>
+            <a:ext cx="1739695" cy="752385"/>
+          </a:xfrm>
+          <a:prstGeom prst="straightConnector1">
+            <a:avLst/>
+          </a:prstGeom>
+          <a:ln>
+            <a:tailEnd type="triangle"/>
+          </a:ln>
+        </p:spPr>
+        <p:style>
+          <a:lnRef idx="1">
+            <a:schemeClr val="accent1"/>
+          </a:lnRef>
+          <a:fillRef idx="0">
+            <a:schemeClr val="accent1"/>
+          </a:fillRef>
+          <a:effectRef idx="0">
+            <a:schemeClr val="accent1"/>
+          </a:effectRef>
+          <a:fontRef idx="minor">
+            <a:schemeClr val="tx1"/>
+          </a:fontRef>
+        </p:style>
+      </p:cxnSp>
+      <p:cxnSp>
+        <p:nvCxnSpPr>
+          <p:cNvPr id="71" name="Straight Arrow Connector 70"/>
+          <p:cNvCxnSpPr>
+            <a:stCxn id="43" idx="0"/>
+            <a:endCxn id="45" idx="2"/>
+          </p:cNvCxnSpPr>
+          <p:nvPr/>
+        </p:nvCxnSpPr>
+        <p:spPr>
+          <a:xfrm flipH="1" flipV="1">
+            <a:off x="2469211" y="1458515"/>
+            <a:ext cx="829673" cy="727219"/>
+          </a:xfrm>
+          <a:prstGeom prst="straightConnector1">
+            <a:avLst/>
+          </a:prstGeom>
+          <a:ln>
+            <a:tailEnd type="triangle"/>
+          </a:ln>
+        </p:spPr>
+        <p:style>
+          <a:lnRef idx="1">
+            <a:schemeClr val="accent1"/>
+          </a:lnRef>
+          <a:fillRef idx="0">
+            <a:schemeClr val="accent1"/>
+          </a:fillRef>
+          <a:effectRef idx="0">
+            <a:schemeClr val="accent1"/>
+          </a:effectRef>
+          <a:fontRef idx="minor">
+            <a:schemeClr val="tx1"/>
+          </a:fontRef>
+        </p:style>
+      </p:cxnSp>
+      <p:cxnSp>
+        <p:nvCxnSpPr>
+          <p:cNvPr id="73" name="Straight Arrow Connector 72"/>
+          <p:cNvCxnSpPr>
+            <a:stCxn id="43" idx="0"/>
+            <a:endCxn id="44" idx="2"/>
+          </p:cNvCxnSpPr>
+          <p:nvPr/>
+        </p:nvCxnSpPr>
+        <p:spPr>
+          <a:xfrm flipH="1" flipV="1">
+            <a:off x="1257155" y="1441021"/>
+            <a:ext cx="2041729" cy="744713"/>
+          </a:xfrm>
+          <a:prstGeom prst="straightConnector1">
+            <a:avLst/>
+          </a:prstGeom>
+          <a:ln>
+            <a:tailEnd type="triangle"/>
+          </a:ln>
+        </p:spPr>
+        <p:style>
+          <a:lnRef idx="1">
+            <a:schemeClr val="accent1"/>
+          </a:lnRef>
+          <a:fillRef idx="0">
+            <a:schemeClr val="accent1"/>
+          </a:fillRef>
+          <a:effectRef idx="0">
+            <a:schemeClr val="accent1"/>
+          </a:effectRef>
+          <a:fontRef idx="minor">
+            <a:schemeClr val="tx1"/>
+          </a:fontRef>
+        </p:style>
+      </p:cxnSp>
+      <p:cxnSp>
+        <p:nvCxnSpPr>
+          <p:cNvPr id="83" name="Straight Arrow Connector 82"/>
+          <p:cNvCxnSpPr>
+            <a:stCxn id="33" idx="1"/>
+            <a:endCxn id="34" idx="0"/>
+          </p:cNvCxnSpPr>
+          <p:nvPr/>
+        </p:nvCxnSpPr>
+        <p:spPr>
+          <a:xfrm flipH="1">
+            <a:off x="3084950" y="3226118"/>
+            <a:ext cx="1960579" cy="419700"/>
+          </a:xfrm>
+          <a:prstGeom prst="straightConnector1">
+            <a:avLst/>
+          </a:prstGeom>
+          <a:ln>
+            <a:tailEnd type="triangle"/>
+          </a:ln>
+        </p:spPr>
+        <p:style>
+          <a:lnRef idx="1">
+            <a:schemeClr val="accent1"/>
+          </a:lnRef>
+          <a:fillRef idx="0">
+            <a:schemeClr val="accent1"/>
+          </a:fillRef>
+          <a:effectRef idx="0">
+            <a:schemeClr val="accent1"/>
+          </a:effectRef>
+          <a:fontRef idx="minor">
+            <a:schemeClr val="tx1"/>
+          </a:fontRef>
+        </p:style>
+      </p:cxnSp>
+      <p:cxnSp>
+        <p:nvCxnSpPr>
+          <p:cNvPr id="85" name="Straight Arrow Connector 84"/>
+          <p:cNvCxnSpPr>
+            <a:stCxn id="33" idx="1"/>
+            <a:endCxn id="43" idx="2"/>
+          </p:cNvCxnSpPr>
+          <p:nvPr/>
+        </p:nvCxnSpPr>
+        <p:spPr>
+          <a:xfrm flipH="1" flipV="1">
+            <a:off x="3298884" y="2871534"/>
+            <a:ext cx="1746645" cy="354584"/>
+          </a:xfrm>
+          <a:prstGeom prst="straightConnector1">
+            <a:avLst/>
+          </a:prstGeom>
+          <a:ln>
+            <a:tailEnd type="triangle"/>
+          </a:ln>
+        </p:spPr>
+        <p:style>
+          <a:lnRef idx="1">
+            <a:schemeClr val="accent1"/>
+          </a:lnRef>
+          <a:fillRef idx="0">
+            <a:schemeClr val="accent1"/>
+          </a:fillRef>
+          <a:effectRef idx="0">
+            <a:schemeClr val="accent1"/>
+          </a:effectRef>
+          <a:fontRef idx="minor">
+            <a:schemeClr val="tx1"/>
+          </a:fontRef>
+        </p:style>
+      </p:cxnSp>
+      <p:cxnSp>
+        <p:nvCxnSpPr>
+          <p:cNvPr id="87" name="Straight Arrow Connector 86"/>
+          <p:cNvCxnSpPr>
+            <a:stCxn id="34" idx="2"/>
+            <a:endCxn id="36" idx="0"/>
+          </p:cNvCxnSpPr>
+          <p:nvPr/>
+        </p:nvCxnSpPr>
+        <p:spPr>
+          <a:xfrm flipH="1">
+            <a:off x="2234318" y="4412580"/>
+            <a:ext cx="850632" cy="660335"/>
+          </a:xfrm>
+          <a:prstGeom prst="straightConnector1">
+            <a:avLst/>
+          </a:prstGeom>
+          <a:ln>
+            <a:tailEnd type="triangle"/>
+          </a:ln>
+        </p:spPr>
+        <p:style>
+          <a:lnRef idx="1">
+            <a:schemeClr val="accent1"/>
+          </a:lnRef>
+          <a:fillRef idx="0">
+            <a:schemeClr val="accent1"/>
+          </a:fillRef>
+          <a:effectRef idx="0">
+            <a:schemeClr val="accent1"/>
+          </a:effectRef>
+          <a:fontRef idx="minor">
+            <a:schemeClr val="tx1"/>
+          </a:fontRef>
+        </p:style>
+      </p:cxnSp>
+      <p:cxnSp>
+        <p:nvCxnSpPr>
+          <p:cNvPr id="89" name="Straight Arrow Connector 88"/>
+          <p:cNvCxnSpPr>
+            <a:stCxn id="34" idx="2"/>
+            <a:endCxn id="38" idx="0"/>
+          </p:cNvCxnSpPr>
+          <p:nvPr/>
+        </p:nvCxnSpPr>
+        <p:spPr>
+          <a:xfrm>
+            <a:off x="3084950" y="4412580"/>
+            <a:ext cx="384386" cy="656877"/>
+          </a:xfrm>
+          <a:prstGeom prst="straightConnector1">
+            <a:avLst/>
+          </a:prstGeom>
+          <a:ln>
+            <a:tailEnd type="triangle"/>
+          </a:ln>
+        </p:spPr>
+        <p:style>
+          <a:lnRef idx="1">
+            <a:schemeClr val="accent1"/>
+          </a:lnRef>
+          <a:fillRef idx="0">
+            <a:schemeClr val="accent1"/>
+          </a:fillRef>
+          <a:effectRef idx="0">
+            <a:schemeClr val="accent1"/>
+          </a:effectRef>
+          <a:fontRef idx="minor">
+            <a:schemeClr val="tx1"/>
+          </a:fontRef>
+        </p:style>
+      </p:cxnSp>
+      <p:cxnSp>
+        <p:nvCxnSpPr>
+          <p:cNvPr id="93" name="Straight Arrow Connector 92"/>
+          <p:cNvCxnSpPr>
+            <a:stCxn id="34" idx="2"/>
+            <a:endCxn id="35" idx="0"/>
+          </p:cNvCxnSpPr>
+          <p:nvPr/>
+        </p:nvCxnSpPr>
+        <p:spPr>
+          <a:xfrm flipH="1">
+            <a:off x="1151701" y="4412580"/>
+            <a:ext cx="1933249" cy="660335"/>
+          </a:xfrm>
+          <a:prstGeom prst="straightConnector1">
+            <a:avLst/>
+          </a:prstGeom>
+          <a:ln>
+            <a:tailEnd type="triangle"/>
+          </a:ln>
+        </p:spPr>
+        <p:style>
+          <a:lnRef idx="1">
+            <a:schemeClr val="accent1"/>
+          </a:lnRef>
+          <a:fillRef idx="0">
+            <a:schemeClr val="accent1"/>
+          </a:fillRef>
+          <a:effectRef idx="0">
+            <a:schemeClr val="accent1"/>
+          </a:effectRef>
+          <a:fontRef idx="minor">
+            <a:schemeClr val="tx1"/>
+          </a:fontRef>
+        </p:style>
+      </p:cxnSp>
+      <p:cxnSp>
+        <p:nvCxnSpPr>
+          <p:cNvPr id="95" name="Straight Arrow Connector 94"/>
+          <p:cNvCxnSpPr>
+            <a:stCxn id="33" idx="3"/>
+            <a:endCxn id="39" idx="1"/>
+          </p:cNvCxnSpPr>
+          <p:nvPr/>
+        </p:nvCxnSpPr>
+        <p:spPr>
+          <a:xfrm>
+            <a:off x="6121854" y="3226118"/>
+            <a:ext cx="528637" cy="1152073"/>
+          </a:xfrm>
+          <a:prstGeom prst="straightConnector1">
+            <a:avLst/>
+          </a:prstGeom>
+          <a:ln>
+            <a:tailEnd type="triangle"/>
+          </a:ln>
+        </p:spPr>
+        <p:style>
+          <a:lnRef idx="1">
+            <a:schemeClr val="accent1"/>
+          </a:lnRef>
+          <a:fillRef idx="0">
+            <a:schemeClr val="accent1"/>
+          </a:fillRef>
+          <a:effectRef idx="0">
+            <a:schemeClr val="accent1"/>
+          </a:effectRef>
+          <a:fontRef idx="minor">
+            <a:schemeClr val="tx1"/>
+          </a:fontRef>
+        </p:style>
+      </p:cxnSp>
+      <p:cxnSp>
+        <p:nvCxnSpPr>
+          <p:cNvPr id="97" name="Straight Arrow Connector 96"/>
+          <p:cNvCxnSpPr>
+            <a:stCxn id="39" idx="2"/>
+            <a:endCxn id="40" idx="0"/>
+          </p:cNvCxnSpPr>
+          <p:nvPr/>
+        </p:nvCxnSpPr>
+        <p:spPr>
+          <a:xfrm flipH="1">
+            <a:off x="5913449" y="4721091"/>
+            <a:ext cx="1313305" cy="762704"/>
+          </a:xfrm>
+          <a:prstGeom prst="straightConnector1">
+            <a:avLst/>
+          </a:prstGeom>
+          <a:ln>
+            <a:tailEnd type="triangle"/>
+          </a:ln>
+        </p:spPr>
+        <p:style>
+          <a:lnRef idx="1">
+            <a:schemeClr val="accent1"/>
+          </a:lnRef>
+          <a:fillRef idx="0">
+            <a:schemeClr val="accent1"/>
+          </a:fillRef>
+          <a:effectRef idx="0">
+            <a:schemeClr val="accent1"/>
+          </a:effectRef>
+          <a:fontRef idx="minor">
+            <a:schemeClr val="tx1"/>
+          </a:fontRef>
+        </p:style>
+      </p:cxnSp>
+      <p:cxnSp>
+        <p:nvCxnSpPr>
+          <p:cNvPr id="99" name="Straight Arrow Connector 98"/>
+          <p:cNvCxnSpPr>
+            <a:stCxn id="39" idx="2"/>
+            <a:endCxn id="41" idx="0"/>
+          </p:cNvCxnSpPr>
+          <p:nvPr/>
+        </p:nvCxnSpPr>
+        <p:spPr>
+          <a:xfrm>
+            <a:off x="7226754" y="4721091"/>
+            <a:ext cx="171334" cy="762704"/>
+          </a:xfrm>
+          <a:prstGeom prst="straightConnector1">
+            <a:avLst/>
+          </a:prstGeom>
+          <a:ln>
+            <a:tailEnd type="triangle"/>
+          </a:ln>
+        </p:spPr>
+        <p:style>
+          <a:lnRef idx="1">
+            <a:schemeClr val="accent1"/>
+          </a:lnRef>
+          <a:fillRef idx="0">
+            <a:schemeClr val="accent1"/>
+          </a:fillRef>
+          <a:effectRef idx="0">
+            <a:schemeClr val="accent1"/>
+          </a:effectRef>
+          <a:fontRef idx="minor">
+            <a:schemeClr val="tx1"/>
+          </a:fontRef>
+        </p:style>
+      </p:cxnSp>
+      <p:cxnSp>
+        <p:nvCxnSpPr>
+          <p:cNvPr id="101" name="Straight Arrow Connector 100"/>
+          <p:cNvCxnSpPr>
+            <a:stCxn id="39" idx="2"/>
+            <a:endCxn id="42" idx="0"/>
+          </p:cNvCxnSpPr>
+          <p:nvPr/>
+        </p:nvCxnSpPr>
+        <p:spPr>
+          <a:xfrm>
+            <a:off x="7226754" y="4721091"/>
+            <a:ext cx="1459049" cy="762704"/>
+          </a:xfrm>
+          <a:prstGeom prst="straightConnector1">
+            <a:avLst/>
+          </a:prstGeom>
+          <a:ln>
+            <a:tailEnd type="triangle"/>
+          </a:ln>
+        </p:spPr>
+        <p:style>
+          <a:lnRef idx="1">
+            <a:schemeClr val="accent1"/>
+          </a:lnRef>
+          <a:fillRef idx="0">
+            <a:schemeClr val="accent1"/>
+          </a:fillRef>
+          <a:effectRef idx="0">
+            <a:schemeClr val="accent1"/>
+          </a:effectRef>
+          <a:fontRef idx="minor">
+            <a:schemeClr val="tx1"/>
+          </a:fontRef>
+        </p:style>
+      </p:cxnSp>
+      <p:cxnSp>
+        <p:nvCxnSpPr>
+          <p:cNvPr id="103" name="Straight Arrow Connector 102"/>
+          <p:cNvCxnSpPr>
+            <a:stCxn id="54" idx="3"/>
+            <a:endCxn id="55" idx="1"/>
+          </p:cNvCxnSpPr>
+          <p:nvPr/>
+        </p:nvCxnSpPr>
+        <p:spPr>
+          <a:xfrm flipV="1">
+            <a:off x="9297487" y="2181702"/>
+            <a:ext cx="820103" cy="1322684"/>
+          </a:xfrm>
+          <a:prstGeom prst="straightConnector1">
+            <a:avLst/>
+          </a:prstGeom>
+          <a:ln>
+            <a:tailEnd type="triangle"/>
+          </a:ln>
+        </p:spPr>
+        <p:style>
+          <a:lnRef idx="1">
+            <a:schemeClr val="accent1"/>
+          </a:lnRef>
+          <a:fillRef idx="0">
+            <a:schemeClr val="accent1"/>
+          </a:fillRef>
+          <a:effectRef idx="0">
+            <a:schemeClr val="accent1"/>
+          </a:effectRef>
+          <a:fontRef idx="minor">
+            <a:schemeClr val="tx1"/>
+          </a:fontRef>
+        </p:style>
+      </p:cxnSp>
+      <p:cxnSp>
+        <p:nvCxnSpPr>
+          <p:cNvPr id="105" name="Straight Arrow Connector 104"/>
+          <p:cNvCxnSpPr>
+            <a:stCxn id="54" idx="3"/>
+            <a:endCxn id="56" idx="1"/>
+          </p:cNvCxnSpPr>
+          <p:nvPr/>
+        </p:nvCxnSpPr>
+        <p:spPr>
+          <a:xfrm flipV="1">
+            <a:off x="9297487" y="3194786"/>
+            <a:ext cx="820103" cy="309600"/>
+          </a:xfrm>
+          <a:prstGeom prst="straightConnector1">
+            <a:avLst/>
+          </a:prstGeom>
+          <a:ln>
+            <a:tailEnd type="triangle"/>
+          </a:ln>
+        </p:spPr>
+        <p:style>
+          <a:lnRef idx="1">
+            <a:schemeClr val="accent1"/>
+          </a:lnRef>
+          <a:fillRef idx="0">
+            <a:schemeClr val="accent1"/>
+          </a:fillRef>
+          <a:effectRef idx="0">
+            <a:schemeClr val="accent1"/>
+          </a:effectRef>
+          <a:fontRef idx="minor">
+            <a:schemeClr val="tx1"/>
+          </a:fontRef>
+        </p:style>
+      </p:cxnSp>
+      <p:cxnSp>
+        <p:nvCxnSpPr>
+          <p:cNvPr id="107" name="Straight Arrow Connector 106"/>
+          <p:cNvCxnSpPr>
+            <a:stCxn id="54" idx="3"/>
+            <a:endCxn id="57" idx="1"/>
+          </p:cNvCxnSpPr>
+          <p:nvPr/>
+        </p:nvCxnSpPr>
+        <p:spPr>
+          <a:xfrm>
+            <a:off x="9297487" y="3504386"/>
+            <a:ext cx="820103" cy="608985"/>
+          </a:xfrm>
+          <a:prstGeom prst="straightConnector1">
+            <a:avLst/>
+          </a:prstGeom>
+          <a:ln>
+            <a:tailEnd type="triangle"/>
+          </a:ln>
+        </p:spPr>
+        <p:style>
+          <a:lnRef idx="1">
+            <a:schemeClr val="accent1"/>
+          </a:lnRef>
+          <a:fillRef idx="0">
+            <a:schemeClr val="accent1"/>
+          </a:fillRef>
+          <a:effectRef idx="0">
+            <a:schemeClr val="accent1"/>
+          </a:effectRef>
+          <a:fontRef idx="minor">
+            <a:schemeClr val="tx1"/>
+          </a:fontRef>
+        </p:style>
+      </p:cxnSp>
+      <p:cxnSp>
+        <p:nvCxnSpPr>
+          <p:cNvPr id="111" name="Straight Arrow Connector 110"/>
+          <p:cNvCxnSpPr>
+            <a:stCxn id="49" idx="0"/>
+            <a:endCxn id="50" idx="2"/>
+          </p:cNvCxnSpPr>
+          <p:nvPr/>
+        </p:nvCxnSpPr>
+        <p:spPr>
+          <a:xfrm flipH="1" flipV="1">
+            <a:off x="6867920" y="1362087"/>
+            <a:ext cx="1178936" cy="590042"/>
+          </a:xfrm>
+          <a:prstGeom prst="straightConnector1">
+            <a:avLst/>
+          </a:prstGeom>
+          <a:ln>
+            <a:tailEnd type="triangle"/>
+          </a:ln>
+        </p:spPr>
+        <p:style>
+          <a:lnRef idx="1">
+            <a:schemeClr val="accent1"/>
+          </a:lnRef>
+          <a:fillRef idx="0">
+            <a:schemeClr val="accent1"/>
+          </a:fillRef>
+          <a:effectRef idx="0">
+            <a:schemeClr val="accent1"/>
+          </a:effectRef>
+          <a:fontRef idx="minor">
+            <a:schemeClr val="tx1"/>
+          </a:fontRef>
+        </p:style>
+      </p:cxnSp>
+      <p:cxnSp>
+        <p:nvCxnSpPr>
+          <p:cNvPr id="113" name="Straight Arrow Connector 112"/>
+          <p:cNvCxnSpPr>
+            <a:stCxn id="49" idx="0"/>
+            <a:endCxn id="51" idx="2"/>
+          </p:cNvCxnSpPr>
+          <p:nvPr/>
+        </p:nvCxnSpPr>
+        <p:spPr>
+          <a:xfrm flipV="1">
+            <a:off x="8046856" y="1295412"/>
+            <a:ext cx="148410" cy="656717"/>
+          </a:xfrm>
+          <a:prstGeom prst="straightConnector1">
+            <a:avLst/>
+          </a:prstGeom>
+          <a:ln>
+            <a:tailEnd type="triangle"/>
+          </a:ln>
+        </p:spPr>
+        <p:style>
+          <a:lnRef idx="1">
+            <a:schemeClr val="accent1"/>
+          </a:lnRef>
+          <a:fillRef idx="0">
+            <a:schemeClr val="accent1"/>
+          </a:fillRef>
+          <a:effectRef idx="0">
+            <a:schemeClr val="accent1"/>
+          </a:effectRef>
+          <a:fontRef idx="minor">
+            <a:schemeClr val="tx1"/>
+          </a:fontRef>
+        </p:style>
+      </p:cxnSp>
+      <p:cxnSp>
+        <p:nvCxnSpPr>
+          <p:cNvPr id="115" name="Straight Arrow Connector 114"/>
+          <p:cNvCxnSpPr>
+            <a:stCxn id="49" idx="0"/>
+            <a:endCxn id="52" idx="2"/>
+          </p:cNvCxnSpPr>
+          <p:nvPr/>
+        </p:nvCxnSpPr>
+        <p:spPr>
+          <a:xfrm flipV="1">
+            <a:off x="8046856" y="1284923"/>
+            <a:ext cx="1385268" cy="667206"/>
+          </a:xfrm>
+          <a:prstGeom prst="straightConnector1">
+            <a:avLst/>
+          </a:prstGeom>
+          <a:ln>
+            <a:tailEnd type="triangle"/>
+          </a:ln>
+        </p:spPr>
+        <p:style>
+          <a:lnRef idx="1">
+            <a:schemeClr val="accent1"/>
+          </a:lnRef>
+          <a:fillRef idx="0">
+            <a:schemeClr val="accent1"/>
+          </a:fillRef>
+          <a:effectRef idx="0">
+            <a:schemeClr val="accent1"/>
+          </a:effectRef>
+          <a:fontRef idx="minor">
+            <a:schemeClr val="tx1"/>
+          </a:fontRef>
+        </p:style>
+      </p:cxnSp>
+      <p:cxnSp>
+        <p:nvCxnSpPr>
+          <p:cNvPr id="117" name="Straight Arrow Connector 116"/>
+          <p:cNvCxnSpPr>
+            <a:stCxn id="49" idx="0"/>
+            <a:endCxn id="53" idx="2"/>
+          </p:cNvCxnSpPr>
+          <p:nvPr/>
+        </p:nvCxnSpPr>
+        <p:spPr>
+          <a:xfrm flipV="1">
+            <a:off x="8046856" y="1268742"/>
+            <a:ext cx="2781012" cy="683387"/>
+          </a:xfrm>
+          <a:prstGeom prst="straightConnector1">
+            <a:avLst/>
+          </a:prstGeom>
+          <a:ln>
+            <a:tailEnd type="triangle"/>
+          </a:ln>
+        </p:spPr>
+        <p:style>
+          <a:lnRef idx="1">
+            <a:schemeClr val="accent1"/>
+          </a:lnRef>
+          <a:fillRef idx="0">
+            <a:schemeClr val="accent1"/>
+          </a:fillRef>
+          <a:effectRef idx="0">
+            <a:schemeClr val="accent1"/>
+          </a:effectRef>
+          <a:fontRef idx="minor">
+            <a:schemeClr val="tx1"/>
+          </a:fontRef>
+        </p:style>
+      </p:cxnSp>
+      <p:cxnSp>
+        <p:nvCxnSpPr>
+          <p:cNvPr id="119" name="Straight Arrow Connector 118"/>
+          <p:cNvCxnSpPr>
+            <a:stCxn id="33" idx="3"/>
+            <a:endCxn id="49" idx="2"/>
+          </p:cNvCxnSpPr>
+          <p:nvPr/>
+        </p:nvCxnSpPr>
+        <p:spPr>
+          <a:xfrm flipV="1">
+            <a:off x="6121854" y="2637929"/>
+            <a:ext cx="1925002" cy="588189"/>
+          </a:xfrm>
+          <a:prstGeom prst="straightConnector1">
+            <a:avLst/>
+          </a:prstGeom>
+          <a:ln>
+            <a:tailEnd type="triangle"/>
+          </a:ln>
+        </p:spPr>
+        <p:style>
+          <a:lnRef idx="1">
+            <a:schemeClr val="accent1"/>
+          </a:lnRef>
+          <a:fillRef idx="0">
+            <a:schemeClr val="accent1"/>
+          </a:fillRef>
+          <a:effectRef idx="0">
+            <a:schemeClr val="accent1"/>
+          </a:effectRef>
+          <a:fontRef idx="minor">
+            <a:schemeClr val="tx1"/>
+          </a:fontRef>
+        </p:style>
+      </p:cxnSp>
+      <p:cxnSp>
+        <p:nvCxnSpPr>
+          <p:cNvPr id="125" name="Straight Arrow Connector 124"/>
+          <p:cNvCxnSpPr>
+            <a:stCxn id="33" idx="3"/>
+            <a:endCxn id="54" idx="1"/>
+          </p:cNvCxnSpPr>
+          <p:nvPr/>
+        </p:nvCxnSpPr>
+        <p:spPr>
+          <a:xfrm>
+            <a:off x="6121854" y="3226118"/>
+            <a:ext cx="2023108" cy="278268"/>
+          </a:xfrm>
+          <a:prstGeom prst="straightConnector1">
+            <a:avLst/>
+          </a:prstGeom>
+          <a:ln>
+            <a:tailEnd type="triangle"/>
+          </a:ln>
+        </p:spPr>
+        <p:style>
+          <a:lnRef idx="1">
+            <a:schemeClr val="accent1"/>
+          </a:lnRef>
+          <a:fillRef idx="0">
+            <a:schemeClr val="accent1"/>
+          </a:fillRef>
+          <a:effectRef idx="0">
+            <a:schemeClr val="accent1"/>
+          </a:effectRef>
+          <a:fontRef idx="minor">
+            <a:schemeClr val="tx1"/>
+          </a:fontRef>
+        </p:style>
+      </p:cxnSp>
+      <p:cxnSp>
+        <p:nvCxnSpPr>
+          <p:cNvPr id="127" name="Straight Arrow Connector 126"/>
+          <p:cNvCxnSpPr>
+            <a:stCxn id="33" idx="0"/>
+            <a:endCxn id="48" idx="2"/>
+          </p:cNvCxnSpPr>
+          <p:nvPr/>
+        </p:nvCxnSpPr>
+        <p:spPr>
+          <a:xfrm flipV="1">
+            <a:off x="5583692" y="2287905"/>
+            <a:ext cx="9525" cy="466725"/>
+          </a:xfrm>
+          <a:prstGeom prst="straightConnector1">
+            <a:avLst/>
+          </a:prstGeom>
+          <a:ln>
+            <a:tailEnd type="triangle"/>
+          </a:ln>
+        </p:spPr>
+        <p:style>
+          <a:lnRef idx="1">
+            <a:schemeClr val="accent1"/>
+          </a:lnRef>
+          <a:fillRef idx="0">
+            <a:schemeClr val="accent1"/>
+          </a:fillRef>
+          <a:effectRef idx="0">
+            <a:schemeClr val="accent1"/>
+          </a:effectRef>
+          <a:fontRef idx="minor">
+            <a:schemeClr val="tx1"/>
+          </a:fontRef>
+        </p:style>
+      </p:cxnSp>
+      <p:cxnSp>
+        <p:nvCxnSpPr>
+          <p:cNvPr id="133" name="Straight Arrow Connector 132"/>
+          <p:cNvCxnSpPr>
+            <a:stCxn id="34" idx="2"/>
+            <a:endCxn id="37" idx="0"/>
+          </p:cNvCxnSpPr>
+          <p:nvPr/>
+        </p:nvCxnSpPr>
+        <p:spPr>
+          <a:xfrm>
+            <a:off x="3084950" y="4412580"/>
+            <a:ext cx="1508013" cy="656877"/>
+          </a:xfrm>
+          <a:prstGeom prst="straightConnector1">
+            <a:avLst/>
+          </a:prstGeom>
+          <a:ln>
+            <a:tailEnd type="triangle"/>
+          </a:ln>
+        </p:spPr>
+        <p:style>
+          <a:lnRef idx="1">
+            <a:schemeClr val="accent1"/>
+          </a:lnRef>
+          <a:fillRef idx="0">
+            <a:schemeClr val="accent1"/>
+          </a:fillRef>
+          <a:effectRef idx="0">
+            <a:schemeClr val="accent1"/>
+          </a:effectRef>
+          <a:fontRef idx="minor">
+            <a:schemeClr val="tx1"/>
+          </a:fontRef>
+        </p:style>
+      </p:cxnSp>
+    </p:spTree>
+    <p:extLst>
+      <p:ext uri="{BB962C8B-B14F-4D97-AF65-F5344CB8AC3E}">
+        <p14:creationId xmlns:p14="http://schemas.microsoft.com/office/powerpoint/2010/main" val="1723668067"/>
+      </p:ext>
+    </p:extLst>
+  </p:cSld>
+  <p:clrMapOvr>
+    <a:masterClrMapping/>
+  </p:clrMapOvr>
+</p:sld>
+</file>
+
+<file path=ppt/slides/slide4.xml><?xml version="1.0" encoding="utf-8"?>
+<p:sld xmlns:a="http://schemas.openxmlformats.org/drawingml/2006/main" xmlns:r="http://schemas.openxmlformats.org/officeDocument/2006/relationships" xmlns:p="http://schemas.openxmlformats.org/presentationml/2006/main">
+  <p:cSld>
+    <p:spTree>
+      <p:nvGrpSpPr>
+        <p:cNvPr id="1" name=""/>
+        <p:cNvGrpSpPr/>
+        <p:nvPr/>
+      </p:nvGrpSpPr>
+      <p:grpSpPr>
+        <a:xfrm>
+          <a:off x="0" y="0"/>
+          <a:ext cx="0" cy="0"/>
+          <a:chOff x="0" y="0"/>
+          <a:chExt cx="0" cy="0"/>
+        </a:xfrm>
+      </p:grpSpPr>
+      <p:grpSp>
+        <p:nvGrpSpPr>
+          <p:cNvPr id="507" name="Group 506"/>
+          <p:cNvGrpSpPr/>
+          <p:nvPr/>
+        </p:nvGrpSpPr>
+        <p:grpSpPr>
+          <a:xfrm>
+            <a:off x="-31371" y="13397"/>
+            <a:ext cx="12210861" cy="6744977"/>
+            <a:chOff x="-31371" y="13397"/>
+            <a:chExt cx="12210861" cy="6744977"/>
+          </a:xfrm>
+        </p:grpSpPr>
+        <p:cxnSp>
+          <p:nvCxnSpPr>
+            <p:cNvPr id="98" name="Straight Arrow Connector 97"/>
+            <p:cNvCxnSpPr>
+              <a:stCxn id="219" idx="1"/>
+              <a:endCxn id="234" idx="3"/>
+            </p:cNvCxnSpPr>
+            <p:nvPr/>
+          </p:nvCxnSpPr>
+          <p:spPr>
+            <a:xfrm>
+              <a:off x="2577163" y="773466"/>
+              <a:ext cx="1147930" cy="436558"/>
+            </a:xfrm>
+            <a:prstGeom prst="straightConnector1">
+              <a:avLst/>
+            </a:prstGeom>
+            <a:ln>
+              <a:tailEnd type="triangle"/>
+            </a:ln>
+          </p:spPr>
+          <p:style>
+            <a:lnRef idx="1">
+              <a:schemeClr val="accent1"/>
+            </a:lnRef>
+            <a:fillRef idx="0">
+              <a:schemeClr val="accent1"/>
+            </a:fillRef>
+            <a:effectRef idx="0">
+              <a:schemeClr val="accent1"/>
+            </a:effectRef>
+            <a:fontRef idx="minor">
+              <a:schemeClr val="tx1"/>
+            </a:fontRef>
+          </p:style>
+        </p:cxnSp>
+        <p:cxnSp>
+          <p:nvCxnSpPr>
+            <p:cNvPr id="100" name="Straight Arrow Connector 99"/>
+            <p:cNvCxnSpPr>
+              <a:stCxn id="219" idx="1"/>
+              <a:endCxn id="236" idx="2"/>
+            </p:cNvCxnSpPr>
+            <p:nvPr/>
+          </p:nvCxnSpPr>
+          <p:spPr>
+            <a:xfrm flipV="1">
+              <a:off x="2577163" y="734077"/>
+              <a:ext cx="1254546" cy="39389"/>
+            </a:xfrm>
+            <a:prstGeom prst="straightConnector1">
+              <a:avLst/>
+            </a:prstGeom>
+            <a:ln>
+              <a:tailEnd type="triangle"/>
+            </a:ln>
+          </p:spPr>
+          <p:style>
+            <a:lnRef idx="1">
+              <a:schemeClr val="accent1"/>
+            </a:lnRef>
+            <a:fillRef idx="0">
+              <a:schemeClr val="accent1"/>
+            </a:fillRef>
+            <a:effectRef idx="0">
+              <a:schemeClr val="accent1"/>
+            </a:effectRef>
+            <a:fontRef idx="minor">
+              <a:schemeClr val="tx1"/>
+            </a:fontRef>
+          </p:style>
+        </p:cxnSp>
+        <p:cxnSp>
+          <p:nvCxnSpPr>
+            <p:cNvPr id="102" name="Straight Arrow Connector 101"/>
+            <p:cNvCxnSpPr>
+              <a:stCxn id="219" idx="1"/>
+              <a:endCxn id="225" idx="3"/>
+            </p:cNvCxnSpPr>
+            <p:nvPr/>
+          </p:nvCxnSpPr>
+          <p:spPr>
+            <a:xfrm flipH="1">
+              <a:off x="2145379" y="773466"/>
+              <a:ext cx="431784" cy="269167"/>
+            </a:xfrm>
+            <a:prstGeom prst="straightConnector1">
+              <a:avLst/>
+            </a:prstGeom>
+            <a:ln>
+              <a:tailEnd type="triangle"/>
+            </a:ln>
+          </p:spPr>
+          <p:style>
+            <a:lnRef idx="1">
+              <a:schemeClr val="accent1"/>
+            </a:lnRef>
+            <a:fillRef idx="0">
+              <a:schemeClr val="accent1"/>
+            </a:fillRef>
+            <a:effectRef idx="0">
+              <a:schemeClr val="accent1"/>
+            </a:effectRef>
+            <a:fontRef idx="minor">
+              <a:schemeClr val="tx1"/>
+            </a:fontRef>
+          </p:style>
+        </p:cxnSp>
+        <p:cxnSp>
+          <p:nvCxnSpPr>
+            <p:cNvPr id="104" name="Straight Arrow Connector 103"/>
+            <p:cNvCxnSpPr>
+              <a:stCxn id="219" idx="1"/>
+              <a:endCxn id="230" idx="0"/>
+            </p:cNvCxnSpPr>
+            <p:nvPr/>
+          </p:nvCxnSpPr>
+          <p:spPr>
+            <a:xfrm flipH="1">
+              <a:off x="1702708" y="773466"/>
+              <a:ext cx="874455" cy="103679"/>
+            </a:xfrm>
+            <a:prstGeom prst="straightConnector1">
+              <a:avLst/>
+            </a:prstGeom>
+            <a:ln>
+              <a:tailEnd type="triangle"/>
+            </a:ln>
+          </p:spPr>
+          <p:style>
+            <a:lnRef idx="1">
+              <a:schemeClr val="accent1"/>
+            </a:lnRef>
+            <a:fillRef idx="0">
+              <a:schemeClr val="accent1"/>
+            </a:fillRef>
+            <a:effectRef idx="0">
+              <a:schemeClr val="accent1"/>
+            </a:effectRef>
+            <a:fontRef idx="minor">
+              <a:schemeClr val="tx1"/>
+            </a:fontRef>
+          </p:style>
+        </p:cxnSp>
+        <p:cxnSp>
+          <p:nvCxnSpPr>
+            <p:cNvPr id="109" name="Straight Arrow Connector 108"/>
+            <p:cNvCxnSpPr>
+              <a:stCxn id="262" idx="3"/>
+              <a:endCxn id="269" idx="1"/>
+            </p:cNvCxnSpPr>
+            <p:nvPr/>
+          </p:nvCxnSpPr>
+          <p:spPr>
+            <a:xfrm flipH="1" flipV="1">
+              <a:off x="1927977" y="5561881"/>
+              <a:ext cx="466052" cy="307263"/>
+            </a:xfrm>
+            <a:prstGeom prst="straightConnector1">
+              <a:avLst/>
+            </a:prstGeom>
+            <a:ln>
+              <a:tailEnd type="triangle"/>
+            </a:ln>
+          </p:spPr>
+          <p:style>
+            <a:lnRef idx="1">
+              <a:schemeClr val="accent1"/>
+            </a:lnRef>
+            <a:fillRef idx="0">
+              <a:schemeClr val="accent1"/>
+            </a:fillRef>
+            <a:effectRef idx="0">
+              <a:schemeClr val="accent1"/>
+            </a:effectRef>
+            <a:fontRef idx="minor">
+              <a:schemeClr val="tx1"/>
+            </a:fontRef>
+          </p:style>
+        </p:cxnSp>
+        <p:cxnSp>
+          <p:nvCxnSpPr>
+            <p:cNvPr id="110" name="Straight Arrow Connector 109"/>
+            <p:cNvCxnSpPr>
+              <a:stCxn id="262" idx="3"/>
+              <a:endCxn id="271" idx="1"/>
+            </p:cNvCxnSpPr>
+            <p:nvPr/>
+          </p:nvCxnSpPr>
+          <p:spPr>
+            <a:xfrm flipV="1">
+              <a:off x="2394029" y="5578909"/>
+              <a:ext cx="1607716" cy="290235"/>
+            </a:xfrm>
+            <a:prstGeom prst="straightConnector1">
+              <a:avLst/>
+            </a:prstGeom>
+            <a:ln>
+              <a:tailEnd type="triangle"/>
+            </a:ln>
+          </p:spPr>
+          <p:style>
+            <a:lnRef idx="1">
+              <a:schemeClr val="accent1"/>
+            </a:lnRef>
+            <a:fillRef idx="0">
+              <a:schemeClr val="accent1"/>
+            </a:fillRef>
+            <a:effectRef idx="0">
+              <a:schemeClr val="accent1"/>
+            </a:effectRef>
+            <a:fontRef idx="minor">
+              <a:schemeClr val="tx1"/>
+            </a:fontRef>
+          </p:style>
+        </p:cxnSp>
+        <p:cxnSp>
+          <p:nvCxnSpPr>
+            <p:cNvPr id="112" name="Straight Arrow Connector 111"/>
+            <p:cNvCxnSpPr>
+              <a:stCxn id="262" idx="2"/>
+              <a:endCxn id="267" idx="1"/>
+            </p:cNvCxnSpPr>
+            <p:nvPr/>
+          </p:nvCxnSpPr>
+          <p:spPr>
+            <a:xfrm flipH="1" flipV="1">
+              <a:off x="663877" y="6260958"/>
+              <a:ext cx="908329" cy="13104"/>
+            </a:xfrm>
+            <a:prstGeom prst="straightConnector1">
+              <a:avLst/>
+            </a:prstGeom>
+            <a:ln>
+              <a:tailEnd type="triangle"/>
+            </a:ln>
+          </p:spPr>
+          <p:style>
+            <a:lnRef idx="1">
+              <a:schemeClr val="accent1"/>
+            </a:lnRef>
+            <a:fillRef idx="0">
+              <a:schemeClr val="accent1"/>
+            </a:fillRef>
+            <a:effectRef idx="0">
+              <a:schemeClr val="accent1"/>
+            </a:effectRef>
+            <a:fontRef idx="minor">
+              <a:schemeClr val="tx1"/>
+            </a:fontRef>
+          </p:style>
+        </p:cxnSp>
+        <p:cxnSp>
+          <p:nvCxnSpPr>
+            <p:cNvPr id="134" name="Straight Arrow Connector 133"/>
+            <p:cNvCxnSpPr>
+              <a:stCxn id="262" idx="0"/>
+              <a:endCxn id="274" idx="2"/>
+            </p:cNvCxnSpPr>
+            <p:nvPr/>
+          </p:nvCxnSpPr>
+          <p:spPr>
+            <a:xfrm flipV="1">
+              <a:off x="3219604" y="6272158"/>
+              <a:ext cx="591777" cy="1904"/>
+            </a:xfrm>
+            <a:prstGeom prst="straightConnector1">
+              <a:avLst/>
+            </a:prstGeom>
+            <a:ln>
+              <a:tailEnd type="triangle"/>
+            </a:ln>
+          </p:spPr>
+          <p:style>
+            <a:lnRef idx="1">
+              <a:schemeClr val="accent1"/>
+            </a:lnRef>
+            <a:fillRef idx="0">
+              <a:schemeClr val="accent1"/>
+            </a:fillRef>
+            <a:effectRef idx="0">
+              <a:schemeClr val="accent1"/>
+            </a:effectRef>
+            <a:fontRef idx="minor">
+              <a:schemeClr val="tx1"/>
+            </a:fontRef>
+          </p:style>
+        </p:cxnSp>
+        <p:cxnSp>
+          <p:nvCxnSpPr>
+            <p:cNvPr id="163" name="Straight Arrow Connector 162"/>
+            <p:cNvCxnSpPr>
+              <a:stCxn id="289" idx="3"/>
+              <a:endCxn id="287" idx="1"/>
+            </p:cNvCxnSpPr>
+            <p:nvPr/>
+          </p:nvCxnSpPr>
+          <p:spPr>
+            <a:xfrm>
+              <a:off x="6560008" y="5977342"/>
+              <a:ext cx="1697553" cy="174098"/>
+            </a:xfrm>
+            <a:prstGeom prst="straightConnector1">
+              <a:avLst/>
+            </a:prstGeom>
+            <a:ln>
+              <a:tailEnd type="triangle"/>
+            </a:ln>
+          </p:spPr>
+          <p:style>
+            <a:lnRef idx="1">
+              <a:schemeClr val="accent1"/>
+            </a:lnRef>
+            <a:fillRef idx="0">
+              <a:schemeClr val="accent1"/>
+            </a:fillRef>
+            <a:effectRef idx="0">
+              <a:schemeClr val="accent1"/>
+            </a:effectRef>
+            <a:fontRef idx="minor">
+              <a:schemeClr val="tx1"/>
+            </a:fontRef>
+          </p:style>
+        </p:cxnSp>
+        <p:cxnSp>
+          <p:nvCxnSpPr>
+            <p:cNvPr id="165" name="Straight Arrow Connector 164"/>
+            <p:cNvCxnSpPr>
+              <a:stCxn id="289" idx="3"/>
+              <a:endCxn id="284" idx="1"/>
+            </p:cNvCxnSpPr>
+            <p:nvPr/>
+          </p:nvCxnSpPr>
+          <p:spPr>
+            <a:xfrm flipV="1">
+              <a:off x="6560008" y="5422639"/>
+              <a:ext cx="874987" cy="554703"/>
+            </a:xfrm>
+            <a:prstGeom prst="straightConnector1">
+              <a:avLst/>
+            </a:prstGeom>
+            <a:ln>
+              <a:tailEnd type="triangle"/>
+            </a:ln>
+          </p:spPr>
+          <p:style>
+            <a:lnRef idx="1">
+              <a:schemeClr val="accent1"/>
+            </a:lnRef>
+            <a:fillRef idx="0">
+              <a:schemeClr val="accent1"/>
+            </a:fillRef>
+            <a:effectRef idx="0">
+              <a:schemeClr val="accent1"/>
+            </a:effectRef>
+            <a:fontRef idx="minor">
+              <a:schemeClr val="tx1"/>
+            </a:fontRef>
+          </p:style>
+        </p:cxnSp>
+        <p:cxnSp>
+          <p:nvCxnSpPr>
+            <p:cNvPr id="168" name="Straight Arrow Connector 167"/>
+            <p:cNvCxnSpPr>
+              <a:stCxn id="289" idx="3"/>
+              <a:endCxn id="281" idx="1"/>
+            </p:cNvCxnSpPr>
+            <p:nvPr/>
+          </p:nvCxnSpPr>
+          <p:spPr>
+            <a:xfrm flipH="1" flipV="1">
+              <a:off x="5999884" y="5622144"/>
+              <a:ext cx="560124" cy="355198"/>
+            </a:xfrm>
+            <a:prstGeom prst="straightConnector1">
+              <a:avLst/>
+            </a:prstGeom>
+            <a:ln>
+              <a:tailEnd type="triangle"/>
+            </a:ln>
+          </p:spPr>
+          <p:style>
+            <a:lnRef idx="1">
+              <a:schemeClr val="accent1"/>
+            </a:lnRef>
+            <a:fillRef idx="0">
+              <a:schemeClr val="accent1"/>
+            </a:fillRef>
+            <a:effectRef idx="0">
+              <a:schemeClr val="accent1"/>
+            </a:effectRef>
+            <a:fontRef idx="minor">
+              <a:schemeClr val="tx1"/>
+            </a:fontRef>
+          </p:style>
+        </p:cxnSp>
+        <p:cxnSp>
+          <p:nvCxnSpPr>
+            <p:cNvPr id="171" name="Straight Arrow Connector 170"/>
+            <p:cNvCxnSpPr>
+              <a:stCxn id="257" idx="1"/>
+              <a:endCxn id="243" idx="0"/>
+            </p:cNvCxnSpPr>
+            <p:nvPr/>
+          </p:nvCxnSpPr>
+          <p:spPr>
+            <a:xfrm flipH="1">
+              <a:off x="8086294" y="705872"/>
+              <a:ext cx="1276948" cy="140273"/>
+            </a:xfrm>
+            <a:prstGeom prst="straightConnector1">
+              <a:avLst/>
+            </a:prstGeom>
+            <a:ln>
+              <a:tailEnd type="triangle"/>
+            </a:ln>
+          </p:spPr>
+          <p:style>
+            <a:lnRef idx="1">
+              <a:schemeClr val="accent1"/>
+            </a:lnRef>
+            <a:fillRef idx="0">
+              <a:schemeClr val="accent1"/>
+            </a:fillRef>
+            <a:effectRef idx="0">
+              <a:schemeClr val="accent1"/>
+            </a:effectRef>
+            <a:fontRef idx="minor">
+              <a:schemeClr val="tx1"/>
+            </a:fontRef>
+          </p:style>
+        </p:cxnSp>
+        <p:cxnSp>
+          <p:nvCxnSpPr>
+            <p:cNvPr id="173" name="Straight Arrow Connector 172"/>
+            <p:cNvCxnSpPr>
+              <a:stCxn id="257" idx="1"/>
+              <a:endCxn id="245" idx="3"/>
+            </p:cNvCxnSpPr>
+            <p:nvPr/>
+          </p:nvCxnSpPr>
+          <p:spPr>
+            <a:xfrm flipH="1">
+              <a:off x="8800771" y="705872"/>
+              <a:ext cx="562471" cy="509244"/>
+            </a:xfrm>
+            <a:prstGeom prst="straightConnector1">
+              <a:avLst/>
+            </a:prstGeom>
+            <a:ln>
+              <a:tailEnd type="triangle"/>
+            </a:ln>
+          </p:spPr>
+          <p:style>
+            <a:lnRef idx="1">
+              <a:schemeClr val="accent1"/>
+            </a:lnRef>
+            <a:fillRef idx="0">
+              <a:schemeClr val="accent1"/>
+            </a:fillRef>
+            <a:effectRef idx="0">
+              <a:schemeClr val="accent1"/>
+            </a:effectRef>
+            <a:fontRef idx="minor">
+              <a:schemeClr val="tx1"/>
+            </a:fontRef>
+          </p:style>
+        </p:cxnSp>
+        <p:cxnSp>
+          <p:nvCxnSpPr>
+            <p:cNvPr id="175" name="Straight Arrow Connector 174"/>
+            <p:cNvCxnSpPr>
+              <a:stCxn id="257" idx="1"/>
+              <a:endCxn id="249" idx="3"/>
+            </p:cNvCxnSpPr>
+            <p:nvPr/>
+          </p:nvCxnSpPr>
+          <p:spPr>
+            <a:xfrm>
+              <a:off x="9363242" y="705872"/>
+              <a:ext cx="790628" cy="561932"/>
+            </a:xfrm>
+            <a:prstGeom prst="straightConnector1">
+              <a:avLst/>
+            </a:prstGeom>
+            <a:ln>
+              <a:tailEnd type="triangle"/>
+            </a:ln>
+          </p:spPr>
+          <p:style>
+            <a:lnRef idx="1">
+              <a:schemeClr val="accent1"/>
+            </a:lnRef>
+            <a:fillRef idx="0">
+              <a:schemeClr val="accent1"/>
+            </a:fillRef>
+            <a:effectRef idx="0">
+              <a:schemeClr val="accent1"/>
+            </a:effectRef>
+            <a:fontRef idx="minor">
+              <a:schemeClr val="tx1"/>
+            </a:fontRef>
+          </p:style>
+        </p:cxnSp>
+        <p:cxnSp>
+          <p:nvCxnSpPr>
+            <p:cNvPr id="177" name="Straight Arrow Connector 176"/>
+            <p:cNvCxnSpPr>
+              <a:stCxn id="257" idx="1"/>
+              <a:endCxn id="251" idx="3"/>
+            </p:cNvCxnSpPr>
+            <p:nvPr/>
+          </p:nvCxnSpPr>
+          <p:spPr>
+            <a:xfrm>
+              <a:off x="9363242" y="705872"/>
+              <a:ext cx="2101443" cy="312048"/>
+            </a:xfrm>
+            <a:prstGeom prst="straightConnector1">
+              <a:avLst/>
+            </a:prstGeom>
+            <a:ln>
+              <a:tailEnd type="triangle"/>
+            </a:ln>
+          </p:spPr>
+          <p:style>
+            <a:lnRef idx="1">
+              <a:schemeClr val="accent1"/>
+            </a:lnRef>
+            <a:fillRef idx="0">
+              <a:schemeClr val="accent1"/>
+            </a:fillRef>
+            <a:effectRef idx="0">
+              <a:schemeClr val="accent1"/>
+            </a:effectRef>
+            <a:fontRef idx="minor">
+              <a:schemeClr val="tx1"/>
+            </a:fontRef>
+          </p:style>
+        </p:cxnSp>
+        <p:cxnSp>
+          <p:nvCxnSpPr>
+            <p:cNvPr id="179" name="Straight Arrow Connector 178"/>
+            <p:cNvCxnSpPr>
+              <a:stCxn id="315" idx="3"/>
+              <a:endCxn id="293" idx="1"/>
+            </p:cNvCxnSpPr>
+            <p:nvPr/>
+          </p:nvCxnSpPr>
+          <p:spPr>
+            <a:xfrm flipH="1" flipV="1">
+              <a:off x="9608578" y="5888927"/>
+              <a:ext cx="1271510" cy="50990"/>
+            </a:xfrm>
+            <a:prstGeom prst="straightConnector1">
+              <a:avLst/>
+            </a:prstGeom>
+            <a:ln>
+              <a:tailEnd type="triangle"/>
+            </a:ln>
+          </p:spPr>
+          <p:style>
+            <a:lnRef idx="1">
+              <a:schemeClr val="accent1"/>
+            </a:lnRef>
+            <a:fillRef idx="0">
+              <a:schemeClr val="accent1"/>
+            </a:fillRef>
+            <a:effectRef idx="0">
+              <a:schemeClr val="accent1"/>
+            </a:effectRef>
+            <a:fontRef idx="minor">
+              <a:schemeClr val="tx1"/>
+            </a:fontRef>
+          </p:style>
+        </p:cxnSp>
+        <p:cxnSp>
+          <p:nvCxnSpPr>
+            <p:cNvPr id="181" name="Straight Arrow Connector 180"/>
+            <p:cNvCxnSpPr>
+              <a:stCxn id="315" idx="3"/>
+              <a:endCxn id="300" idx="1"/>
+            </p:cNvCxnSpPr>
+            <p:nvPr/>
+          </p:nvCxnSpPr>
+          <p:spPr>
+            <a:xfrm flipH="1" flipV="1">
+              <a:off x="10320644" y="5017168"/>
+              <a:ext cx="559444" cy="922749"/>
+            </a:xfrm>
+            <a:prstGeom prst="straightConnector1">
+              <a:avLst/>
+            </a:prstGeom>
+            <a:ln>
+              <a:tailEnd type="triangle"/>
+            </a:ln>
+          </p:spPr>
+          <p:style>
+            <a:lnRef idx="1">
+              <a:schemeClr val="accent1"/>
+            </a:lnRef>
+            <a:fillRef idx="0">
+              <a:schemeClr val="accent1"/>
+            </a:fillRef>
+            <a:effectRef idx="0">
+              <a:schemeClr val="accent1"/>
+            </a:effectRef>
+            <a:fontRef idx="minor">
+              <a:schemeClr val="tx1"/>
+            </a:fontRef>
+          </p:style>
+        </p:cxnSp>
+        <p:cxnSp>
+          <p:nvCxnSpPr>
+            <p:cNvPr id="183" name="Straight Arrow Connector 182"/>
+            <p:cNvCxnSpPr>
+              <a:stCxn id="315" idx="3"/>
+              <a:endCxn id="302" idx="1"/>
+            </p:cNvCxnSpPr>
+            <p:nvPr/>
+          </p:nvCxnSpPr>
+          <p:spPr>
+            <a:xfrm flipV="1">
+              <a:off x="10880088" y="5640428"/>
+              <a:ext cx="597130" cy="299489"/>
+            </a:xfrm>
+            <a:prstGeom prst="straightConnector1">
+              <a:avLst/>
+            </a:prstGeom>
+            <a:ln>
+              <a:tailEnd type="triangle"/>
+            </a:ln>
+          </p:spPr>
+          <p:style>
+            <a:lnRef idx="1">
+              <a:schemeClr val="accent1"/>
+            </a:lnRef>
+            <a:fillRef idx="0">
+              <a:schemeClr val="accent1"/>
+            </a:fillRef>
+            <a:effectRef idx="0">
+              <a:schemeClr val="accent1"/>
+            </a:effectRef>
+            <a:fontRef idx="minor">
+              <a:schemeClr val="tx1"/>
+            </a:fontRef>
+          </p:style>
+        </p:cxnSp>
+        <p:sp>
+          <p:nvSpPr>
+            <p:cNvPr id="219" name="Cloud 218"/>
+            <p:cNvSpPr/>
+            <p:nvPr/>
+          </p:nvSpPr>
+          <p:spPr>
+            <a:xfrm>
+              <a:off x="1752485" y="13397"/>
+              <a:ext cx="1649355" cy="760879"/>
+            </a:xfrm>
+            <a:prstGeom prst="cloud">
+              <a:avLst/>
+            </a:prstGeom>
+          </p:spPr>
+          <p:style>
+            <a:lnRef idx="0">
+              <a:schemeClr val="dk1"/>
+            </a:lnRef>
+            <a:fillRef idx="3">
+              <a:schemeClr val="dk1"/>
+            </a:fillRef>
+            <a:effectRef idx="3">
+              <a:schemeClr val="dk1"/>
+            </a:effectRef>
+            <a:fontRef idx="minor">
+              <a:schemeClr val="lt1"/>
+            </a:fontRef>
+          </p:style>
+          <p:txBody>
+            <a:bodyPr rtlCol="0" anchor="ctr"/>
+            <a:lstStyle/>
+            <a:p>
+              <a:pPr algn="ctr" eaLnBrk="0" fontAlgn="base" hangingPunct="0">
+                <a:spcBef>
+                  <a:spcPct val="0"/>
+                </a:spcBef>
+                <a:spcAft>
+                  <a:spcPct val="0"/>
+                </a:spcAft>
+              </a:pPr>
+              <a:r>
+                <a:rPr lang="en-US" altLang="en-US" sz="1200" b="1">
+                  <a:solidFill>
+                    <a:schemeClr val="bg1"/>
+                  </a:solidFill>
+                  <a:latin typeface="Times New Roman" panose="02020603050405020304" pitchFamily="18" charset="0"/>
+                  <a:ea typeface="Calibri" panose="020F0502020204030204" pitchFamily="34" charset="0"/>
+                  <a:cs typeface="Times New Roman" panose="02020603050405020304" pitchFamily="18" charset="0"/>
+                </a:rPr>
+                <a:t>No errors while used</a:t>
+              </a:r>
+            </a:p>
+          </p:txBody>
+        </p:sp>
+        <p:sp>
+          <p:nvSpPr>
+            <p:cNvPr id="225" name="Cloud 224"/>
+            <p:cNvSpPr/>
+            <p:nvPr/>
+          </p:nvSpPr>
+          <p:spPr>
+            <a:xfrm>
+              <a:off x="1304212" y="986671"/>
+              <a:ext cx="1682334" cy="978762"/>
+            </a:xfrm>
+            <a:prstGeom prst="cloud">
+              <a:avLst/>
+            </a:prstGeom>
+          </p:spPr>
+          <p:style>
+            <a:lnRef idx="0">
+              <a:schemeClr val="accent5"/>
+            </a:lnRef>
+            <a:fillRef idx="3">
+              <a:schemeClr val="accent5"/>
+            </a:fillRef>
+            <a:effectRef idx="3">
+              <a:schemeClr val="accent5"/>
+            </a:effectRef>
+            <a:fontRef idx="minor">
+              <a:schemeClr val="lt1"/>
+            </a:fontRef>
+          </p:style>
+          <p:txBody>
+            <a:bodyPr rtlCol="0" anchor="ctr"/>
+            <a:lstStyle/>
+            <a:p>
+              <a:pPr lvl="0" algn="ctr" eaLnBrk="0" fontAlgn="base" hangingPunct="0">
+                <a:spcBef>
+                  <a:spcPct val="0"/>
+                </a:spcBef>
+                <a:spcAft>
+                  <a:spcPct val="0"/>
+                </a:spcAft>
+              </a:pPr>
+              <a:r>
+                <a:rPr lang="en-US" altLang="en-US" sz="1200" b="1">
+                  <a:solidFill>
+                    <a:schemeClr val="tx1">
+                      <a:lumMod val="95000"/>
+                      <a:lumOff val="5000"/>
+                    </a:schemeClr>
+                  </a:solidFill>
+                  <a:latin typeface="Times New Roman" panose="02020603050405020304" pitchFamily="18" charset="0"/>
+                  <a:ea typeface="Calibri" panose="020F0502020204030204" pitchFamily="34" charset="0"/>
+                  <a:cs typeface="Times New Roman" panose="02020603050405020304" pitchFamily="18" charset="0"/>
+                </a:rPr>
+                <a:t>No errors in the processing of requests</a:t>
+              </a:r>
+              <a:endParaRPr lang="en-US" altLang="en-US">
+                <a:solidFill>
+                  <a:schemeClr val="tx1">
+                    <a:lumMod val="95000"/>
+                    <a:lumOff val="5000"/>
+                  </a:schemeClr>
+                </a:solidFill>
+                <a:latin typeface="Arial" panose="020B0604020202020204" pitchFamily="34" charset="0"/>
+              </a:endParaRPr>
+            </a:p>
+          </p:txBody>
+        </p:sp>
+        <p:sp>
+          <p:nvSpPr>
+            <p:cNvPr id="230" name="Cloud 229"/>
+            <p:cNvSpPr/>
+            <p:nvPr/>
+          </p:nvSpPr>
+          <p:spPr>
+            <a:xfrm>
+              <a:off x="72140" y="491790"/>
+              <a:ext cx="1631928" cy="770709"/>
+            </a:xfrm>
+            <a:prstGeom prst="cloud">
+              <a:avLst/>
+            </a:prstGeom>
+          </p:spPr>
+          <p:style>
+            <a:lnRef idx="0">
+              <a:schemeClr val="accent5"/>
+            </a:lnRef>
+            <a:fillRef idx="3">
+              <a:schemeClr val="accent5"/>
+            </a:fillRef>
+            <a:effectRef idx="3">
+              <a:schemeClr val="accent5"/>
+            </a:effectRef>
+            <a:fontRef idx="minor">
+              <a:schemeClr val="lt1"/>
+            </a:fontRef>
+          </p:style>
+          <p:txBody>
+            <a:bodyPr rtlCol="0" anchor="ctr"/>
+            <a:lstStyle/>
+            <a:p>
+              <a:pPr lvl="0" algn="ctr" eaLnBrk="0" fontAlgn="base" hangingPunct="0">
+                <a:spcBef>
+                  <a:spcPct val="0"/>
+                </a:spcBef>
+                <a:spcAft>
+                  <a:spcPct val="0"/>
+                </a:spcAft>
+              </a:pPr>
+              <a:r>
+                <a:rPr lang="en-US" altLang="en-US" sz="1200" b="1">
+                  <a:solidFill>
+                    <a:schemeClr val="tx1">
+                      <a:lumMod val="95000"/>
+                      <a:lumOff val="5000"/>
+                    </a:schemeClr>
+                  </a:solidFill>
+                  <a:latin typeface="Times New Roman" panose="02020603050405020304" pitchFamily="18" charset="0"/>
+                  <a:ea typeface="Calibri" panose="020F0502020204030204" pitchFamily="34" charset="0"/>
+                  <a:cs typeface="Times New Roman" panose="02020603050405020304" pitchFamily="18" charset="0"/>
+                </a:rPr>
+                <a:t>No stop error while using</a:t>
+              </a:r>
+              <a:endParaRPr lang="en-US" altLang="en-US">
+                <a:solidFill>
+                  <a:schemeClr val="tx1">
+                    <a:lumMod val="95000"/>
+                    <a:lumOff val="5000"/>
+                  </a:schemeClr>
+                </a:solidFill>
+                <a:latin typeface="Arial" panose="020B0604020202020204" pitchFamily="34" charset="0"/>
+              </a:endParaRPr>
+            </a:p>
+          </p:txBody>
+        </p:sp>
+        <p:sp>
+          <p:nvSpPr>
+            <p:cNvPr id="234" name="Cloud 233"/>
+            <p:cNvSpPr/>
+            <p:nvPr/>
+          </p:nvSpPr>
+          <p:spPr>
+            <a:xfrm>
+              <a:off x="3058887" y="1174921"/>
+              <a:ext cx="1332412" cy="613955"/>
+            </a:xfrm>
+            <a:prstGeom prst="cloud">
+              <a:avLst/>
+            </a:prstGeom>
+          </p:spPr>
+          <p:style>
+            <a:lnRef idx="0">
+              <a:schemeClr val="accent5"/>
+            </a:lnRef>
+            <a:fillRef idx="3">
+              <a:schemeClr val="accent5"/>
+            </a:fillRef>
+            <a:effectRef idx="3">
+              <a:schemeClr val="accent5"/>
+            </a:effectRef>
+            <a:fontRef idx="minor">
+              <a:schemeClr val="lt1"/>
+            </a:fontRef>
+          </p:style>
+          <p:txBody>
+            <a:bodyPr rtlCol="0" anchor="ctr"/>
+            <a:lstStyle/>
+            <a:p>
+              <a:pPr lvl="0" algn="ctr" eaLnBrk="0" fontAlgn="base" hangingPunct="0">
+                <a:spcBef>
+                  <a:spcPct val="0"/>
+                </a:spcBef>
+                <a:spcAft>
+                  <a:spcPct val="0"/>
+                </a:spcAft>
+              </a:pPr>
+              <a:r>
+                <a:rPr lang="en-US" altLang="en-US" sz="1200" b="1">
+                  <a:solidFill>
+                    <a:schemeClr val="tx1">
+                      <a:lumMod val="95000"/>
+                      <a:lumOff val="5000"/>
+                    </a:schemeClr>
+                  </a:solidFill>
+                  <a:latin typeface="Times New Roman" panose="02020603050405020304" pitchFamily="18" charset="0"/>
+                  <a:ea typeface="Calibri" panose="020F0502020204030204" pitchFamily="34" charset="0"/>
+                  <a:cs typeface="Times New Roman" panose="02020603050405020304" pitchFamily="18" charset="0"/>
+                </a:rPr>
+                <a:t>No logical errors</a:t>
+              </a:r>
+              <a:endParaRPr lang="en-US" altLang="en-US">
+                <a:solidFill>
+                  <a:schemeClr val="tx1">
+                    <a:lumMod val="95000"/>
+                    <a:lumOff val="5000"/>
+                  </a:schemeClr>
+                </a:solidFill>
+                <a:latin typeface="Arial" panose="020B0604020202020204" pitchFamily="34" charset="0"/>
+              </a:endParaRPr>
+            </a:p>
+          </p:txBody>
+        </p:sp>
+        <p:sp>
+          <p:nvSpPr>
+            <p:cNvPr id="236" name="Cloud 235"/>
+            <p:cNvSpPr/>
+            <p:nvPr/>
+          </p:nvSpPr>
+          <p:spPr>
+            <a:xfrm>
+              <a:off x="3826152" y="322597"/>
+              <a:ext cx="1791509" cy="822960"/>
+            </a:xfrm>
+            <a:prstGeom prst="cloud">
+              <a:avLst/>
+            </a:prstGeom>
+          </p:spPr>
+          <p:style>
+            <a:lnRef idx="0">
+              <a:schemeClr val="accent5"/>
+            </a:lnRef>
+            <a:fillRef idx="3">
+              <a:schemeClr val="accent5"/>
+            </a:fillRef>
+            <a:effectRef idx="3">
+              <a:schemeClr val="accent5"/>
+            </a:effectRef>
+            <a:fontRef idx="minor">
+              <a:schemeClr val="lt1"/>
+            </a:fontRef>
+          </p:style>
+          <p:txBody>
+            <a:bodyPr rtlCol="0" anchor="ctr"/>
+            <a:lstStyle/>
+            <a:p>
+              <a:pPr lvl="0" algn="ctr" eaLnBrk="0" fontAlgn="base" hangingPunct="0">
+                <a:spcBef>
+                  <a:spcPct val="0"/>
+                </a:spcBef>
+                <a:spcAft>
+                  <a:spcPct val="0"/>
+                </a:spcAft>
+              </a:pPr>
+              <a:r>
+                <a:rPr lang="en-US" altLang="en-US" sz="1200" b="1">
+                  <a:solidFill>
+                    <a:schemeClr val="tx1">
+                      <a:lumMod val="95000"/>
+                      <a:lumOff val="5000"/>
+                    </a:schemeClr>
+                  </a:solidFill>
+                  <a:latin typeface="Times New Roman" panose="02020603050405020304" pitchFamily="18" charset="0"/>
+                  <a:ea typeface="Calibri" panose="020F0502020204030204" pitchFamily="34" charset="0"/>
+                  <a:cs typeface="Times New Roman" panose="02020603050405020304" pitchFamily="18" charset="0"/>
+                </a:rPr>
+                <a:t>Control support exception</a:t>
+              </a:r>
+              <a:endParaRPr lang="en-US" altLang="en-US">
+                <a:solidFill>
+                  <a:schemeClr val="tx1">
+                    <a:lumMod val="95000"/>
+                    <a:lumOff val="5000"/>
+                  </a:schemeClr>
+                </a:solidFill>
+                <a:latin typeface="Arial" panose="020B0604020202020204" pitchFamily="34" charset="0"/>
+              </a:endParaRPr>
+            </a:p>
+          </p:txBody>
+        </p:sp>
+        <p:sp>
+          <p:nvSpPr>
+            <p:cNvPr id="243" name="Cloud 242"/>
+            <p:cNvSpPr/>
+            <p:nvPr/>
+          </p:nvSpPr>
+          <p:spPr>
+            <a:xfrm>
+              <a:off x="6537590" y="337824"/>
+              <a:ext cx="1549996" cy="1016641"/>
+            </a:xfrm>
+            <a:prstGeom prst="cloud">
+              <a:avLst/>
+            </a:prstGeom>
+          </p:spPr>
+          <p:style>
+            <a:lnRef idx="0">
+              <a:schemeClr val="accent5"/>
+            </a:lnRef>
+            <a:fillRef idx="3">
+              <a:schemeClr val="accent5"/>
+            </a:fillRef>
+            <a:effectRef idx="3">
+              <a:schemeClr val="accent5"/>
+            </a:effectRef>
+            <a:fontRef idx="minor">
+              <a:schemeClr val="lt1"/>
+            </a:fontRef>
+          </p:style>
+          <p:txBody>
+            <a:bodyPr rtlCol="0" anchor="ctr"/>
+            <a:lstStyle/>
+            <a:p>
+              <a:pPr lvl="0" algn="ctr" eaLnBrk="0" fontAlgn="base" hangingPunct="0">
+                <a:spcBef>
+                  <a:spcPct val="0"/>
+                </a:spcBef>
+                <a:spcAft>
+                  <a:spcPct val="0"/>
+                </a:spcAft>
+              </a:pPr>
+              <a:r>
+                <a:rPr lang="en-US" altLang="en-US" sz="1200" b="1">
+                  <a:solidFill>
+                    <a:schemeClr val="tx1">
+                      <a:lumMod val="95000"/>
+                      <a:lumOff val="5000"/>
+                    </a:schemeClr>
+                  </a:solidFill>
+                  <a:latin typeface="Times New Roman" panose="02020603050405020304" pitchFamily="18" charset="0"/>
+                  <a:ea typeface="Calibri" panose="020F0502020204030204" pitchFamily="34" charset="0"/>
+                  <a:cs typeface="Times New Roman" panose="02020603050405020304" pitchFamily="18" charset="0"/>
+                </a:rPr>
+                <a:t>Member personal information security</a:t>
+              </a:r>
+              <a:endParaRPr lang="en-US" altLang="en-US" sz="1100">
+                <a:solidFill>
+                  <a:schemeClr val="tx1">
+                    <a:lumMod val="95000"/>
+                    <a:lumOff val="5000"/>
+                  </a:schemeClr>
+                </a:solidFill>
+              </a:endParaRPr>
+            </a:p>
+          </p:txBody>
+        </p:sp>
+        <p:sp>
+          <p:nvSpPr>
+            <p:cNvPr id="245" name="Cloud 244"/>
+            <p:cNvSpPr/>
+            <p:nvPr/>
+          </p:nvSpPr>
+          <p:spPr>
+            <a:xfrm>
+              <a:off x="7995605" y="1162834"/>
+              <a:ext cx="1610332" cy="914400"/>
+            </a:xfrm>
+            <a:prstGeom prst="cloud">
+              <a:avLst/>
+            </a:prstGeom>
+          </p:spPr>
+          <p:style>
+            <a:lnRef idx="0">
+              <a:schemeClr val="accent5"/>
+            </a:lnRef>
+            <a:fillRef idx="3">
+              <a:schemeClr val="accent5"/>
+            </a:fillRef>
+            <a:effectRef idx="3">
+              <a:schemeClr val="accent5"/>
+            </a:effectRef>
+            <a:fontRef idx="minor">
+              <a:schemeClr val="lt1"/>
+            </a:fontRef>
+          </p:style>
+          <p:txBody>
+            <a:bodyPr rtlCol="0" anchor="ctr"/>
+            <a:lstStyle/>
+            <a:p>
+              <a:pPr lvl="0" algn="ctr" eaLnBrk="0" fontAlgn="base" hangingPunct="0">
+                <a:spcBef>
+                  <a:spcPct val="0"/>
+                </a:spcBef>
+                <a:spcAft>
+                  <a:spcPct val="0"/>
+                </a:spcAft>
+              </a:pPr>
+              <a:r>
+                <a:rPr lang="en-US" altLang="en-US" sz="1200" b="1">
+                  <a:solidFill>
+                    <a:schemeClr val="tx1">
+                      <a:lumMod val="95000"/>
+                      <a:lumOff val="5000"/>
+                    </a:schemeClr>
+                  </a:solidFill>
+                  <a:latin typeface="Times New Roman" panose="02020603050405020304" pitchFamily="18" charset="0"/>
+                  <a:ea typeface="Calibri" panose="020F0502020204030204" pitchFamily="34" charset="0"/>
+                  <a:cs typeface="Times New Roman" panose="02020603050405020304" pitchFamily="18" charset="0"/>
+                </a:rPr>
+                <a:t>Project information security</a:t>
+              </a:r>
+              <a:endParaRPr lang="en-US" altLang="en-US" sz="1100">
+                <a:solidFill>
+                  <a:schemeClr val="tx1">
+                    <a:lumMod val="95000"/>
+                    <a:lumOff val="5000"/>
+                  </a:schemeClr>
+                </a:solidFill>
+              </a:endParaRPr>
+            </a:p>
+          </p:txBody>
+        </p:sp>
+        <p:sp>
+          <p:nvSpPr>
+            <p:cNvPr id="249" name="Cloud 248"/>
+            <p:cNvSpPr/>
+            <p:nvPr/>
+          </p:nvSpPr>
+          <p:spPr>
+            <a:xfrm>
+              <a:off x="9649210" y="1223198"/>
+              <a:ext cx="1009319" cy="780147"/>
+            </a:xfrm>
+            <a:prstGeom prst="cloud">
+              <a:avLst/>
+            </a:prstGeom>
+          </p:spPr>
+          <p:style>
+            <a:lnRef idx="0">
+              <a:schemeClr val="accent5"/>
+            </a:lnRef>
+            <a:fillRef idx="3">
+              <a:schemeClr val="accent5"/>
+            </a:fillRef>
+            <a:effectRef idx="3">
+              <a:schemeClr val="accent5"/>
+            </a:effectRef>
+            <a:fontRef idx="minor">
+              <a:schemeClr val="lt1"/>
+            </a:fontRef>
+          </p:style>
+          <p:txBody>
+            <a:bodyPr rtlCol="0" anchor="ctr"/>
+            <a:lstStyle/>
+            <a:p>
+              <a:pPr lvl="0" algn="ctr" eaLnBrk="0" fontAlgn="base" hangingPunct="0">
+                <a:spcBef>
+                  <a:spcPct val="0"/>
+                </a:spcBef>
+                <a:spcAft>
+                  <a:spcPct val="0"/>
+                </a:spcAft>
+              </a:pPr>
+              <a:r>
+                <a:rPr lang="en-US" altLang="en-US" sz="1200" b="1">
+                  <a:solidFill>
+                    <a:schemeClr val="tx1">
+                      <a:lumMod val="95000"/>
+                      <a:lumOff val="5000"/>
+                    </a:schemeClr>
+                  </a:solidFill>
+                  <a:latin typeface="Times New Roman" panose="02020603050405020304" pitchFamily="18" charset="0"/>
+                  <a:ea typeface="Calibri" panose="020F0502020204030204" pitchFamily="34" charset="0"/>
+                  <a:cs typeface="Times New Roman" panose="02020603050405020304" pitchFamily="18" charset="0"/>
+                </a:rPr>
+                <a:t>Check login</a:t>
+              </a:r>
+              <a:endParaRPr lang="en-US" altLang="en-US">
+                <a:solidFill>
+                  <a:schemeClr val="tx1">
+                    <a:lumMod val="95000"/>
+                    <a:lumOff val="5000"/>
+                  </a:schemeClr>
+                </a:solidFill>
+                <a:latin typeface="Arial" panose="020B0604020202020204" pitchFamily="34" charset="0"/>
+              </a:endParaRPr>
+            </a:p>
+          </p:txBody>
+        </p:sp>
+        <p:sp>
+          <p:nvSpPr>
+            <p:cNvPr id="251" name="Cloud 250"/>
+            <p:cNvSpPr/>
+            <p:nvPr/>
+          </p:nvSpPr>
+          <p:spPr>
+            <a:xfrm>
+              <a:off x="10812139" y="965638"/>
+              <a:ext cx="1305092" cy="914400"/>
+            </a:xfrm>
+            <a:prstGeom prst="cloud">
+              <a:avLst/>
+            </a:prstGeom>
+          </p:spPr>
+          <p:style>
+            <a:lnRef idx="0">
+              <a:schemeClr val="accent5"/>
+            </a:lnRef>
+            <a:fillRef idx="3">
+              <a:schemeClr val="accent5"/>
+            </a:fillRef>
+            <a:effectRef idx="3">
+              <a:schemeClr val="accent5"/>
+            </a:effectRef>
+            <a:fontRef idx="minor">
+              <a:schemeClr val="lt1"/>
+            </a:fontRef>
+          </p:style>
+          <p:txBody>
+            <a:bodyPr rtlCol="0" anchor="ctr"/>
+            <a:lstStyle/>
+            <a:p>
+              <a:pPr lvl="0" algn="ctr" eaLnBrk="0" fontAlgn="base" hangingPunct="0">
+                <a:spcBef>
+                  <a:spcPct val="0"/>
+                </a:spcBef>
+                <a:spcAft>
+                  <a:spcPct val="0"/>
+                </a:spcAft>
+              </a:pPr>
+              <a:r>
+                <a:rPr lang="en-US" altLang="en-US" sz="1200" b="1">
+                  <a:solidFill>
+                    <a:schemeClr val="tx1">
+                      <a:lumMod val="95000"/>
+                      <a:lumOff val="5000"/>
+                    </a:schemeClr>
+                  </a:solidFill>
+                  <a:latin typeface="Times New Roman" panose="02020603050405020304" pitchFamily="18" charset="0"/>
+                  <a:ea typeface="Calibri" panose="020F0502020204030204" pitchFamily="34" charset="0"/>
+                  <a:cs typeface="Times New Roman" panose="02020603050405020304" pitchFamily="18" charset="0"/>
+                </a:rPr>
+                <a:t>Database security</a:t>
+              </a:r>
+              <a:endParaRPr lang="en-US" altLang="en-US">
+                <a:solidFill>
+                  <a:schemeClr val="tx1">
+                    <a:lumMod val="95000"/>
+                    <a:lumOff val="5000"/>
+                  </a:schemeClr>
+                </a:solidFill>
+                <a:latin typeface="Arial" panose="020B0604020202020204" pitchFamily="34" charset="0"/>
+              </a:endParaRPr>
+            </a:p>
+          </p:txBody>
+        </p:sp>
+        <p:sp>
+          <p:nvSpPr>
+            <p:cNvPr id="257" name="Cloud 256"/>
+            <p:cNvSpPr/>
+            <p:nvPr/>
+          </p:nvSpPr>
+          <p:spPr>
+            <a:xfrm>
+              <a:off x="8503462" y="37226"/>
+              <a:ext cx="1719560" cy="669359"/>
+            </a:xfrm>
+            <a:prstGeom prst="cloud">
+              <a:avLst/>
+            </a:prstGeom>
+          </p:spPr>
+          <p:style>
+            <a:lnRef idx="0">
+              <a:schemeClr val="dk1"/>
+            </a:lnRef>
+            <a:fillRef idx="3">
+              <a:schemeClr val="dk1"/>
+            </a:fillRef>
+            <a:effectRef idx="3">
+              <a:schemeClr val="dk1"/>
+            </a:effectRef>
+            <a:fontRef idx="minor">
+              <a:schemeClr val="lt1"/>
+            </a:fontRef>
+          </p:style>
+          <p:txBody>
+            <a:bodyPr rtlCol="0" anchor="ctr"/>
+            <a:lstStyle/>
+            <a:p>
+              <a:pPr lvl="0" algn="ctr" eaLnBrk="0" fontAlgn="base" hangingPunct="0">
+                <a:spcBef>
+                  <a:spcPct val="0"/>
+                </a:spcBef>
+                <a:spcAft>
+                  <a:spcPct val="0"/>
+                </a:spcAft>
+              </a:pPr>
+              <a:r>
+                <a:rPr lang="en-US" altLang="en-US" sz="1200" b="1">
+                  <a:solidFill>
+                    <a:prstClr val="white"/>
+                  </a:solidFill>
+                  <a:latin typeface="Times New Roman" panose="02020603050405020304" pitchFamily="18" charset="0"/>
+                  <a:ea typeface="Calibri" panose="020F0502020204030204" pitchFamily="34" charset="0"/>
+                  <a:cs typeface="Times New Roman" panose="02020603050405020304" pitchFamily="18" charset="0"/>
+                </a:rPr>
+                <a:t>Information security</a:t>
+              </a:r>
+              <a:endParaRPr lang="en-US" altLang="en-US">
+                <a:solidFill>
+                  <a:prstClr val="white"/>
+                </a:solidFill>
+                <a:latin typeface="Arial" panose="020B0604020202020204" pitchFamily="34" charset="0"/>
+              </a:endParaRPr>
+            </a:p>
+          </p:txBody>
+        </p:sp>
+        <p:sp>
+          <p:nvSpPr>
+            <p:cNvPr id="262" name="Cloud 261"/>
+            <p:cNvSpPr/>
+            <p:nvPr/>
+          </p:nvSpPr>
+          <p:spPr>
+            <a:xfrm>
+              <a:off x="1567076" y="5816862"/>
+              <a:ext cx="1653906" cy="914400"/>
+            </a:xfrm>
+            <a:prstGeom prst="cloud">
+              <a:avLst/>
+            </a:prstGeom>
+          </p:spPr>
+          <p:style>
+            <a:lnRef idx="0">
+              <a:schemeClr val="dk1"/>
+            </a:lnRef>
+            <a:fillRef idx="3">
+              <a:schemeClr val="dk1"/>
+            </a:fillRef>
+            <a:effectRef idx="3">
+              <a:schemeClr val="dk1"/>
+            </a:effectRef>
+            <a:fontRef idx="minor">
+              <a:schemeClr val="lt1"/>
+            </a:fontRef>
+          </p:style>
+          <p:txBody>
+            <a:bodyPr rtlCol="0" anchor="ctr"/>
+            <a:lstStyle/>
+            <a:p>
+              <a:pPr lvl="0" algn="ctr" eaLnBrk="0" fontAlgn="base" hangingPunct="0">
+                <a:spcBef>
+                  <a:spcPct val="0"/>
+                </a:spcBef>
+                <a:spcAft>
+                  <a:spcPct val="0"/>
+                </a:spcAft>
+              </a:pPr>
+              <a:r>
+                <a:rPr lang="en-US" altLang="en-US" sz="1200" b="1">
+                  <a:solidFill>
+                    <a:prstClr val="white"/>
+                  </a:solidFill>
+                  <a:latin typeface="Times New Roman" panose="02020603050405020304" pitchFamily="18" charset="0"/>
+                  <a:ea typeface="Calibri" panose="020F0502020204030204" pitchFamily="34" charset="0"/>
+                  <a:cs typeface="Times New Roman" panose="02020603050405020304" pitchFamily="18" charset="0"/>
+                </a:rPr>
+                <a:t>Low Development Cost</a:t>
+              </a:r>
+              <a:endParaRPr lang="en-US" altLang="en-US" sz="1100">
+                <a:solidFill>
+                  <a:prstClr val="white"/>
+                </a:solidFill>
+              </a:endParaRPr>
+            </a:p>
+          </p:txBody>
+        </p:sp>
+        <p:sp>
+          <p:nvSpPr>
+            <p:cNvPr id="267" name="Cloud 266"/>
+            <p:cNvSpPr/>
+            <p:nvPr/>
+          </p:nvSpPr>
+          <p:spPr>
+            <a:xfrm>
+              <a:off x="-31371" y="5554894"/>
+              <a:ext cx="1390496" cy="706817"/>
+            </a:xfrm>
+            <a:prstGeom prst="cloud">
+              <a:avLst/>
+            </a:prstGeom>
+          </p:spPr>
+          <p:style>
+            <a:lnRef idx="0">
+              <a:schemeClr val="accent5"/>
+            </a:lnRef>
+            <a:fillRef idx="3">
+              <a:schemeClr val="accent5"/>
+            </a:fillRef>
+            <a:effectRef idx="3">
+              <a:schemeClr val="accent5"/>
+            </a:effectRef>
+            <a:fontRef idx="minor">
+              <a:schemeClr val="lt1"/>
+            </a:fontRef>
+          </p:style>
+          <p:txBody>
+            <a:bodyPr rtlCol="0" anchor="ctr"/>
+            <a:lstStyle/>
+            <a:p>
+              <a:pPr lvl="0" algn="ctr" eaLnBrk="0" fontAlgn="base" hangingPunct="0">
+                <a:spcBef>
+                  <a:spcPct val="0"/>
+                </a:spcBef>
+                <a:spcAft>
+                  <a:spcPct val="0"/>
+                </a:spcAft>
+              </a:pPr>
+              <a:r>
+                <a:rPr lang="en-US" altLang="en-US" sz="1200" b="1">
+                  <a:solidFill>
+                    <a:schemeClr val="tx1">
+                      <a:lumMod val="95000"/>
+                      <a:lumOff val="5000"/>
+                    </a:schemeClr>
+                  </a:solidFill>
+                  <a:latin typeface="Times New Roman" panose="02020603050405020304" pitchFamily="18" charset="0"/>
+                  <a:ea typeface="Calibri" panose="020F0502020204030204" pitchFamily="34" charset="0"/>
+                  <a:cs typeface="Times New Roman" panose="02020603050405020304" pitchFamily="18" charset="0"/>
+                </a:rPr>
+                <a:t>Low data storage costs </a:t>
+              </a:r>
+              <a:endParaRPr lang="en-US" altLang="en-US" sz="1100">
+                <a:solidFill>
+                  <a:schemeClr val="tx1">
+                    <a:lumMod val="95000"/>
+                    <a:lumOff val="5000"/>
+                  </a:schemeClr>
+                </a:solidFill>
+              </a:endParaRPr>
+            </a:p>
+          </p:txBody>
+        </p:sp>
+        <p:sp>
+          <p:nvSpPr>
+            <p:cNvPr id="269" name="Cloud 268"/>
+            <p:cNvSpPr/>
+            <p:nvPr/>
+          </p:nvSpPr>
+          <p:spPr>
+            <a:xfrm>
+              <a:off x="1086810" y="4806068"/>
+              <a:ext cx="1682334" cy="756619"/>
+            </a:xfrm>
+            <a:prstGeom prst="cloud">
+              <a:avLst/>
+            </a:prstGeom>
+          </p:spPr>
+          <p:style>
+            <a:lnRef idx="0">
+              <a:schemeClr val="accent5"/>
+            </a:lnRef>
+            <a:fillRef idx="3">
+              <a:schemeClr val="accent5"/>
+            </a:fillRef>
+            <a:effectRef idx="3">
+              <a:schemeClr val="accent5"/>
+            </a:effectRef>
+            <a:fontRef idx="minor">
+              <a:schemeClr val="lt1"/>
+            </a:fontRef>
+          </p:style>
+          <p:txBody>
+            <a:bodyPr rtlCol="0" anchor="ctr"/>
+            <a:lstStyle/>
+            <a:p>
+              <a:pPr lvl="0" algn="ctr" eaLnBrk="0" fontAlgn="base" hangingPunct="0">
+                <a:spcBef>
+                  <a:spcPct val="0"/>
+                </a:spcBef>
+                <a:spcAft>
+                  <a:spcPct val="0"/>
+                </a:spcAft>
+              </a:pPr>
+              <a:r>
+                <a:rPr lang="en-US" altLang="en-US" sz="1200" b="1">
+                  <a:solidFill>
+                    <a:schemeClr val="tx1">
+                      <a:lumMod val="95000"/>
+                      <a:lumOff val="5000"/>
+                    </a:schemeClr>
+                  </a:solidFill>
+                  <a:latin typeface="Times New Roman" panose="02020603050405020304" pitchFamily="18" charset="0"/>
+                  <a:ea typeface="Calibri" panose="020F0502020204030204" pitchFamily="34" charset="0"/>
+                  <a:cs typeface="Times New Roman" panose="02020603050405020304" pitchFamily="18" charset="0"/>
+                </a:rPr>
+                <a:t>Low construction system costs</a:t>
+              </a:r>
+              <a:endParaRPr lang="en-US" altLang="en-US" sz="1100">
+                <a:solidFill>
+                  <a:schemeClr val="tx1">
+                    <a:lumMod val="95000"/>
+                    <a:lumOff val="5000"/>
+                  </a:schemeClr>
+                </a:solidFill>
+              </a:endParaRPr>
+            </a:p>
+          </p:txBody>
+        </p:sp>
+        <p:sp>
+          <p:nvSpPr>
+            <p:cNvPr id="271" name="Cloud 270"/>
+            <p:cNvSpPr/>
+            <p:nvPr/>
+          </p:nvSpPr>
+          <p:spPr>
+            <a:xfrm>
+              <a:off x="3142345" y="4835119"/>
+              <a:ext cx="1718800" cy="744583"/>
+            </a:xfrm>
+            <a:prstGeom prst="cloud">
+              <a:avLst/>
+            </a:prstGeom>
+          </p:spPr>
+          <p:style>
+            <a:lnRef idx="0">
+              <a:schemeClr val="accent5"/>
+            </a:lnRef>
+            <a:fillRef idx="3">
+              <a:schemeClr val="accent5"/>
+            </a:fillRef>
+            <a:effectRef idx="3">
+              <a:schemeClr val="accent5"/>
+            </a:effectRef>
+            <a:fontRef idx="minor">
+              <a:schemeClr val="lt1"/>
+            </a:fontRef>
+          </p:style>
+          <p:txBody>
+            <a:bodyPr rtlCol="0" anchor="ctr"/>
+            <a:lstStyle/>
+            <a:p>
+              <a:pPr lvl="0" algn="ctr" eaLnBrk="0" fontAlgn="base" hangingPunct="0">
+                <a:spcBef>
+                  <a:spcPct val="0"/>
+                </a:spcBef>
+                <a:spcAft>
+                  <a:spcPct val="0"/>
+                </a:spcAft>
+              </a:pPr>
+              <a:r>
+                <a:rPr lang="en-US" altLang="en-US" sz="1200" b="1">
+                  <a:solidFill>
+                    <a:schemeClr val="tx1">
+                      <a:lumMod val="95000"/>
+                      <a:lumOff val="5000"/>
+                    </a:schemeClr>
+                  </a:solidFill>
+                  <a:latin typeface="Times New Roman" panose="02020603050405020304" pitchFamily="18" charset="0"/>
+                  <a:ea typeface="Calibri" panose="020F0502020204030204" pitchFamily="34" charset="0"/>
+                  <a:cs typeface="Times New Roman" panose="02020603050405020304" pitchFamily="18" charset="0"/>
+                </a:rPr>
+                <a:t>Low maintenance cost</a:t>
+              </a:r>
+              <a:endParaRPr lang="en-US" altLang="en-US" sz="1100">
+                <a:solidFill>
+                  <a:schemeClr val="tx1">
+                    <a:lumMod val="95000"/>
+                    <a:lumOff val="5000"/>
+                  </a:schemeClr>
+                </a:solidFill>
+              </a:endParaRPr>
+            </a:p>
+          </p:txBody>
+        </p:sp>
+        <p:sp>
+          <p:nvSpPr>
+            <p:cNvPr id="274" name="Cloud 273"/>
+            <p:cNvSpPr/>
+            <p:nvPr/>
+          </p:nvSpPr>
+          <p:spPr>
+            <a:xfrm>
+              <a:off x="3806337" y="5908302"/>
+              <a:ext cx="1626057" cy="727711"/>
+            </a:xfrm>
+            <a:prstGeom prst="cloud">
+              <a:avLst/>
+            </a:prstGeom>
+          </p:spPr>
+          <p:style>
+            <a:lnRef idx="0">
+              <a:schemeClr val="accent5"/>
+            </a:lnRef>
+            <a:fillRef idx="3">
+              <a:schemeClr val="accent5"/>
+            </a:fillRef>
+            <a:effectRef idx="3">
+              <a:schemeClr val="accent5"/>
+            </a:effectRef>
+            <a:fontRef idx="minor">
+              <a:schemeClr val="lt1"/>
+            </a:fontRef>
+          </p:style>
+          <p:txBody>
+            <a:bodyPr rtlCol="0" anchor="ctr"/>
+            <a:lstStyle/>
+            <a:p>
+              <a:pPr lvl="0" algn="ctr" eaLnBrk="0" fontAlgn="base" hangingPunct="0">
+                <a:spcBef>
+                  <a:spcPct val="0"/>
+                </a:spcBef>
+                <a:spcAft>
+                  <a:spcPct val="0"/>
+                </a:spcAft>
+              </a:pPr>
+              <a:r>
+                <a:rPr lang="en-US" altLang="en-US" sz="1200" b="1">
+                  <a:solidFill>
+                    <a:schemeClr val="tx1">
+                      <a:lumMod val="95000"/>
+                      <a:lumOff val="5000"/>
+                    </a:schemeClr>
+                  </a:solidFill>
+                  <a:latin typeface="Times New Roman" panose="02020603050405020304" pitchFamily="18" charset="0"/>
+                  <a:ea typeface="Calibri" panose="020F0502020204030204" pitchFamily="34" charset="0"/>
+                  <a:cs typeface="Times New Roman" panose="02020603050405020304" pitchFamily="18" charset="0"/>
+                </a:rPr>
+                <a:t>Low cost of using  process</a:t>
+              </a:r>
+              <a:endParaRPr lang="en-US" altLang="en-US" sz="1100">
+                <a:solidFill>
+                  <a:schemeClr val="tx1">
+                    <a:lumMod val="95000"/>
+                    <a:lumOff val="5000"/>
+                  </a:schemeClr>
+                </a:solidFill>
+              </a:endParaRPr>
+            </a:p>
+          </p:txBody>
+        </p:sp>
+        <p:sp>
+          <p:nvSpPr>
+            <p:cNvPr id="281" name="Cloud 280"/>
+            <p:cNvSpPr/>
+            <p:nvPr/>
+          </p:nvSpPr>
+          <p:spPr>
+            <a:xfrm>
+              <a:off x="5302327" y="4830779"/>
+              <a:ext cx="1395113" cy="792209"/>
+            </a:xfrm>
+            <a:prstGeom prst="cloud">
+              <a:avLst/>
+            </a:prstGeom>
+          </p:spPr>
+          <p:style>
+            <a:lnRef idx="0">
+              <a:schemeClr val="accent5"/>
+            </a:lnRef>
+            <a:fillRef idx="3">
+              <a:schemeClr val="accent5"/>
+            </a:fillRef>
+            <a:effectRef idx="3">
+              <a:schemeClr val="accent5"/>
+            </a:effectRef>
+            <a:fontRef idx="minor">
+              <a:schemeClr val="lt1"/>
+            </a:fontRef>
+          </p:style>
+          <p:txBody>
+            <a:bodyPr rtlCol="0" anchor="ctr"/>
+            <a:lstStyle/>
+            <a:p>
+              <a:pPr lvl="0" algn="ctr" eaLnBrk="0" fontAlgn="base" hangingPunct="0">
+                <a:spcBef>
+                  <a:spcPct val="0"/>
+                </a:spcBef>
+                <a:spcAft>
+                  <a:spcPct val="0"/>
+                </a:spcAft>
+              </a:pPr>
+              <a:r>
+                <a:rPr lang="nn-NO" altLang="en-US" sz="1200" b="1">
+                  <a:solidFill>
+                    <a:schemeClr val="tx1">
+                      <a:lumMod val="95000"/>
+                      <a:lumOff val="5000"/>
+                    </a:schemeClr>
+                  </a:solidFill>
+                  <a:latin typeface="Times New Roman" panose="02020603050405020304" pitchFamily="18" charset="0"/>
+                  <a:ea typeface="Calibri" panose="020F0502020204030204" pitchFamily="34" charset="0"/>
+                  <a:cs typeface="Times New Roman" panose="02020603050405020304" pitchFamily="18" charset="0"/>
+                </a:rPr>
+                <a:t>Speed for fast data query</a:t>
+              </a:r>
+              <a:endParaRPr lang="nn-NO" altLang="en-US" sz="1100">
+                <a:solidFill>
+                  <a:schemeClr val="tx1">
+                    <a:lumMod val="95000"/>
+                    <a:lumOff val="5000"/>
+                  </a:schemeClr>
+                </a:solidFill>
+              </a:endParaRPr>
+            </a:p>
+          </p:txBody>
+        </p:sp>
+        <p:sp>
+          <p:nvSpPr>
+            <p:cNvPr id="284" name="Cloud 283"/>
+            <p:cNvSpPr/>
+            <p:nvPr/>
+          </p:nvSpPr>
+          <p:spPr>
+            <a:xfrm>
+              <a:off x="6741087" y="4612184"/>
+              <a:ext cx="1387815" cy="811319"/>
+            </a:xfrm>
+            <a:prstGeom prst="cloud">
+              <a:avLst/>
+            </a:prstGeom>
+          </p:spPr>
+          <p:style>
+            <a:lnRef idx="0">
+              <a:schemeClr val="accent5"/>
+            </a:lnRef>
+            <a:fillRef idx="3">
+              <a:schemeClr val="accent5"/>
+            </a:fillRef>
+            <a:effectRef idx="3">
+              <a:schemeClr val="accent5"/>
+            </a:effectRef>
+            <a:fontRef idx="minor">
+              <a:schemeClr val="lt1"/>
+            </a:fontRef>
+          </p:style>
+          <p:txBody>
+            <a:bodyPr rtlCol="0" anchor="ctr"/>
+            <a:lstStyle/>
+            <a:p>
+              <a:pPr lvl="0" algn="ctr" eaLnBrk="0" fontAlgn="base" hangingPunct="0">
+                <a:spcBef>
+                  <a:spcPct val="0"/>
+                </a:spcBef>
+                <a:spcAft>
+                  <a:spcPct val="0"/>
+                </a:spcAft>
+              </a:pPr>
+              <a:r>
+                <a:rPr lang="en-US" altLang="en-US" sz="1200" b="1">
+                  <a:solidFill>
+                    <a:schemeClr val="tx1">
+                      <a:lumMod val="95000"/>
+                      <a:lumOff val="5000"/>
+                    </a:schemeClr>
+                  </a:solidFill>
+                  <a:latin typeface="Times New Roman" panose="02020603050405020304" pitchFamily="18" charset="0"/>
+                  <a:ea typeface="Calibri" panose="020F0502020204030204" pitchFamily="34" charset="0"/>
+                  <a:cs typeface="Times New Roman" panose="02020603050405020304" pitchFamily="18" charset="0"/>
+                </a:rPr>
+                <a:t>Expect Times Short</a:t>
+              </a:r>
+              <a:endParaRPr lang="en-US" altLang="en-US" sz="1100">
+                <a:solidFill>
+                  <a:schemeClr val="tx1">
+                    <a:lumMod val="95000"/>
+                    <a:lumOff val="5000"/>
+                  </a:schemeClr>
+                </a:solidFill>
+              </a:endParaRPr>
+            </a:p>
+          </p:txBody>
+        </p:sp>
+        <p:sp>
+          <p:nvSpPr>
+            <p:cNvPr id="287" name="Cloud 286"/>
+            <p:cNvSpPr/>
+            <p:nvPr/>
+          </p:nvSpPr>
+          <p:spPr>
+            <a:xfrm>
+              <a:off x="7568180" y="5295700"/>
+              <a:ext cx="1378761" cy="856652"/>
+            </a:xfrm>
+            <a:prstGeom prst="cloud">
+              <a:avLst/>
+            </a:prstGeom>
+          </p:spPr>
+          <p:style>
+            <a:lnRef idx="0">
+              <a:schemeClr val="accent5"/>
+            </a:lnRef>
+            <a:fillRef idx="3">
+              <a:schemeClr val="accent5"/>
+            </a:fillRef>
+            <a:effectRef idx="3">
+              <a:schemeClr val="accent5"/>
+            </a:effectRef>
+            <a:fontRef idx="minor">
+              <a:schemeClr val="lt1"/>
+            </a:fontRef>
+          </p:style>
+          <p:txBody>
+            <a:bodyPr rtlCol="0" anchor="ctr"/>
+            <a:lstStyle/>
+            <a:p>
+              <a:pPr lvl="0" algn="ctr" eaLnBrk="0" fontAlgn="base" hangingPunct="0">
+                <a:spcBef>
+                  <a:spcPct val="0"/>
+                </a:spcBef>
+                <a:spcAft>
+                  <a:spcPct val="0"/>
+                </a:spcAft>
+              </a:pPr>
+              <a:r>
+                <a:rPr lang="en-US" altLang="en-US" sz="1200" b="1">
+                  <a:solidFill>
+                    <a:schemeClr val="tx1">
+                      <a:lumMod val="95000"/>
+                      <a:lumOff val="5000"/>
+                    </a:schemeClr>
+                  </a:solidFill>
+                  <a:latin typeface="Times New Roman" panose="02020603050405020304" pitchFamily="18" charset="0"/>
+                  <a:ea typeface="Calibri" panose="020F0502020204030204" pitchFamily="34" charset="0"/>
+                  <a:cs typeface="Times New Roman" panose="02020603050405020304" pitchFamily="18" charset="0"/>
+                </a:rPr>
+                <a:t>Fast Eror Processing Speed</a:t>
+              </a:r>
+              <a:endParaRPr lang="en-US" altLang="en-US" sz="1100">
+                <a:solidFill>
+                  <a:schemeClr val="tx1">
+                    <a:lumMod val="95000"/>
+                    <a:lumOff val="5000"/>
+                  </a:schemeClr>
+                </a:solidFill>
+              </a:endParaRPr>
+            </a:p>
+          </p:txBody>
+        </p:sp>
+        <p:sp>
+          <p:nvSpPr>
+            <p:cNvPr id="289" name="Cloud 288"/>
+            <p:cNvSpPr/>
+            <p:nvPr/>
+          </p:nvSpPr>
+          <p:spPr>
+            <a:xfrm>
+              <a:off x="5706324" y="5931622"/>
+              <a:ext cx="1707368" cy="799640"/>
+            </a:xfrm>
+            <a:prstGeom prst="cloud">
+              <a:avLst/>
+            </a:prstGeom>
+          </p:spPr>
+          <p:style>
+            <a:lnRef idx="0">
+              <a:schemeClr val="dk1"/>
+            </a:lnRef>
+            <a:fillRef idx="3">
+              <a:schemeClr val="dk1"/>
+            </a:fillRef>
+            <a:effectRef idx="3">
+              <a:schemeClr val="dk1"/>
+            </a:effectRef>
+            <a:fontRef idx="minor">
+              <a:schemeClr val="lt1"/>
+            </a:fontRef>
+          </p:style>
+          <p:txBody>
+            <a:bodyPr rtlCol="0" anchor="ctr"/>
+            <a:lstStyle/>
+            <a:p>
+              <a:pPr lvl="0" algn="ctr" eaLnBrk="0" fontAlgn="base" hangingPunct="0">
+                <a:spcBef>
+                  <a:spcPct val="0"/>
+                </a:spcBef>
+                <a:spcAft>
+                  <a:spcPct val="0"/>
+                </a:spcAft>
+              </a:pPr>
+              <a:r>
+                <a:rPr lang="en-US" altLang="en-US" sz="1200" b="1">
+                  <a:solidFill>
+                    <a:prstClr val="white"/>
+                  </a:solidFill>
+                  <a:latin typeface="Times New Roman" panose="02020603050405020304" pitchFamily="18" charset="0"/>
+                  <a:ea typeface="Calibri" panose="020F0502020204030204" pitchFamily="34" charset="0"/>
+                  <a:cs typeface="Times New Roman" panose="02020603050405020304" pitchFamily="18" charset="0"/>
+                </a:rPr>
+                <a:t>Required processing speed faster</a:t>
+              </a:r>
+            </a:p>
+          </p:txBody>
+        </p:sp>
+        <p:sp>
+          <p:nvSpPr>
+            <p:cNvPr id="293" name="Cloud 292"/>
+            <p:cNvSpPr/>
+            <p:nvPr/>
+          </p:nvSpPr>
+          <p:spPr>
+            <a:xfrm>
+              <a:off x="8990690" y="5132089"/>
+              <a:ext cx="1235776" cy="757645"/>
+            </a:xfrm>
+            <a:prstGeom prst="cloud">
+              <a:avLst/>
+            </a:prstGeom>
+          </p:spPr>
+          <p:style>
+            <a:lnRef idx="0">
+              <a:schemeClr val="accent5"/>
+            </a:lnRef>
+            <a:fillRef idx="3">
+              <a:schemeClr val="accent5"/>
+            </a:fillRef>
+            <a:effectRef idx="3">
+              <a:schemeClr val="accent5"/>
+            </a:effectRef>
+            <a:fontRef idx="minor">
+              <a:schemeClr val="lt1"/>
+            </a:fontRef>
+          </p:style>
+          <p:txBody>
+            <a:bodyPr rtlCol="0" anchor="ctr"/>
+            <a:lstStyle/>
+            <a:p>
+              <a:pPr lvl="0" algn="ctr" eaLnBrk="0" fontAlgn="base" hangingPunct="0">
+                <a:spcBef>
+                  <a:spcPct val="0"/>
+                </a:spcBef>
+                <a:spcAft>
+                  <a:spcPct val="0"/>
+                </a:spcAft>
+              </a:pPr>
+              <a:r>
+                <a:rPr lang="en-US" altLang="en-US" sz="1200" b="1">
+                  <a:solidFill>
+                    <a:schemeClr val="tx1">
+                      <a:lumMod val="95000"/>
+                      <a:lumOff val="5000"/>
+                    </a:schemeClr>
+                  </a:solidFill>
+                  <a:latin typeface="Times New Roman" panose="02020603050405020304" pitchFamily="18" charset="0"/>
+                  <a:ea typeface="Calibri" panose="020F0502020204030204" pitchFamily="34" charset="0"/>
+                  <a:cs typeface="Times New Roman" panose="02020603050405020304" pitchFamily="18" charset="0"/>
+                </a:rPr>
+                <a:t>Multi web browser</a:t>
+              </a:r>
+              <a:endParaRPr lang="en-US" altLang="en-US">
+                <a:solidFill>
+                  <a:schemeClr val="tx1">
+                    <a:lumMod val="95000"/>
+                    <a:lumOff val="5000"/>
+                  </a:schemeClr>
+                </a:solidFill>
+                <a:latin typeface="Arial" panose="020B0604020202020204" pitchFamily="34" charset="0"/>
+              </a:endParaRPr>
+            </a:p>
+          </p:txBody>
+        </p:sp>
+        <p:sp>
+          <p:nvSpPr>
+            <p:cNvPr id="300" name="Cloud 299"/>
+            <p:cNvSpPr/>
+            <p:nvPr/>
+          </p:nvSpPr>
+          <p:spPr>
+            <a:xfrm>
+              <a:off x="9702819" y="4384393"/>
+              <a:ext cx="1235649" cy="633450"/>
+            </a:xfrm>
+            <a:prstGeom prst="cloud">
+              <a:avLst/>
+            </a:prstGeom>
+          </p:spPr>
+          <p:style>
+            <a:lnRef idx="0">
+              <a:schemeClr val="accent5"/>
+            </a:lnRef>
+            <a:fillRef idx="3">
+              <a:schemeClr val="accent5"/>
+            </a:fillRef>
+            <a:effectRef idx="3">
+              <a:schemeClr val="accent5"/>
+            </a:effectRef>
+            <a:fontRef idx="minor">
+              <a:schemeClr val="lt1"/>
+            </a:fontRef>
+          </p:style>
+          <p:txBody>
+            <a:bodyPr rtlCol="0" anchor="ctr"/>
+            <a:lstStyle/>
+            <a:p>
+              <a:pPr lvl="0" algn="ctr" eaLnBrk="0" fontAlgn="base" hangingPunct="0">
+                <a:spcBef>
+                  <a:spcPct val="0"/>
+                </a:spcBef>
+                <a:spcAft>
+                  <a:spcPct val="0"/>
+                </a:spcAft>
+              </a:pPr>
+              <a:r>
+                <a:rPr lang="en-US" altLang="en-US" sz="1200" b="1">
+                  <a:solidFill>
+                    <a:schemeClr val="tx1">
+                      <a:lumMod val="95000"/>
+                      <a:lumOff val="5000"/>
+                    </a:schemeClr>
+                  </a:solidFill>
+                  <a:latin typeface="Times New Roman" panose="02020603050405020304" pitchFamily="18" charset="0"/>
+                  <a:ea typeface="Calibri" panose="020F0502020204030204" pitchFamily="34" charset="0"/>
+                  <a:cs typeface="Times New Roman" panose="02020603050405020304" pitchFamily="18" charset="0"/>
+                </a:rPr>
+                <a:t>Multiple device</a:t>
+              </a:r>
+              <a:endParaRPr lang="en-US" altLang="en-US">
+                <a:solidFill>
+                  <a:schemeClr val="tx1">
+                    <a:lumMod val="95000"/>
+                    <a:lumOff val="5000"/>
+                  </a:schemeClr>
+                </a:solidFill>
+                <a:latin typeface="Arial" panose="020B0604020202020204" pitchFamily="34" charset="0"/>
+              </a:endParaRPr>
+            </a:p>
+          </p:txBody>
+        </p:sp>
+        <p:sp>
+          <p:nvSpPr>
+            <p:cNvPr id="302" name="Cloud 301"/>
+            <p:cNvSpPr/>
+            <p:nvPr/>
+          </p:nvSpPr>
+          <p:spPr>
+            <a:xfrm>
+              <a:off x="10774945" y="4609561"/>
+              <a:ext cx="1404545" cy="1031966"/>
+            </a:xfrm>
+            <a:prstGeom prst="cloud">
+              <a:avLst/>
+            </a:prstGeom>
+          </p:spPr>
+          <p:style>
+            <a:lnRef idx="0">
+              <a:schemeClr val="accent5"/>
+            </a:lnRef>
+            <a:fillRef idx="3">
+              <a:schemeClr val="accent5"/>
+            </a:fillRef>
+            <a:effectRef idx="3">
+              <a:schemeClr val="accent5"/>
+            </a:effectRef>
+            <a:fontRef idx="minor">
+              <a:schemeClr val="lt1"/>
+            </a:fontRef>
+          </p:style>
+          <p:txBody>
+            <a:bodyPr rtlCol="0" anchor="ctr"/>
+            <a:lstStyle/>
+            <a:p>
+              <a:pPr lvl="0" algn="ctr" eaLnBrk="0" fontAlgn="base" hangingPunct="0">
+                <a:spcBef>
+                  <a:spcPct val="0"/>
+                </a:spcBef>
+                <a:spcAft>
+                  <a:spcPct val="0"/>
+                </a:spcAft>
+              </a:pPr>
+              <a:r>
+                <a:rPr lang="en-US" altLang="en-US" sz="1200" b="1">
+                  <a:solidFill>
+                    <a:schemeClr val="tx1">
+                      <a:lumMod val="95000"/>
+                      <a:lumOff val="5000"/>
+                    </a:schemeClr>
+                  </a:solidFill>
+                  <a:latin typeface="Times New Roman" panose="02020603050405020304" pitchFamily="18" charset="0"/>
+                  <a:ea typeface="Calibri" panose="020F0502020204030204" pitchFamily="34" charset="0"/>
+                  <a:cs typeface="Times New Roman" panose="02020603050405020304" pitchFamily="18" charset="0"/>
+                </a:rPr>
+                <a:t>Multiple support operating systems</a:t>
+              </a:r>
+              <a:endParaRPr lang="en-US" altLang="en-US">
+                <a:solidFill>
+                  <a:schemeClr val="tx1">
+                    <a:lumMod val="95000"/>
+                    <a:lumOff val="5000"/>
+                  </a:schemeClr>
+                </a:solidFill>
+                <a:latin typeface="Arial" panose="020B0604020202020204" pitchFamily="34" charset="0"/>
+              </a:endParaRPr>
+            </a:p>
+          </p:txBody>
+        </p:sp>
+        <p:sp>
+          <p:nvSpPr>
+            <p:cNvPr id="315" name="Cloud 314"/>
+            <p:cNvSpPr/>
+            <p:nvPr/>
+          </p:nvSpPr>
+          <p:spPr>
+            <a:xfrm>
+              <a:off x="10309580" y="5890283"/>
+              <a:ext cx="1141016" cy="868091"/>
+            </a:xfrm>
+            <a:prstGeom prst="cloud">
+              <a:avLst/>
+            </a:prstGeom>
+          </p:spPr>
+          <p:style>
+            <a:lnRef idx="0">
+              <a:schemeClr val="dk1"/>
+            </a:lnRef>
+            <a:fillRef idx="3">
+              <a:schemeClr val="dk1"/>
+            </a:fillRef>
+            <a:effectRef idx="3">
+              <a:schemeClr val="dk1"/>
+            </a:effectRef>
+            <a:fontRef idx="minor">
+              <a:schemeClr val="lt1"/>
+            </a:fontRef>
+          </p:style>
+          <p:txBody>
+            <a:bodyPr rtlCol="0" anchor="ctr"/>
+            <a:lstStyle/>
+            <a:p>
+              <a:pPr lvl="0" algn="ctr" eaLnBrk="0" fontAlgn="base" hangingPunct="0">
+                <a:spcBef>
+                  <a:spcPct val="0"/>
+                </a:spcBef>
+                <a:spcAft>
+                  <a:spcPct val="0"/>
+                </a:spcAft>
+              </a:pPr>
+              <a:r>
+                <a:rPr lang="en-US" altLang="en-US" sz="1200" b="1">
+                  <a:solidFill>
+                    <a:prstClr val="white"/>
+                  </a:solidFill>
+                  <a:latin typeface="Times New Roman" panose="02020603050405020304" pitchFamily="18" charset="0"/>
+                  <a:ea typeface="Calibri" panose="020F0502020204030204" pitchFamily="34" charset="0"/>
+                  <a:cs typeface="Times New Roman" panose="02020603050405020304" pitchFamily="18" charset="0"/>
+                </a:rPr>
+                <a:t>The 3rd support</a:t>
+              </a:r>
+              <a:endParaRPr lang="en-US" altLang="en-US">
+                <a:solidFill>
+                  <a:prstClr val="white"/>
+                </a:solidFill>
+                <a:latin typeface="Arial" panose="020B0604020202020204" pitchFamily="34" charset="0"/>
+              </a:endParaRPr>
+            </a:p>
+          </p:txBody>
+        </p:sp>
+        <p:sp>
+          <p:nvSpPr>
+            <p:cNvPr id="321" name="Oval 320"/>
+            <p:cNvSpPr/>
+            <p:nvPr/>
+          </p:nvSpPr>
+          <p:spPr>
+            <a:xfrm>
+              <a:off x="5639056" y="3062756"/>
+              <a:ext cx="2059684" cy="397714"/>
+            </a:xfrm>
+            <a:prstGeom prst="ellipse">
+              <a:avLst/>
+            </a:prstGeom>
+          </p:spPr>
+          <p:style>
+            <a:lnRef idx="0">
+              <a:schemeClr val="accent2"/>
+            </a:lnRef>
+            <a:fillRef idx="3">
+              <a:schemeClr val="accent2"/>
+            </a:fillRef>
+            <a:effectRef idx="3">
+              <a:schemeClr val="accent2"/>
+            </a:effectRef>
+            <a:fontRef idx="minor">
+              <a:schemeClr val="lt1"/>
+            </a:fontRef>
+          </p:style>
+          <p:txBody>
+            <a:bodyPr rtlCol="0" anchor="ctr"/>
+            <a:lstStyle/>
+            <a:p>
+              <a:pPr algn="ctr"/>
+              <a:r>
+                <a:rPr lang="en-US" sz="1200" b="1">
+                  <a:solidFill>
+                    <a:schemeClr val="tx1">
+                      <a:lumMod val="95000"/>
+                      <a:lumOff val="5000"/>
+                    </a:schemeClr>
+                  </a:solidFill>
+                  <a:latin typeface="Times New Roman" panose="02020603050405020304" pitchFamily="18" charset="0"/>
+                  <a:cs typeface="Times New Roman" panose="02020603050405020304" pitchFamily="18" charset="0"/>
+                </a:rPr>
+                <a:t>Building  High Security</a:t>
+              </a:r>
+            </a:p>
+          </p:txBody>
+        </p:sp>
+        <p:cxnSp>
+          <p:nvCxnSpPr>
+            <p:cNvPr id="323" name="Elbow Connector 322"/>
+            <p:cNvCxnSpPr>
+              <a:stCxn id="321" idx="0"/>
+              <a:endCxn id="245" idx="2"/>
+            </p:cNvCxnSpPr>
+            <p:nvPr/>
+          </p:nvCxnSpPr>
+          <p:spPr>
+            <a:xfrm rot="5400000" flipH="1" flipV="1">
+              <a:off x="6613388" y="1675544"/>
+              <a:ext cx="1442722" cy="1331702"/>
+            </a:xfrm>
+            <a:prstGeom prst="bentConnector2">
+              <a:avLst/>
+            </a:prstGeom>
+            <a:ln>
+              <a:tailEnd type="triangle"/>
+            </a:ln>
+          </p:spPr>
+          <p:style>
+            <a:lnRef idx="1">
+              <a:schemeClr val="accent1"/>
+            </a:lnRef>
+            <a:fillRef idx="0">
+              <a:schemeClr val="accent1"/>
+            </a:fillRef>
+            <a:effectRef idx="0">
+              <a:schemeClr val="accent1"/>
+            </a:effectRef>
+            <a:fontRef idx="minor">
+              <a:schemeClr val="tx1"/>
+            </a:fontRef>
+          </p:style>
+        </p:cxnSp>
+        <p:cxnSp>
+          <p:nvCxnSpPr>
+            <p:cNvPr id="325" name="Straight Arrow Connector 324"/>
+            <p:cNvCxnSpPr>
+              <a:stCxn id="321" idx="0"/>
+              <a:endCxn id="321" idx="0"/>
+            </p:cNvCxnSpPr>
+            <p:nvPr/>
+          </p:nvCxnSpPr>
+          <p:spPr>
+            <a:xfrm>
+              <a:off x="6668898" y="3062756"/>
+              <a:ext cx="0" cy="0"/>
+            </a:xfrm>
+            <a:prstGeom prst="straightConnector1">
+              <a:avLst/>
+            </a:prstGeom>
+            <a:ln>
+              <a:tailEnd type="triangle"/>
+            </a:ln>
+          </p:spPr>
+          <p:style>
+            <a:lnRef idx="1">
+              <a:schemeClr val="accent1"/>
+            </a:lnRef>
+            <a:fillRef idx="0">
+              <a:schemeClr val="accent1"/>
+            </a:fillRef>
+            <a:effectRef idx="0">
+              <a:schemeClr val="accent1"/>
+            </a:effectRef>
+            <a:fontRef idx="minor">
+              <a:schemeClr val="tx1"/>
+            </a:fontRef>
+          </p:style>
+        </p:cxnSp>
+        <p:cxnSp>
+          <p:nvCxnSpPr>
+            <p:cNvPr id="331" name="Elbow Connector 330"/>
+            <p:cNvCxnSpPr>
+              <a:stCxn id="321" idx="1"/>
+              <a:endCxn id="243" idx="1"/>
+            </p:cNvCxnSpPr>
+            <p:nvPr/>
+          </p:nvCxnSpPr>
+          <p:spPr>
+            <a:xfrm rot="5400000" flipH="1" flipV="1">
+              <a:off x="5742830" y="1551242"/>
+              <a:ext cx="1767618" cy="1371898"/>
+            </a:xfrm>
+            <a:prstGeom prst="bentConnector3">
+              <a:avLst/>
+            </a:prstGeom>
+            <a:ln>
+              <a:tailEnd type="triangle"/>
+            </a:ln>
+          </p:spPr>
+          <p:style>
+            <a:lnRef idx="1">
+              <a:schemeClr val="accent1"/>
+            </a:lnRef>
+            <a:fillRef idx="0">
+              <a:schemeClr val="accent1"/>
+            </a:fillRef>
+            <a:effectRef idx="0">
+              <a:schemeClr val="accent1"/>
+            </a:effectRef>
+            <a:fontRef idx="minor">
+              <a:schemeClr val="tx1"/>
+            </a:fontRef>
+          </p:style>
+        </p:cxnSp>
+        <p:cxnSp>
+          <p:nvCxnSpPr>
+            <p:cNvPr id="336" name="Elbow Connector 335"/>
+            <p:cNvCxnSpPr>
+              <a:stCxn id="321" idx="7"/>
+              <a:endCxn id="245" idx="1"/>
+            </p:cNvCxnSpPr>
+            <p:nvPr/>
+          </p:nvCxnSpPr>
+          <p:spPr>
+            <a:xfrm rot="5400000" flipH="1" flipV="1">
+              <a:off x="7576568" y="1896798"/>
+              <a:ext cx="1044740" cy="1403665"/>
+            </a:xfrm>
+            <a:prstGeom prst="bentConnector3">
+              <a:avLst>
+                <a:gd name="adj1" fmla="val 50000"/>
+              </a:avLst>
+            </a:prstGeom>
+            <a:ln>
+              <a:tailEnd type="triangle"/>
+            </a:ln>
+          </p:spPr>
+          <p:style>
+            <a:lnRef idx="1">
+              <a:schemeClr val="accent1"/>
+            </a:lnRef>
+            <a:fillRef idx="0">
+              <a:schemeClr val="accent1"/>
+            </a:fillRef>
+            <a:effectRef idx="0">
+              <a:schemeClr val="accent1"/>
+            </a:effectRef>
+            <a:fontRef idx="minor">
+              <a:schemeClr val="tx1"/>
+            </a:fontRef>
+          </p:style>
+        </p:cxnSp>
+        <p:cxnSp>
+          <p:nvCxnSpPr>
+            <p:cNvPr id="338" name="Elbow Connector 337"/>
+            <p:cNvCxnSpPr>
+              <a:stCxn id="321" idx="6"/>
+              <a:endCxn id="249" idx="1"/>
+            </p:cNvCxnSpPr>
+            <p:nvPr/>
+          </p:nvCxnSpPr>
+          <p:spPr>
+            <a:xfrm flipV="1">
+              <a:off x="7698740" y="2002514"/>
+              <a:ext cx="2455130" cy="1259099"/>
+            </a:xfrm>
+            <a:prstGeom prst="bentConnector2">
+              <a:avLst/>
+            </a:prstGeom>
+            <a:ln>
+              <a:tailEnd type="triangle"/>
+            </a:ln>
+          </p:spPr>
+          <p:style>
+            <a:lnRef idx="1">
+              <a:schemeClr val="accent1"/>
+            </a:lnRef>
+            <a:fillRef idx="0">
+              <a:schemeClr val="accent1"/>
+            </a:fillRef>
+            <a:effectRef idx="0">
+              <a:schemeClr val="accent1"/>
+            </a:effectRef>
+            <a:fontRef idx="minor">
+              <a:schemeClr val="tx1"/>
+            </a:fontRef>
+          </p:style>
+        </p:cxnSp>
+        <p:cxnSp>
+          <p:nvCxnSpPr>
+            <p:cNvPr id="340" name="Elbow Connector 339"/>
+            <p:cNvCxnSpPr>
+              <a:stCxn id="321" idx="7"/>
+              <a:endCxn id="251" idx="1"/>
+            </p:cNvCxnSpPr>
+            <p:nvPr/>
+          </p:nvCxnSpPr>
+          <p:spPr>
+            <a:xfrm rot="5400000" flipH="1" flipV="1">
+              <a:off x="8809927" y="466243"/>
+              <a:ext cx="1241936" cy="4067579"/>
+            </a:xfrm>
+            <a:prstGeom prst="bentConnector3">
+              <a:avLst>
+                <a:gd name="adj1" fmla="val 50000"/>
+              </a:avLst>
+            </a:prstGeom>
+            <a:ln>
+              <a:tailEnd type="triangle"/>
+            </a:ln>
+          </p:spPr>
+          <p:style>
+            <a:lnRef idx="1">
+              <a:schemeClr val="accent1"/>
+            </a:lnRef>
+            <a:fillRef idx="0">
+              <a:schemeClr val="accent1"/>
+            </a:fillRef>
+            <a:effectRef idx="0">
+              <a:schemeClr val="accent1"/>
+            </a:effectRef>
+            <a:fontRef idx="minor">
+              <a:schemeClr val="tx1"/>
+            </a:fontRef>
+          </p:style>
+        </p:cxnSp>
+        <p:sp>
+          <p:nvSpPr>
+            <p:cNvPr id="342" name="TextBox 341"/>
+            <p:cNvSpPr txBox="1"/>
+            <p:nvPr/>
+          </p:nvSpPr>
+          <p:spPr>
+            <a:xfrm>
+              <a:off x="7027810" y="1289805"/>
+              <a:ext cx="338554" cy="461665"/>
+            </a:xfrm>
+            <a:prstGeom prst="rect">
+              <a:avLst/>
+            </a:prstGeom>
+            <a:noFill/>
+          </p:spPr>
+          <p:txBody>
+            <a:bodyPr wrap="none" rtlCol="0">
+              <a:spAutoFit/>
+            </a:bodyPr>
+            <a:lstStyle/>
+            <a:p>
+              <a:r>
+                <a:rPr lang="en-US" sz="2400">
+                  <a:solidFill>
+                    <a:schemeClr val="tx1">
+                      <a:lumMod val="95000"/>
+                      <a:lumOff val="5000"/>
+                    </a:schemeClr>
+                  </a:solidFill>
+                </a:rPr>
+                <a:t>+</a:t>
+              </a:r>
+            </a:p>
+          </p:txBody>
+        </p:sp>
+        <p:sp>
+          <p:nvSpPr>
+            <p:cNvPr id="344" name="TextBox 343"/>
+            <p:cNvSpPr txBox="1"/>
+            <p:nvPr/>
+          </p:nvSpPr>
+          <p:spPr>
+            <a:xfrm>
+              <a:off x="8555491" y="2092094"/>
+              <a:ext cx="338554" cy="461665"/>
+            </a:xfrm>
+            <a:prstGeom prst="rect">
+              <a:avLst/>
+            </a:prstGeom>
+            <a:noFill/>
+          </p:spPr>
+          <p:txBody>
+            <a:bodyPr wrap="none" rtlCol="0">
+              <a:spAutoFit/>
+            </a:bodyPr>
+            <a:lstStyle/>
+            <a:p>
+              <a:r>
+                <a:rPr lang="en-US" sz="2400">
+                  <a:solidFill>
+                    <a:schemeClr val="tx1">
+                      <a:lumMod val="95000"/>
+                      <a:lumOff val="5000"/>
+                    </a:schemeClr>
+                  </a:solidFill>
+                </a:rPr>
+                <a:t>+</a:t>
+              </a:r>
+            </a:p>
+          </p:txBody>
+        </p:sp>
+        <p:sp>
+          <p:nvSpPr>
+            <p:cNvPr id="347" name="TextBox 346"/>
+            <p:cNvSpPr txBox="1"/>
+            <p:nvPr/>
+          </p:nvSpPr>
+          <p:spPr>
+            <a:xfrm>
+              <a:off x="7661373" y="1518944"/>
+              <a:ext cx="338554" cy="461665"/>
+            </a:xfrm>
+            <a:prstGeom prst="rect">
+              <a:avLst/>
+            </a:prstGeom>
+            <a:noFill/>
+          </p:spPr>
+          <p:txBody>
+            <a:bodyPr wrap="none" rtlCol="0">
+              <a:spAutoFit/>
+            </a:bodyPr>
+            <a:lstStyle/>
+            <a:p>
+              <a:r>
+                <a:rPr lang="en-US" sz="2400">
+                  <a:solidFill>
+                    <a:schemeClr val="tx1">
+                      <a:lumMod val="95000"/>
+                      <a:lumOff val="5000"/>
+                    </a:schemeClr>
+                  </a:solidFill>
+                </a:rPr>
+                <a:t>+</a:t>
+              </a:r>
+            </a:p>
+          </p:txBody>
+        </p:sp>
+        <p:sp>
+          <p:nvSpPr>
+            <p:cNvPr id="348" name="TextBox 347"/>
+            <p:cNvSpPr txBox="1"/>
+            <p:nvPr/>
+          </p:nvSpPr>
+          <p:spPr>
+            <a:xfrm>
+              <a:off x="10116950" y="2060293"/>
+              <a:ext cx="338554" cy="461665"/>
+            </a:xfrm>
+            <a:prstGeom prst="rect">
+              <a:avLst/>
+            </a:prstGeom>
+            <a:noFill/>
+          </p:spPr>
+          <p:txBody>
+            <a:bodyPr wrap="none" rtlCol="0">
+              <a:spAutoFit/>
+            </a:bodyPr>
+            <a:lstStyle/>
+            <a:p>
+              <a:r>
+                <a:rPr lang="en-US" sz="2400">
+                  <a:solidFill>
+                    <a:schemeClr val="tx1">
+                      <a:lumMod val="95000"/>
+                      <a:lumOff val="5000"/>
+                    </a:schemeClr>
+                  </a:solidFill>
+                </a:rPr>
+                <a:t>+</a:t>
+              </a:r>
+            </a:p>
+          </p:txBody>
+        </p:sp>
+        <p:sp>
+          <p:nvSpPr>
+            <p:cNvPr id="349" name="TextBox 348"/>
+            <p:cNvSpPr txBox="1"/>
+            <p:nvPr/>
+          </p:nvSpPr>
+          <p:spPr>
+            <a:xfrm>
+              <a:off x="11117230" y="2034278"/>
+              <a:ext cx="338554" cy="461665"/>
+            </a:xfrm>
+            <a:prstGeom prst="rect">
+              <a:avLst/>
+            </a:prstGeom>
+            <a:noFill/>
+          </p:spPr>
+          <p:txBody>
+            <a:bodyPr wrap="none" rtlCol="0">
+              <a:spAutoFit/>
+            </a:bodyPr>
+            <a:lstStyle/>
+            <a:p>
+              <a:r>
+                <a:rPr lang="en-US" sz="2400">
+                  <a:solidFill>
+                    <a:schemeClr val="tx1">
+                      <a:lumMod val="95000"/>
+                      <a:lumOff val="5000"/>
+                    </a:schemeClr>
+                  </a:solidFill>
+                </a:rPr>
+                <a:t>+</a:t>
+              </a:r>
+            </a:p>
+          </p:txBody>
+        </p:sp>
+        <p:cxnSp>
+          <p:nvCxnSpPr>
+            <p:cNvPr id="366" name="Elbow Connector 365"/>
+            <p:cNvCxnSpPr>
+              <a:stCxn id="321" idx="4"/>
+              <a:endCxn id="267" idx="3"/>
+            </p:cNvCxnSpPr>
+            <p:nvPr/>
+          </p:nvCxnSpPr>
+          <p:spPr>
+            <a:xfrm rot="5400000">
+              <a:off x="2598970" y="1525378"/>
+              <a:ext cx="2134837" cy="6005021"/>
+            </a:xfrm>
+            <a:prstGeom prst="bentConnector3">
+              <a:avLst>
+                <a:gd name="adj1" fmla="val 50000"/>
+              </a:avLst>
+            </a:prstGeom>
+            <a:ln>
+              <a:tailEnd type="triangle"/>
+            </a:ln>
+          </p:spPr>
+          <p:style>
+            <a:lnRef idx="1">
+              <a:schemeClr val="accent1"/>
+            </a:lnRef>
+            <a:fillRef idx="0">
+              <a:schemeClr val="accent1"/>
+            </a:fillRef>
+            <a:effectRef idx="0">
+              <a:schemeClr val="accent1"/>
+            </a:effectRef>
+            <a:fontRef idx="minor">
+              <a:schemeClr val="tx1"/>
+            </a:fontRef>
+          </p:style>
+        </p:cxnSp>
+        <p:sp>
+          <p:nvSpPr>
+            <p:cNvPr id="368" name="TextBox 367"/>
+            <p:cNvSpPr txBox="1"/>
+            <p:nvPr/>
+          </p:nvSpPr>
+          <p:spPr>
+            <a:xfrm>
+              <a:off x="845529" y="4355064"/>
+              <a:ext cx="279244" cy="461665"/>
+            </a:xfrm>
+            <a:prstGeom prst="rect">
+              <a:avLst/>
+            </a:prstGeom>
+            <a:noFill/>
+          </p:spPr>
+          <p:txBody>
+            <a:bodyPr wrap="none" rtlCol="0">
+              <a:spAutoFit/>
+            </a:bodyPr>
+            <a:lstStyle/>
+            <a:p>
+              <a:r>
+                <a:rPr lang="en-US" sz="2400">
+                  <a:solidFill>
+                    <a:schemeClr val="tx1">
+                      <a:lumMod val="95000"/>
+                      <a:lumOff val="5000"/>
+                    </a:schemeClr>
+                  </a:solidFill>
+                </a:rPr>
+                <a:t>-</a:t>
+              </a:r>
+            </a:p>
+          </p:txBody>
+        </p:sp>
+        <p:cxnSp>
+          <p:nvCxnSpPr>
+            <p:cNvPr id="370" name="Elbow Connector 369"/>
+            <p:cNvCxnSpPr>
+              <a:stCxn id="321" idx="2"/>
+              <a:endCxn id="269" idx="3"/>
+            </p:cNvCxnSpPr>
+            <p:nvPr/>
+          </p:nvCxnSpPr>
+          <p:spPr>
+            <a:xfrm rot="10800000" flipV="1">
+              <a:off x="1927978" y="3261612"/>
+              <a:ext cx="3711079" cy="1587715"/>
+            </a:xfrm>
+            <a:prstGeom prst="bentConnector2">
+              <a:avLst/>
+            </a:prstGeom>
+            <a:ln>
+              <a:tailEnd type="triangle"/>
+            </a:ln>
+          </p:spPr>
+          <p:style>
+            <a:lnRef idx="1">
+              <a:schemeClr val="accent1"/>
+            </a:lnRef>
+            <a:fillRef idx="0">
+              <a:schemeClr val="accent1"/>
+            </a:fillRef>
+            <a:effectRef idx="0">
+              <a:schemeClr val="accent1"/>
+            </a:effectRef>
+            <a:fontRef idx="minor">
+              <a:schemeClr val="tx1"/>
+            </a:fontRef>
+          </p:style>
+        </p:cxnSp>
+        <p:sp>
+          <p:nvSpPr>
+            <p:cNvPr id="373" name="TextBox 372"/>
+            <p:cNvSpPr txBox="1"/>
+            <p:nvPr/>
+          </p:nvSpPr>
+          <p:spPr>
+            <a:xfrm>
+              <a:off x="2758993" y="2910864"/>
+              <a:ext cx="279244" cy="461665"/>
+            </a:xfrm>
+            <a:prstGeom prst="rect">
+              <a:avLst/>
+            </a:prstGeom>
+            <a:noFill/>
+          </p:spPr>
+          <p:txBody>
+            <a:bodyPr wrap="none" rtlCol="0">
+              <a:spAutoFit/>
+            </a:bodyPr>
+            <a:lstStyle/>
+            <a:p>
+              <a:r>
+                <a:rPr lang="en-US" sz="2400">
+                  <a:solidFill>
+                    <a:schemeClr val="tx1">
+                      <a:lumMod val="95000"/>
+                      <a:lumOff val="5000"/>
+                    </a:schemeClr>
+                  </a:solidFill>
+                </a:rPr>
+                <a:t>-</a:t>
+              </a:r>
+            </a:p>
+          </p:txBody>
+        </p:sp>
+        <p:cxnSp>
+          <p:nvCxnSpPr>
+            <p:cNvPr id="376" name="Elbow Connector 375"/>
+            <p:cNvCxnSpPr>
+              <a:stCxn id="321" idx="3"/>
+              <a:endCxn id="271" idx="3"/>
+            </p:cNvCxnSpPr>
+            <p:nvPr/>
+          </p:nvCxnSpPr>
+          <p:spPr>
+            <a:xfrm rot="5400000">
+              <a:off x="4233486" y="3170486"/>
+              <a:ext cx="1475465" cy="1938945"/>
+            </a:xfrm>
+            <a:prstGeom prst="bentConnector3">
+              <a:avLst>
+                <a:gd name="adj1" fmla="val 50000"/>
+              </a:avLst>
+            </a:prstGeom>
+            <a:ln>
+              <a:tailEnd type="triangle"/>
+            </a:ln>
+          </p:spPr>
+          <p:style>
+            <a:lnRef idx="1">
+              <a:schemeClr val="accent1"/>
+            </a:lnRef>
+            <a:fillRef idx="0">
+              <a:schemeClr val="accent1"/>
+            </a:fillRef>
+            <a:effectRef idx="0">
+              <a:schemeClr val="accent1"/>
+            </a:effectRef>
+            <a:fontRef idx="minor">
+              <a:schemeClr val="tx1"/>
+            </a:fontRef>
+          </p:style>
+        </p:cxnSp>
+        <p:sp>
+          <p:nvSpPr>
+            <p:cNvPr id="378" name="TextBox 377"/>
+            <p:cNvSpPr txBox="1"/>
+            <p:nvPr/>
+          </p:nvSpPr>
+          <p:spPr>
+            <a:xfrm>
+              <a:off x="5302327" y="4165129"/>
+              <a:ext cx="353260" cy="461665"/>
+            </a:xfrm>
+            <a:prstGeom prst="rect">
+              <a:avLst/>
+            </a:prstGeom>
+            <a:noFill/>
+          </p:spPr>
+          <p:txBody>
+            <a:bodyPr wrap="square" rtlCol="0">
+              <a:spAutoFit/>
+            </a:bodyPr>
+            <a:lstStyle/>
+            <a:p>
+              <a:r>
+                <a:rPr lang="en-US" sz="2400">
+                  <a:solidFill>
+                    <a:schemeClr val="tx1">
+                      <a:lumMod val="95000"/>
+                      <a:lumOff val="5000"/>
+                    </a:schemeClr>
+                  </a:solidFill>
+                </a:rPr>
+                <a:t>+</a:t>
+              </a:r>
+            </a:p>
+          </p:txBody>
+        </p:sp>
+        <p:sp>
+          <p:nvSpPr>
+            <p:cNvPr id="399" name="Oval 398"/>
+            <p:cNvSpPr/>
+            <p:nvPr/>
+          </p:nvSpPr>
+          <p:spPr>
+            <a:xfrm>
+              <a:off x="9384121" y="3621993"/>
+              <a:ext cx="2059684" cy="458424"/>
+            </a:xfrm>
+            <a:prstGeom prst="ellipse">
+              <a:avLst/>
+            </a:prstGeom>
+          </p:spPr>
+          <p:style>
+            <a:lnRef idx="0">
+              <a:schemeClr val="accent2"/>
+            </a:lnRef>
+            <a:fillRef idx="3">
+              <a:schemeClr val="accent2"/>
+            </a:fillRef>
+            <a:effectRef idx="3">
+              <a:schemeClr val="accent2"/>
+            </a:effectRef>
+            <a:fontRef idx="minor">
+              <a:schemeClr val="lt1"/>
+            </a:fontRef>
+          </p:style>
+          <p:txBody>
+            <a:bodyPr rtlCol="0" anchor="ctr"/>
+            <a:lstStyle/>
+            <a:p>
+              <a:pPr algn="ctr"/>
+              <a:r>
+                <a:rPr lang="en-US" sz="1200" b="1">
+                  <a:solidFill>
+                    <a:schemeClr val="tx1">
+                      <a:lumMod val="95000"/>
+                      <a:lumOff val="5000"/>
+                    </a:schemeClr>
+                  </a:solidFill>
+                  <a:latin typeface="Times New Roman" panose="02020603050405020304" pitchFamily="18" charset="0"/>
+                  <a:cs typeface="Times New Roman" panose="02020603050405020304" pitchFamily="18" charset="0"/>
+                </a:rPr>
+                <a:t>Building multiply software</a:t>
+              </a:r>
+            </a:p>
+          </p:txBody>
+        </p:sp>
+        <p:cxnSp>
+          <p:nvCxnSpPr>
+            <p:cNvPr id="411" name="Elbow Connector 410"/>
+            <p:cNvCxnSpPr>
+              <a:stCxn id="399" idx="6"/>
+              <a:endCxn id="302" idx="3"/>
+            </p:cNvCxnSpPr>
+            <p:nvPr/>
+          </p:nvCxnSpPr>
+          <p:spPr>
+            <a:xfrm>
+              <a:off x="11443805" y="3851205"/>
+              <a:ext cx="33413" cy="817360"/>
+            </a:xfrm>
+            <a:prstGeom prst="bentConnector2">
+              <a:avLst/>
+            </a:prstGeom>
+            <a:ln>
+              <a:tailEnd type="triangle"/>
+            </a:ln>
+          </p:spPr>
+          <p:style>
+            <a:lnRef idx="1">
+              <a:schemeClr val="accent1"/>
+            </a:lnRef>
+            <a:fillRef idx="0">
+              <a:schemeClr val="accent1"/>
+            </a:fillRef>
+            <a:effectRef idx="0">
+              <a:schemeClr val="accent1"/>
+            </a:effectRef>
+            <a:fontRef idx="minor">
+              <a:schemeClr val="tx1"/>
+            </a:fontRef>
+          </p:style>
+        </p:cxnSp>
+        <p:cxnSp>
+          <p:nvCxnSpPr>
+            <p:cNvPr id="416" name="Elbow Connector 415"/>
+            <p:cNvCxnSpPr>
+              <a:stCxn id="399" idx="2"/>
+              <a:endCxn id="269" idx="0"/>
+            </p:cNvCxnSpPr>
+            <p:nvPr/>
+          </p:nvCxnSpPr>
+          <p:spPr>
+            <a:xfrm rot="10800000" flipV="1">
+              <a:off x="2767743" y="3851204"/>
+              <a:ext cx="6616379" cy="1333173"/>
+            </a:xfrm>
+            <a:prstGeom prst="bentConnector3">
+              <a:avLst>
+                <a:gd name="adj1" fmla="val 100553"/>
+              </a:avLst>
+            </a:prstGeom>
+            <a:ln>
+              <a:tailEnd type="triangle"/>
+            </a:ln>
+          </p:spPr>
+          <p:style>
+            <a:lnRef idx="1">
+              <a:schemeClr val="accent1"/>
+            </a:lnRef>
+            <a:fillRef idx="0">
+              <a:schemeClr val="accent1"/>
+            </a:fillRef>
+            <a:effectRef idx="0">
+              <a:schemeClr val="accent1"/>
+            </a:effectRef>
+            <a:fontRef idx="minor">
+              <a:schemeClr val="tx1"/>
+            </a:fontRef>
+          </p:style>
+        </p:cxnSp>
+        <p:sp>
+          <p:nvSpPr>
+            <p:cNvPr id="422" name="TextBox 421"/>
+            <p:cNvSpPr txBox="1"/>
+            <p:nvPr/>
+          </p:nvSpPr>
+          <p:spPr>
+            <a:xfrm>
+              <a:off x="11386308" y="4040793"/>
+              <a:ext cx="353260" cy="461665"/>
+            </a:xfrm>
+            <a:prstGeom prst="rect">
+              <a:avLst/>
+            </a:prstGeom>
+            <a:noFill/>
+          </p:spPr>
+          <p:txBody>
+            <a:bodyPr wrap="square" rtlCol="0">
+              <a:spAutoFit/>
+            </a:bodyPr>
+            <a:lstStyle/>
+            <a:p>
+              <a:r>
+                <a:rPr lang="en-US" sz="2400">
+                  <a:solidFill>
+                    <a:schemeClr val="tx1">
+                      <a:lumMod val="95000"/>
+                      <a:lumOff val="5000"/>
+                    </a:schemeClr>
+                  </a:solidFill>
+                </a:rPr>
+                <a:t>+</a:t>
+              </a:r>
+            </a:p>
+          </p:txBody>
+        </p:sp>
+        <p:sp>
+          <p:nvSpPr>
+            <p:cNvPr id="426" name="TextBox 425"/>
+            <p:cNvSpPr txBox="1"/>
+            <p:nvPr/>
+          </p:nvSpPr>
+          <p:spPr>
+            <a:xfrm>
+              <a:off x="2911393" y="3556566"/>
+              <a:ext cx="279244" cy="461665"/>
+            </a:xfrm>
+            <a:prstGeom prst="rect">
+              <a:avLst/>
+            </a:prstGeom>
+            <a:noFill/>
+          </p:spPr>
+          <p:txBody>
+            <a:bodyPr wrap="none" rtlCol="0">
+              <a:spAutoFit/>
+            </a:bodyPr>
+            <a:lstStyle/>
+            <a:p>
+              <a:r>
+                <a:rPr lang="en-US" sz="2400">
+                  <a:solidFill>
+                    <a:schemeClr val="tx1">
+                      <a:lumMod val="95000"/>
+                      <a:lumOff val="5000"/>
+                    </a:schemeClr>
+                  </a:solidFill>
+                </a:rPr>
+                <a:t>-</a:t>
+              </a:r>
+            </a:p>
+          </p:txBody>
+        </p:sp>
+        <p:sp>
+          <p:nvSpPr>
+            <p:cNvPr id="427" name="Oval 426"/>
+            <p:cNvSpPr/>
+            <p:nvPr/>
+          </p:nvSpPr>
+          <p:spPr>
+            <a:xfrm>
+              <a:off x="7408784" y="3316022"/>
+              <a:ext cx="2059684" cy="458424"/>
+            </a:xfrm>
+            <a:prstGeom prst="ellipse">
+              <a:avLst/>
+            </a:prstGeom>
+          </p:spPr>
+          <p:style>
+            <a:lnRef idx="0">
+              <a:schemeClr val="accent2"/>
+            </a:lnRef>
+            <a:fillRef idx="3">
+              <a:schemeClr val="accent2"/>
+            </a:fillRef>
+            <a:effectRef idx="3">
+              <a:schemeClr val="accent2"/>
+            </a:effectRef>
+            <a:fontRef idx="minor">
+              <a:schemeClr val="lt1"/>
+            </a:fontRef>
+          </p:style>
+          <p:txBody>
+            <a:bodyPr rtlCol="0" anchor="ctr"/>
+            <a:lstStyle/>
+            <a:p>
+              <a:pPr algn="ctr"/>
+              <a:r>
+                <a:rPr lang="en-US" sz="1200" b="1">
+                  <a:solidFill>
+                    <a:schemeClr val="tx1">
+                      <a:lumMod val="95000"/>
+                      <a:lumOff val="5000"/>
+                    </a:schemeClr>
+                  </a:solidFill>
+                  <a:latin typeface="Times New Roman" panose="02020603050405020304" pitchFamily="18" charset="0"/>
+                  <a:cs typeface="Times New Roman" panose="02020603050405020304" pitchFamily="18" charset="0"/>
+                </a:rPr>
+                <a:t>Building multiply device</a:t>
+              </a:r>
+            </a:p>
+          </p:txBody>
+        </p:sp>
+        <p:cxnSp>
+          <p:nvCxnSpPr>
+            <p:cNvPr id="429" name="Straight Arrow Connector 428"/>
+            <p:cNvCxnSpPr>
+              <a:stCxn id="399" idx="3"/>
+              <a:endCxn id="293" idx="3"/>
+            </p:cNvCxnSpPr>
+            <p:nvPr/>
+          </p:nvCxnSpPr>
+          <p:spPr>
+            <a:xfrm flipH="1">
+              <a:off x="9608578" y="4013282"/>
+              <a:ext cx="77177" cy="1162126"/>
+            </a:xfrm>
+            <a:prstGeom prst="straightConnector1">
+              <a:avLst/>
+            </a:prstGeom>
+            <a:ln>
+              <a:tailEnd type="triangle"/>
+            </a:ln>
+          </p:spPr>
+          <p:style>
+            <a:lnRef idx="1">
+              <a:schemeClr val="accent1"/>
+            </a:lnRef>
+            <a:fillRef idx="0">
+              <a:schemeClr val="accent1"/>
+            </a:fillRef>
+            <a:effectRef idx="0">
+              <a:schemeClr val="accent1"/>
+            </a:effectRef>
+            <a:fontRef idx="minor">
+              <a:schemeClr val="tx1"/>
+            </a:fontRef>
+          </p:style>
+        </p:cxnSp>
+        <p:sp>
+          <p:nvSpPr>
+            <p:cNvPr id="434" name="TextBox 433"/>
+            <p:cNvSpPr txBox="1"/>
+            <p:nvPr/>
+          </p:nvSpPr>
+          <p:spPr>
+            <a:xfrm>
+              <a:off x="9330875" y="4739320"/>
+              <a:ext cx="338554" cy="461665"/>
+            </a:xfrm>
+            <a:prstGeom prst="rect">
+              <a:avLst/>
+            </a:prstGeom>
+            <a:noFill/>
+          </p:spPr>
+          <p:txBody>
+            <a:bodyPr wrap="none" rtlCol="0">
+              <a:spAutoFit/>
+            </a:bodyPr>
+            <a:lstStyle/>
+            <a:p>
+              <a:r>
+                <a:rPr lang="en-US" sz="2400">
+                  <a:solidFill>
+                    <a:schemeClr val="tx1">
+                      <a:lumMod val="95000"/>
+                      <a:lumOff val="5000"/>
+                    </a:schemeClr>
+                  </a:solidFill>
+                </a:rPr>
+                <a:t>+</a:t>
+              </a:r>
+            </a:p>
+          </p:txBody>
+        </p:sp>
+        <p:cxnSp>
+          <p:nvCxnSpPr>
+            <p:cNvPr id="439" name="Elbow Connector 438"/>
+            <p:cNvCxnSpPr>
+              <a:stCxn id="427" idx="4"/>
+              <a:endCxn id="300" idx="2"/>
+            </p:cNvCxnSpPr>
+            <p:nvPr/>
+          </p:nvCxnSpPr>
+          <p:spPr>
+            <a:xfrm rot="16200000" flipH="1">
+              <a:off x="8609303" y="3603769"/>
+              <a:ext cx="926672" cy="1268026"/>
+            </a:xfrm>
+            <a:prstGeom prst="bentConnector2">
+              <a:avLst/>
+            </a:prstGeom>
+            <a:ln>
+              <a:tailEnd type="triangle"/>
+            </a:ln>
+          </p:spPr>
+          <p:style>
+            <a:lnRef idx="1">
+              <a:schemeClr val="accent1"/>
+            </a:lnRef>
+            <a:fillRef idx="0">
+              <a:schemeClr val="accent1"/>
+            </a:fillRef>
+            <a:effectRef idx="0">
+              <a:schemeClr val="accent1"/>
+            </a:effectRef>
+            <a:fontRef idx="minor">
+              <a:schemeClr val="tx1"/>
+            </a:fontRef>
+          </p:style>
+        </p:cxnSp>
+        <p:sp>
+          <p:nvSpPr>
+            <p:cNvPr id="440" name="TextBox 439"/>
+            <p:cNvSpPr txBox="1"/>
+            <p:nvPr/>
+          </p:nvSpPr>
+          <p:spPr>
+            <a:xfrm>
+              <a:off x="8749349" y="4362330"/>
+              <a:ext cx="338554" cy="461665"/>
+            </a:xfrm>
+            <a:prstGeom prst="rect">
+              <a:avLst/>
+            </a:prstGeom>
+            <a:noFill/>
+          </p:spPr>
+          <p:txBody>
+            <a:bodyPr wrap="none" rtlCol="0">
+              <a:spAutoFit/>
+            </a:bodyPr>
+            <a:lstStyle/>
+            <a:p>
+              <a:r>
+                <a:rPr lang="en-US" sz="2400">
+                  <a:solidFill>
+                    <a:schemeClr val="tx1">
+                      <a:lumMod val="95000"/>
+                      <a:lumOff val="5000"/>
+                    </a:schemeClr>
+                  </a:solidFill>
+                </a:rPr>
+                <a:t>+</a:t>
+              </a:r>
+            </a:p>
+          </p:txBody>
+        </p:sp>
+        <p:cxnSp>
+          <p:nvCxnSpPr>
+            <p:cNvPr id="442" name="Elbow Connector 441"/>
+            <p:cNvCxnSpPr>
+              <a:stCxn id="427" idx="2"/>
+            </p:cNvCxnSpPr>
+            <p:nvPr/>
+          </p:nvCxnSpPr>
+          <p:spPr>
+            <a:xfrm rot="10800000" flipV="1">
+              <a:off x="2262406" y="3545234"/>
+              <a:ext cx="5146378" cy="1288768"/>
+            </a:xfrm>
+            <a:prstGeom prst="bentConnector3">
+              <a:avLst>
+                <a:gd name="adj1" fmla="val 100030"/>
+              </a:avLst>
+            </a:prstGeom>
+            <a:ln>
+              <a:tailEnd type="triangle"/>
+            </a:ln>
+          </p:spPr>
+          <p:style>
+            <a:lnRef idx="1">
+              <a:schemeClr val="accent1"/>
+            </a:lnRef>
+            <a:fillRef idx="0">
+              <a:schemeClr val="accent1"/>
+            </a:fillRef>
+            <a:effectRef idx="0">
+              <a:schemeClr val="accent1"/>
+            </a:effectRef>
+            <a:fontRef idx="minor">
+              <a:schemeClr val="tx1"/>
+            </a:fontRef>
+          </p:style>
+        </p:cxnSp>
+        <p:sp>
+          <p:nvSpPr>
+            <p:cNvPr id="448" name="TextBox 447"/>
+            <p:cNvSpPr txBox="1"/>
+            <p:nvPr/>
+          </p:nvSpPr>
+          <p:spPr>
+            <a:xfrm>
+              <a:off x="2835191" y="3215670"/>
+              <a:ext cx="279244" cy="461665"/>
+            </a:xfrm>
+            <a:prstGeom prst="rect">
+              <a:avLst/>
+            </a:prstGeom>
+            <a:noFill/>
+          </p:spPr>
+          <p:txBody>
+            <a:bodyPr wrap="none" rtlCol="0">
+              <a:spAutoFit/>
+            </a:bodyPr>
+            <a:lstStyle/>
+            <a:p>
+              <a:r>
+                <a:rPr lang="en-US" sz="2400">
+                  <a:solidFill>
+                    <a:schemeClr val="tx1">
+                      <a:lumMod val="95000"/>
+                      <a:lumOff val="5000"/>
+                    </a:schemeClr>
+                  </a:solidFill>
+                </a:rPr>
+                <a:t>-</a:t>
+              </a:r>
+            </a:p>
+          </p:txBody>
+        </p:sp>
+        <p:sp>
+          <p:nvSpPr>
+            <p:cNvPr id="449" name="Oval 448"/>
+            <p:cNvSpPr/>
+            <p:nvPr/>
+          </p:nvSpPr>
+          <p:spPr>
+            <a:xfrm>
+              <a:off x="3326115" y="2792440"/>
+              <a:ext cx="2059684" cy="397714"/>
+            </a:xfrm>
+            <a:prstGeom prst="ellipse">
+              <a:avLst/>
+            </a:prstGeom>
+          </p:spPr>
+          <p:style>
+            <a:lnRef idx="0">
+              <a:schemeClr val="accent2"/>
+            </a:lnRef>
+            <a:fillRef idx="3">
+              <a:schemeClr val="accent2"/>
+            </a:fillRef>
+            <a:effectRef idx="3">
+              <a:schemeClr val="accent2"/>
+            </a:effectRef>
+            <a:fontRef idx="minor">
+              <a:schemeClr val="lt1"/>
+            </a:fontRef>
+          </p:style>
+          <p:txBody>
+            <a:bodyPr rtlCol="0" anchor="ctr"/>
+            <a:lstStyle/>
+            <a:p>
+              <a:pPr algn="ctr"/>
+              <a:r>
+                <a:rPr lang="en-US" sz="1200" b="1">
+                  <a:solidFill>
+                    <a:schemeClr val="tx1">
+                      <a:lumMod val="95000"/>
+                      <a:lumOff val="5000"/>
+                    </a:schemeClr>
+                  </a:solidFill>
+                  <a:latin typeface="Times New Roman" panose="02020603050405020304" pitchFamily="18" charset="0"/>
+                  <a:cs typeface="Times New Roman" panose="02020603050405020304" pitchFamily="18" charset="0"/>
+                </a:rPr>
+                <a:t>Upgrade hardware</a:t>
+              </a:r>
+            </a:p>
+          </p:txBody>
+        </p:sp>
+        <p:cxnSp>
+          <p:nvCxnSpPr>
+            <p:cNvPr id="451" name="Elbow Connector 450"/>
+            <p:cNvCxnSpPr>
+              <a:stCxn id="449" idx="5"/>
+              <a:endCxn id="281" idx="2"/>
+            </p:cNvCxnSpPr>
+            <p:nvPr/>
+          </p:nvCxnSpPr>
+          <p:spPr>
+            <a:xfrm rot="16200000" flipH="1">
+              <a:off x="4147922" y="4068152"/>
+              <a:ext cx="2094974" cy="222489"/>
+            </a:xfrm>
+            <a:prstGeom prst="bentConnector2">
+              <a:avLst/>
+            </a:prstGeom>
+            <a:ln>
+              <a:tailEnd type="triangle"/>
+            </a:ln>
+          </p:spPr>
+          <p:style>
+            <a:lnRef idx="1">
+              <a:schemeClr val="accent1"/>
+            </a:lnRef>
+            <a:fillRef idx="0">
+              <a:schemeClr val="accent1"/>
+            </a:fillRef>
+            <a:effectRef idx="0">
+              <a:schemeClr val="accent1"/>
+            </a:effectRef>
+            <a:fontRef idx="minor">
+              <a:schemeClr val="tx1"/>
+            </a:fontRef>
+          </p:style>
+        </p:cxnSp>
+        <p:cxnSp>
+          <p:nvCxnSpPr>
+            <p:cNvPr id="453" name="Elbow Connector 452"/>
+            <p:cNvCxnSpPr>
+              <a:stCxn id="449" idx="5"/>
+              <a:endCxn id="284" idx="3"/>
+            </p:cNvCxnSpPr>
+            <p:nvPr/>
+          </p:nvCxnSpPr>
+          <p:spPr>
+            <a:xfrm rot="16200000" flipH="1">
+              <a:off x="5496249" y="2719826"/>
+              <a:ext cx="1526662" cy="2350830"/>
+            </a:xfrm>
+            <a:prstGeom prst="bentConnector3">
+              <a:avLst>
+                <a:gd name="adj1" fmla="val 50000"/>
+              </a:avLst>
+            </a:prstGeom>
+            <a:ln>
+              <a:tailEnd type="triangle"/>
+            </a:ln>
+          </p:spPr>
+          <p:style>
+            <a:lnRef idx="1">
+              <a:schemeClr val="accent1"/>
+            </a:lnRef>
+            <a:fillRef idx="0">
+              <a:schemeClr val="accent1"/>
+            </a:fillRef>
+            <a:effectRef idx="0">
+              <a:schemeClr val="accent1"/>
+            </a:effectRef>
+            <a:fontRef idx="minor">
+              <a:schemeClr val="tx1"/>
+            </a:fontRef>
+          </p:style>
+        </p:cxnSp>
+        <p:cxnSp>
+          <p:nvCxnSpPr>
+            <p:cNvPr id="458" name="Elbow Connector 457"/>
+            <p:cNvCxnSpPr>
+              <a:stCxn id="449" idx="5"/>
+              <a:endCxn id="287" idx="3"/>
+            </p:cNvCxnSpPr>
+            <p:nvPr/>
+          </p:nvCxnSpPr>
+          <p:spPr>
+            <a:xfrm rot="16200000" flipH="1">
+              <a:off x="5564478" y="2651597"/>
+              <a:ext cx="2212770" cy="3173396"/>
+            </a:xfrm>
+            <a:prstGeom prst="bentConnector3">
+              <a:avLst>
+                <a:gd name="adj1" fmla="val 50000"/>
+              </a:avLst>
+            </a:prstGeom>
+            <a:ln>
+              <a:tailEnd type="triangle"/>
+            </a:ln>
+          </p:spPr>
+          <p:style>
+            <a:lnRef idx="1">
+              <a:schemeClr val="accent1"/>
+            </a:lnRef>
+            <a:fillRef idx="0">
+              <a:schemeClr val="accent1"/>
+            </a:fillRef>
+            <a:effectRef idx="0">
+              <a:schemeClr val="accent1"/>
+            </a:effectRef>
+            <a:fontRef idx="minor">
+              <a:schemeClr val="tx1"/>
+            </a:fontRef>
+          </p:style>
+        </p:cxnSp>
+        <p:sp>
+          <p:nvSpPr>
+            <p:cNvPr id="460" name="TextBox 459"/>
+            <p:cNvSpPr txBox="1"/>
+            <p:nvPr/>
+          </p:nvSpPr>
+          <p:spPr>
+            <a:xfrm>
+              <a:off x="6927539" y="4293692"/>
+              <a:ext cx="338554" cy="461665"/>
+            </a:xfrm>
+            <a:prstGeom prst="rect">
+              <a:avLst/>
+            </a:prstGeom>
+            <a:noFill/>
+          </p:spPr>
+          <p:txBody>
+            <a:bodyPr wrap="none" rtlCol="0">
+              <a:spAutoFit/>
+            </a:bodyPr>
+            <a:lstStyle/>
+            <a:p>
+              <a:r>
+                <a:rPr lang="en-US" sz="2400">
+                  <a:solidFill>
+                    <a:schemeClr val="tx1">
+                      <a:lumMod val="95000"/>
+                      <a:lumOff val="5000"/>
+                    </a:schemeClr>
+                  </a:solidFill>
+                </a:rPr>
+                <a:t>+</a:t>
+              </a:r>
+            </a:p>
+          </p:txBody>
+        </p:sp>
+        <p:sp>
+          <p:nvSpPr>
+            <p:cNvPr id="461" name="TextBox 460"/>
+            <p:cNvSpPr txBox="1"/>
+            <p:nvPr/>
+          </p:nvSpPr>
+          <p:spPr>
+            <a:xfrm>
+              <a:off x="8234963" y="4758919"/>
+              <a:ext cx="338554" cy="461665"/>
+            </a:xfrm>
+            <a:prstGeom prst="rect">
+              <a:avLst/>
+            </a:prstGeom>
+            <a:noFill/>
+          </p:spPr>
+          <p:txBody>
+            <a:bodyPr wrap="none" rtlCol="0">
+              <a:spAutoFit/>
+            </a:bodyPr>
+            <a:lstStyle/>
+            <a:p>
+              <a:r>
+                <a:rPr lang="en-US" sz="2400">
+                  <a:solidFill>
+                    <a:schemeClr val="tx1">
+                      <a:lumMod val="95000"/>
+                      <a:lumOff val="5000"/>
+                    </a:schemeClr>
+                  </a:solidFill>
+                </a:rPr>
+                <a:t>+</a:t>
+              </a:r>
+            </a:p>
+          </p:txBody>
+        </p:sp>
+        <p:sp>
+          <p:nvSpPr>
+            <p:cNvPr id="462" name="TextBox 461"/>
+            <p:cNvSpPr txBox="1"/>
+            <p:nvPr/>
+          </p:nvSpPr>
+          <p:spPr>
+            <a:xfrm>
+              <a:off x="5018510" y="4815063"/>
+              <a:ext cx="338554" cy="461665"/>
+            </a:xfrm>
+            <a:prstGeom prst="rect">
+              <a:avLst/>
+            </a:prstGeom>
+            <a:noFill/>
+          </p:spPr>
+          <p:txBody>
+            <a:bodyPr wrap="none" rtlCol="0">
+              <a:spAutoFit/>
+            </a:bodyPr>
+            <a:lstStyle/>
+            <a:p>
+              <a:r>
+                <a:rPr lang="en-US" sz="2400">
+                  <a:solidFill>
+                    <a:schemeClr val="tx1">
+                      <a:lumMod val="95000"/>
+                      <a:lumOff val="5000"/>
+                    </a:schemeClr>
+                  </a:solidFill>
+                </a:rPr>
+                <a:t>+</a:t>
+              </a:r>
+            </a:p>
+          </p:txBody>
+        </p:sp>
+        <p:cxnSp>
+          <p:nvCxnSpPr>
+            <p:cNvPr id="466" name="Elbow Connector 465"/>
+            <p:cNvCxnSpPr>
+              <a:stCxn id="449" idx="2"/>
+              <a:endCxn id="269" idx="2"/>
+            </p:cNvCxnSpPr>
+            <p:nvPr/>
+          </p:nvCxnSpPr>
+          <p:spPr>
+            <a:xfrm rot="10800000" flipV="1">
+              <a:off x="1092029" y="2991296"/>
+              <a:ext cx="2234087" cy="2193081"/>
+            </a:xfrm>
+            <a:prstGeom prst="bentConnector3">
+              <a:avLst>
+                <a:gd name="adj1" fmla="val 110466"/>
+              </a:avLst>
+            </a:prstGeom>
+            <a:ln>
+              <a:tailEnd type="triangle"/>
+            </a:ln>
+          </p:spPr>
+          <p:style>
+            <a:lnRef idx="1">
+              <a:schemeClr val="accent1"/>
+            </a:lnRef>
+            <a:fillRef idx="0">
+              <a:schemeClr val="accent1"/>
+            </a:fillRef>
+            <a:effectRef idx="0">
+              <a:schemeClr val="accent1"/>
+            </a:effectRef>
+            <a:fontRef idx="minor">
+              <a:schemeClr val="tx1"/>
+            </a:fontRef>
+          </p:style>
+        </p:cxnSp>
+        <p:sp>
+          <p:nvSpPr>
+            <p:cNvPr id="468" name="TextBox 467"/>
+            <p:cNvSpPr txBox="1"/>
+            <p:nvPr/>
+          </p:nvSpPr>
+          <p:spPr>
+            <a:xfrm>
+              <a:off x="1082153" y="3653222"/>
+              <a:ext cx="279244" cy="461665"/>
+            </a:xfrm>
+            <a:prstGeom prst="rect">
+              <a:avLst/>
+            </a:prstGeom>
+            <a:noFill/>
+          </p:spPr>
+          <p:txBody>
+            <a:bodyPr wrap="none" rtlCol="0">
+              <a:spAutoFit/>
+            </a:bodyPr>
+            <a:lstStyle/>
+            <a:p>
+              <a:r>
+                <a:rPr lang="en-US" sz="2400">
+                  <a:solidFill>
+                    <a:schemeClr val="tx1">
+                      <a:lumMod val="95000"/>
+                      <a:lumOff val="5000"/>
+                    </a:schemeClr>
+                  </a:solidFill>
+                </a:rPr>
+                <a:t>-</a:t>
+              </a:r>
+            </a:p>
+          </p:txBody>
+        </p:sp>
+        <p:sp>
+          <p:nvSpPr>
+            <p:cNvPr id="472" name="Oval 471"/>
+            <p:cNvSpPr/>
+            <p:nvPr/>
+          </p:nvSpPr>
+          <p:spPr>
+            <a:xfrm>
+              <a:off x="2911534" y="1982038"/>
+              <a:ext cx="2223000" cy="397714"/>
+            </a:xfrm>
+            <a:prstGeom prst="ellipse">
+              <a:avLst/>
+            </a:prstGeom>
+          </p:spPr>
+          <p:style>
+            <a:lnRef idx="0">
+              <a:schemeClr val="accent2"/>
+            </a:lnRef>
+            <a:fillRef idx="3">
+              <a:schemeClr val="accent2"/>
+            </a:fillRef>
+            <a:effectRef idx="3">
+              <a:schemeClr val="accent2"/>
+            </a:effectRef>
+            <a:fontRef idx="minor">
+              <a:schemeClr val="lt1"/>
+            </a:fontRef>
+          </p:style>
+          <p:txBody>
+            <a:bodyPr rtlCol="0" anchor="ctr"/>
+            <a:lstStyle/>
+            <a:p>
+              <a:pPr algn="ctr"/>
+              <a:r>
+                <a:rPr lang="en-US" sz="1200" b="1">
+                  <a:solidFill>
+                    <a:schemeClr val="tx1">
+                      <a:lumMod val="95000"/>
+                      <a:lumOff val="5000"/>
+                    </a:schemeClr>
+                  </a:solidFill>
+                  <a:latin typeface="Times New Roman" panose="02020603050405020304" pitchFamily="18" charset="0"/>
+                  <a:cs typeface="Times New Roman" panose="02020603050405020304" pitchFamily="18" charset="0"/>
+                </a:rPr>
+                <a:t>Build error handlers</a:t>
+              </a:r>
+            </a:p>
+          </p:txBody>
+        </p:sp>
+        <p:cxnSp>
+          <p:nvCxnSpPr>
+            <p:cNvPr id="476" name="Elbow Connector 475"/>
+            <p:cNvCxnSpPr>
+              <a:stCxn id="472" idx="2"/>
+              <a:endCxn id="230" idx="1"/>
+            </p:cNvCxnSpPr>
+            <p:nvPr/>
+          </p:nvCxnSpPr>
+          <p:spPr>
+            <a:xfrm rot="10800000">
+              <a:off x="888104" y="1261679"/>
+              <a:ext cx="2023430" cy="919217"/>
+            </a:xfrm>
+            <a:prstGeom prst="bentConnector2">
+              <a:avLst/>
+            </a:prstGeom>
+            <a:ln>
+              <a:tailEnd type="triangle"/>
+            </a:ln>
+          </p:spPr>
+          <p:style>
+            <a:lnRef idx="1">
+              <a:schemeClr val="accent1"/>
+            </a:lnRef>
+            <a:fillRef idx="0">
+              <a:schemeClr val="accent1"/>
+            </a:fillRef>
+            <a:effectRef idx="0">
+              <a:schemeClr val="accent1"/>
+            </a:effectRef>
+            <a:fontRef idx="minor">
+              <a:schemeClr val="tx1"/>
+            </a:fontRef>
+          </p:style>
+        </p:cxnSp>
+        <p:cxnSp>
+          <p:nvCxnSpPr>
+            <p:cNvPr id="480" name="Elbow Connector 479"/>
+            <p:cNvCxnSpPr>
+              <a:stCxn id="472" idx="2"/>
+              <a:endCxn id="225" idx="1"/>
+            </p:cNvCxnSpPr>
+            <p:nvPr/>
+          </p:nvCxnSpPr>
+          <p:spPr>
+            <a:xfrm rot="10800000">
+              <a:off x="2145380" y="1964391"/>
+              <a:ext cx="766155" cy="216504"/>
+            </a:xfrm>
+            <a:prstGeom prst="bentConnector2">
+              <a:avLst/>
+            </a:prstGeom>
+            <a:ln>
+              <a:tailEnd type="triangle"/>
+            </a:ln>
+          </p:spPr>
+          <p:style>
+            <a:lnRef idx="1">
+              <a:schemeClr val="accent1"/>
+            </a:lnRef>
+            <a:fillRef idx="0">
+              <a:schemeClr val="accent1"/>
+            </a:fillRef>
+            <a:effectRef idx="0">
+              <a:schemeClr val="accent1"/>
+            </a:effectRef>
+            <a:fontRef idx="minor">
+              <a:schemeClr val="tx1"/>
+            </a:fontRef>
+          </p:style>
+        </p:cxnSp>
+        <p:cxnSp>
+          <p:nvCxnSpPr>
+            <p:cNvPr id="483" name="Elbow Connector 482"/>
+            <p:cNvCxnSpPr>
+              <a:stCxn id="472" idx="0"/>
+              <a:endCxn id="234" idx="1"/>
+            </p:cNvCxnSpPr>
+            <p:nvPr/>
+          </p:nvCxnSpPr>
+          <p:spPr>
+            <a:xfrm rot="16200000" flipV="1">
+              <a:off x="3777156" y="1736159"/>
+              <a:ext cx="193816" cy="297941"/>
+            </a:xfrm>
+            <a:prstGeom prst="bentConnector3">
+              <a:avLst>
+                <a:gd name="adj1" fmla="val 81039"/>
+              </a:avLst>
+            </a:prstGeom>
+            <a:ln>
+              <a:tailEnd type="triangle"/>
+            </a:ln>
+          </p:spPr>
+          <p:style>
+            <a:lnRef idx="1">
+              <a:schemeClr val="accent1"/>
+            </a:lnRef>
+            <a:fillRef idx="0">
+              <a:schemeClr val="accent1"/>
+            </a:fillRef>
+            <a:effectRef idx="0">
+              <a:schemeClr val="accent1"/>
+            </a:effectRef>
+            <a:fontRef idx="minor">
+              <a:schemeClr val="tx1"/>
+            </a:fontRef>
+          </p:style>
+        </p:cxnSp>
+        <p:cxnSp>
+          <p:nvCxnSpPr>
+            <p:cNvPr id="489" name="Elbow Connector 488"/>
+            <p:cNvCxnSpPr>
+              <a:stCxn id="472" idx="7"/>
+              <a:endCxn id="236" idx="1"/>
+            </p:cNvCxnSpPr>
+            <p:nvPr/>
+          </p:nvCxnSpPr>
+          <p:spPr>
+            <a:xfrm rot="16200000" flipV="1">
+              <a:off x="4317645" y="1548944"/>
+              <a:ext cx="895601" cy="87076"/>
+            </a:xfrm>
+            <a:prstGeom prst="bentConnector3">
+              <a:avLst/>
+            </a:prstGeom>
+            <a:ln>
+              <a:tailEnd type="triangle"/>
+            </a:ln>
+          </p:spPr>
+          <p:style>
+            <a:lnRef idx="1">
+              <a:schemeClr val="accent1"/>
+            </a:lnRef>
+            <a:fillRef idx="0">
+              <a:schemeClr val="accent1"/>
+            </a:fillRef>
+            <a:effectRef idx="0">
+              <a:schemeClr val="accent1"/>
+            </a:effectRef>
+            <a:fontRef idx="minor">
+              <a:schemeClr val="tx1"/>
+            </a:fontRef>
+          </p:style>
+        </p:cxnSp>
+        <p:sp>
+          <p:nvSpPr>
+            <p:cNvPr id="490" name="TextBox 489"/>
+            <p:cNvSpPr txBox="1"/>
+            <p:nvPr/>
+          </p:nvSpPr>
+          <p:spPr>
+            <a:xfrm>
+              <a:off x="4516262" y="1441982"/>
+              <a:ext cx="353260" cy="461665"/>
+            </a:xfrm>
+            <a:prstGeom prst="rect">
+              <a:avLst/>
+            </a:prstGeom>
+            <a:noFill/>
+          </p:spPr>
+          <p:txBody>
+            <a:bodyPr wrap="square" rtlCol="0">
+              <a:spAutoFit/>
+            </a:bodyPr>
+            <a:lstStyle/>
+            <a:p>
+              <a:r>
+                <a:rPr lang="en-US" sz="2400">
+                  <a:solidFill>
+                    <a:schemeClr val="tx1">
+                      <a:lumMod val="95000"/>
+                      <a:lumOff val="5000"/>
+                    </a:schemeClr>
+                  </a:solidFill>
+                </a:rPr>
+                <a:t>+</a:t>
+              </a:r>
+            </a:p>
+          </p:txBody>
+        </p:sp>
+        <p:sp>
+          <p:nvSpPr>
+            <p:cNvPr id="491" name="TextBox 490"/>
+            <p:cNvSpPr txBox="1"/>
+            <p:nvPr/>
+          </p:nvSpPr>
+          <p:spPr>
+            <a:xfrm>
+              <a:off x="3982856" y="1594382"/>
+              <a:ext cx="353260" cy="461665"/>
+            </a:xfrm>
+            <a:prstGeom prst="rect">
+              <a:avLst/>
+            </a:prstGeom>
+            <a:noFill/>
+          </p:spPr>
+          <p:txBody>
+            <a:bodyPr wrap="square" rtlCol="0">
+              <a:spAutoFit/>
+            </a:bodyPr>
+            <a:lstStyle/>
+            <a:p>
+              <a:r>
+                <a:rPr lang="en-US" sz="2400">
+                  <a:solidFill>
+                    <a:schemeClr val="tx1">
+                      <a:lumMod val="95000"/>
+                      <a:lumOff val="5000"/>
+                    </a:schemeClr>
+                  </a:solidFill>
+                </a:rPr>
+                <a:t>+</a:t>
+              </a:r>
+            </a:p>
+          </p:txBody>
+        </p:sp>
+        <p:sp>
+          <p:nvSpPr>
+            <p:cNvPr id="492" name="TextBox 491"/>
+            <p:cNvSpPr txBox="1"/>
+            <p:nvPr/>
+          </p:nvSpPr>
+          <p:spPr>
+            <a:xfrm>
+              <a:off x="2214211" y="1774859"/>
+              <a:ext cx="353260" cy="461665"/>
+            </a:xfrm>
+            <a:prstGeom prst="rect">
+              <a:avLst/>
+            </a:prstGeom>
+            <a:noFill/>
+          </p:spPr>
+          <p:txBody>
+            <a:bodyPr wrap="square" rtlCol="0">
+              <a:spAutoFit/>
+            </a:bodyPr>
+            <a:lstStyle/>
+            <a:p>
+              <a:r>
+                <a:rPr lang="en-US" sz="2400">
+                  <a:solidFill>
+                    <a:schemeClr val="tx1">
+                      <a:lumMod val="95000"/>
+                      <a:lumOff val="5000"/>
+                    </a:schemeClr>
+                  </a:solidFill>
+                </a:rPr>
+                <a:t>+</a:t>
+              </a:r>
+            </a:p>
+          </p:txBody>
+        </p:sp>
+        <p:sp>
+          <p:nvSpPr>
+            <p:cNvPr id="493" name="TextBox 492"/>
+            <p:cNvSpPr txBox="1"/>
+            <p:nvPr/>
+          </p:nvSpPr>
+          <p:spPr>
+            <a:xfrm>
+              <a:off x="513757" y="1301616"/>
+              <a:ext cx="353260" cy="461665"/>
+            </a:xfrm>
+            <a:prstGeom prst="rect">
+              <a:avLst/>
+            </a:prstGeom>
+            <a:noFill/>
+          </p:spPr>
+          <p:txBody>
+            <a:bodyPr wrap="square" rtlCol="0">
+              <a:spAutoFit/>
+            </a:bodyPr>
+            <a:lstStyle/>
+            <a:p>
+              <a:r>
+                <a:rPr lang="en-US" sz="2400">
+                  <a:solidFill>
+                    <a:schemeClr val="tx1">
+                      <a:lumMod val="95000"/>
+                      <a:lumOff val="5000"/>
+                    </a:schemeClr>
+                  </a:solidFill>
+                </a:rPr>
+                <a:t>+</a:t>
+              </a:r>
+            </a:p>
+          </p:txBody>
+        </p:sp>
+        <p:cxnSp>
+          <p:nvCxnSpPr>
+            <p:cNvPr id="495" name="Elbow Connector 494"/>
+            <p:cNvCxnSpPr>
+              <a:stCxn id="449" idx="5"/>
+              <a:endCxn id="274" idx="3"/>
+            </p:cNvCxnSpPr>
+            <p:nvPr/>
+          </p:nvCxnSpPr>
+          <p:spPr>
+            <a:xfrm rot="5400000">
+              <a:off x="3442766" y="4308511"/>
+              <a:ext cx="2818000" cy="464799"/>
+            </a:xfrm>
+            <a:prstGeom prst="bentConnector3">
+              <a:avLst>
+                <a:gd name="adj1" fmla="val 87145"/>
+              </a:avLst>
+            </a:prstGeom>
+            <a:ln>
+              <a:tailEnd type="triangle"/>
+            </a:ln>
+          </p:spPr>
+          <p:style>
+            <a:lnRef idx="1">
+              <a:schemeClr val="accent1"/>
+            </a:lnRef>
+            <a:fillRef idx="0">
+              <a:schemeClr val="accent1"/>
+            </a:fillRef>
+            <a:effectRef idx="0">
+              <a:schemeClr val="accent1"/>
+            </a:effectRef>
+            <a:fontRef idx="minor">
+              <a:schemeClr val="tx1"/>
+            </a:fontRef>
+          </p:style>
+        </p:cxnSp>
+        <p:sp>
+          <p:nvSpPr>
+            <p:cNvPr id="499" name="TextBox 498"/>
+            <p:cNvSpPr txBox="1"/>
+            <p:nvPr/>
+          </p:nvSpPr>
+          <p:spPr>
+            <a:xfrm>
+              <a:off x="4593391" y="5400603"/>
+              <a:ext cx="279244" cy="461665"/>
+            </a:xfrm>
+            <a:prstGeom prst="rect">
+              <a:avLst/>
+            </a:prstGeom>
+            <a:noFill/>
+          </p:spPr>
+          <p:txBody>
+            <a:bodyPr wrap="none" rtlCol="0">
+              <a:spAutoFit/>
+            </a:bodyPr>
+            <a:lstStyle/>
+            <a:p>
+              <a:r>
+                <a:rPr lang="en-US" sz="2400">
+                  <a:solidFill>
+                    <a:schemeClr val="tx1">
+                      <a:lumMod val="95000"/>
+                      <a:lumOff val="5000"/>
+                    </a:schemeClr>
+                  </a:solidFill>
+                </a:rPr>
+                <a:t>-</a:t>
+              </a:r>
+            </a:p>
+          </p:txBody>
+        </p:sp>
+        <p:sp>
+          <p:nvSpPr>
+            <p:cNvPr id="500" name="TextBox 499"/>
+            <p:cNvSpPr txBox="1"/>
+            <p:nvPr/>
+          </p:nvSpPr>
+          <p:spPr>
+            <a:xfrm>
+              <a:off x="3773662" y="4442888"/>
+              <a:ext cx="279244" cy="461665"/>
+            </a:xfrm>
+            <a:prstGeom prst="rect">
+              <a:avLst/>
+            </a:prstGeom>
+            <a:noFill/>
+          </p:spPr>
+          <p:txBody>
+            <a:bodyPr wrap="none" rtlCol="0">
+              <a:spAutoFit/>
+            </a:bodyPr>
+            <a:lstStyle/>
+            <a:p>
+              <a:r>
+                <a:rPr lang="en-US" sz="2400">
+                  <a:solidFill>
+                    <a:schemeClr val="tx1">
+                      <a:lumMod val="95000"/>
+                      <a:lumOff val="5000"/>
+                    </a:schemeClr>
+                  </a:solidFill>
+                </a:rPr>
+                <a:t>-</a:t>
+              </a:r>
+            </a:p>
+          </p:txBody>
+        </p:sp>
+      </p:grpSp>
+      <p:cxnSp>
+        <p:nvCxnSpPr>
+          <p:cNvPr id="3" name="Elbow Connector 2"/>
+          <p:cNvCxnSpPr>
+            <a:stCxn id="472" idx="3"/>
+            <a:endCxn id="269" idx="2"/>
+          </p:cNvCxnSpPr>
+          <p:nvPr/>
+        </p:nvCxnSpPr>
+        <p:spPr>
+          <a:xfrm rot="5400000">
+            <a:off x="733122" y="2680415"/>
+            <a:ext cx="2862870" cy="2145057"/>
+          </a:xfrm>
+          <a:prstGeom prst="bentConnector4">
+            <a:avLst>
+              <a:gd name="adj1" fmla="val 3733"/>
+              <a:gd name="adj2" fmla="val 96448"/>
+            </a:avLst>
+          </a:prstGeom>
+          <a:ln>
+            <a:tailEnd type="triangle"/>
+          </a:ln>
+        </p:spPr>
+        <p:style>
+          <a:lnRef idx="1">
+            <a:schemeClr val="accent1"/>
+          </a:lnRef>
+          <a:fillRef idx="0">
+            <a:schemeClr val="accent1"/>
+          </a:fillRef>
+          <a:effectRef idx="0">
+            <a:schemeClr val="accent1"/>
+          </a:effectRef>
+          <a:fontRef idx="minor">
+            <a:schemeClr val="tx1"/>
+          </a:fontRef>
+        </p:style>
+      </p:cxnSp>
+      <p:sp>
+        <p:nvSpPr>
+          <p:cNvPr id="99" name="TextBox 98"/>
+          <p:cNvSpPr txBox="1"/>
+          <p:nvPr/>
+        </p:nvSpPr>
+        <p:spPr>
+          <a:xfrm>
+            <a:off x="1313578" y="2665445"/>
+            <a:ext cx="279244" cy="461665"/>
+          </a:xfrm>
+          <a:prstGeom prst="rect">
+            <a:avLst/>
+          </a:prstGeom>
+          <a:noFill/>
+        </p:spPr>
+        <p:txBody>
+          <a:bodyPr wrap="none" rtlCol="0">
+            <a:spAutoFit/>
+          </a:bodyPr>
+          <a:lstStyle/>
+          <a:p>
+            <a:r>
+              <a:rPr lang="en-US" sz="2400">
+                <a:solidFill>
+                  <a:schemeClr val="tx1">
+                    <a:lumMod val="95000"/>
+                    <a:lumOff val="5000"/>
+                  </a:schemeClr>
+                </a:solidFill>
+              </a:rPr>
+              <a:t>-</a:t>
+            </a:r>
+          </a:p>
+        </p:txBody>
+      </p:sp>
+    </p:spTree>
+    <p:extLst>
+      <p:ext uri="{BB962C8B-B14F-4D97-AF65-F5344CB8AC3E}">
+        <p14:creationId xmlns:p14="http://schemas.microsoft.com/office/powerpoint/2010/main" val="3374931967"/>
+      </p:ext>
+    </p:extLst>
+  </p:cSld>
+  <p:clrMapOvr>
+    <a:masterClrMapping/>
+  </p:clrMapOvr>
 </p:sld>
 </file>
 
